--- a/EBooks/Diagrams2.pptx
+++ b/EBooks/Diagrams2.pptx
@@ -6,7 +6,17 @@
   </p:sldMasterIdLst>
   <p:sldIdLst>
     <p:sldId id="256" r:id="rId2"/>
-    <p:sldId id="257" r:id="rId3"/>
+    <p:sldId id="258" r:id="rId3"/>
+    <p:sldId id="257" r:id="rId4"/>
+    <p:sldId id="259" r:id="rId5"/>
+    <p:sldId id="260" r:id="rId6"/>
+    <p:sldId id="261" r:id="rId7"/>
+    <p:sldId id="262" r:id="rId8"/>
+    <p:sldId id="263" r:id="rId9"/>
+    <p:sldId id="264" r:id="rId10"/>
+    <p:sldId id="265" r:id="rId11"/>
+    <p:sldId id="266" r:id="rId12"/>
+    <p:sldId id="267" r:id="rId13"/>
   </p:sldIdLst>
   <p:sldSz cx="9144000" cy="6858000" type="screen4x3"/>
   <p:notesSz cx="6858000" cy="9144000"/>
@@ -290,7 +300,7 @@
             <a:fld id="{77CA5DE0-DE13-4F22-ABB0-253098985218}" type="datetimeFigureOut">
               <a:rPr lang="en-US" smtClean="0"/>
               <a:pPr/>
-              <a:t>3/30/2017</a:t>
+              <a:t>2/16/2018</a:t>
             </a:fld>
             <a:endParaRPr lang="en-US"/>
           </a:p>
@@ -457,7 +467,7 @@
             <a:fld id="{77CA5DE0-DE13-4F22-ABB0-253098985218}" type="datetimeFigureOut">
               <a:rPr lang="en-US" smtClean="0"/>
               <a:pPr/>
-              <a:t>3/30/2017</a:t>
+              <a:t>2/16/2018</a:t>
             </a:fld>
             <a:endParaRPr lang="en-US"/>
           </a:p>
@@ -634,7 +644,7 @@
             <a:fld id="{77CA5DE0-DE13-4F22-ABB0-253098985218}" type="datetimeFigureOut">
               <a:rPr lang="en-US" smtClean="0"/>
               <a:pPr/>
-              <a:t>3/30/2017</a:t>
+              <a:t>2/16/2018</a:t>
             </a:fld>
             <a:endParaRPr lang="en-US"/>
           </a:p>
@@ -801,7 +811,7 @@
             <a:fld id="{77CA5DE0-DE13-4F22-ABB0-253098985218}" type="datetimeFigureOut">
               <a:rPr lang="en-US" smtClean="0"/>
               <a:pPr/>
-              <a:t>3/30/2017</a:t>
+              <a:t>2/16/2018</a:t>
             </a:fld>
             <a:endParaRPr lang="en-US"/>
           </a:p>
@@ -1044,7 +1054,7 @@
             <a:fld id="{77CA5DE0-DE13-4F22-ABB0-253098985218}" type="datetimeFigureOut">
               <a:rPr lang="en-US" smtClean="0"/>
               <a:pPr/>
-              <a:t>3/30/2017</a:t>
+              <a:t>2/16/2018</a:t>
             </a:fld>
             <a:endParaRPr lang="en-US"/>
           </a:p>
@@ -1329,7 +1339,7 @@
             <a:fld id="{77CA5DE0-DE13-4F22-ABB0-253098985218}" type="datetimeFigureOut">
               <a:rPr lang="en-US" smtClean="0"/>
               <a:pPr/>
-              <a:t>3/30/2017</a:t>
+              <a:t>2/16/2018</a:t>
             </a:fld>
             <a:endParaRPr lang="en-US"/>
           </a:p>
@@ -1748,7 +1758,7 @@
             <a:fld id="{77CA5DE0-DE13-4F22-ABB0-253098985218}" type="datetimeFigureOut">
               <a:rPr lang="en-US" smtClean="0"/>
               <a:pPr/>
-              <a:t>3/30/2017</a:t>
+              <a:t>2/16/2018</a:t>
             </a:fld>
             <a:endParaRPr lang="en-US"/>
           </a:p>
@@ -1863,7 +1873,7 @@
             <a:fld id="{77CA5DE0-DE13-4F22-ABB0-253098985218}" type="datetimeFigureOut">
               <a:rPr lang="en-US" smtClean="0"/>
               <a:pPr/>
-              <a:t>3/30/2017</a:t>
+              <a:t>2/16/2018</a:t>
             </a:fld>
             <a:endParaRPr lang="en-US"/>
           </a:p>
@@ -1955,7 +1965,7 @@
             <a:fld id="{77CA5DE0-DE13-4F22-ABB0-253098985218}" type="datetimeFigureOut">
               <a:rPr lang="en-US" smtClean="0"/>
               <a:pPr/>
-              <a:t>3/30/2017</a:t>
+              <a:t>2/16/2018</a:t>
             </a:fld>
             <a:endParaRPr lang="en-US"/>
           </a:p>
@@ -2229,7 +2239,7 @@
             <a:fld id="{77CA5DE0-DE13-4F22-ABB0-253098985218}" type="datetimeFigureOut">
               <a:rPr lang="en-US" smtClean="0"/>
               <a:pPr/>
-              <a:t>3/30/2017</a:t>
+              <a:t>2/16/2018</a:t>
             </a:fld>
             <a:endParaRPr lang="en-US"/>
           </a:p>
@@ -2479,7 +2489,7 @@
             <a:fld id="{77CA5DE0-DE13-4F22-ABB0-253098985218}" type="datetimeFigureOut">
               <a:rPr lang="en-US" smtClean="0"/>
               <a:pPr/>
-              <a:t>3/30/2017</a:t>
+              <a:t>2/16/2018</a:t>
             </a:fld>
             <a:endParaRPr lang="en-US"/>
           </a:p>
@@ -2689,7 +2699,7 @@
             <a:fld id="{77CA5DE0-DE13-4F22-ABB0-253098985218}" type="datetimeFigureOut">
               <a:rPr lang="en-US" smtClean="0"/>
               <a:pPr/>
-              <a:t>3/30/2017</a:t>
+              <a:t>2/16/2018</a:t>
             </a:fld>
             <a:endParaRPr lang="en-US"/>
           </a:p>
@@ -3060,6 +3070,70 @@
           <a:chExt cx="0" cy="0"/>
         </a:xfrm>
       </p:grpSpPr>
+      <p:pic>
+        <p:nvPicPr>
+          <p:cNvPr id="40" name="Picture 3"/>
+          <p:cNvPicPr>
+            <a:picLocks noChangeAspect="1" noChangeArrowheads="1"/>
+          </p:cNvPicPr>
+          <p:nvPr/>
+        </p:nvPicPr>
+        <p:blipFill>
+          <a:blip r:embed="rId2" cstate="print"/>
+          <a:srcRect/>
+          <a:stretch>
+            <a:fillRect/>
+          </a:stretch>
+        </p:blipFill>
+        <p:spPr bwMode="auto">
+          <a:xfrm>
+            <a:off x="39687" y="4038600"/>
+            <a:ext cx="7427913" cy="2661895"/>
+          </a:xfrm>
+          <a:prstGeom prst="rect">
+            <a:avLst/>
+          </a:prstGeom>
+          <a:noFill/>
+          <a:ln w="9525">
+            <a:noFill/>
+            <a:miter lim="800000"/>
+            <a:headEnd/>
+            <a:tailEnd/>
+          </a:ln>
+        </p:spPr>
+      </p:pic>
+      <p:pic>
+        <p:nvPicPr>
+          <p:cNvPr id="1026" name="Picture 2"/>
+          <p:cNvPicPr>
+            <a:picLocks noChangeAspect="1" noChangeArrowheads="1"/>
+          </p:cNvPicPr>
+          <p:nvPr/>
+        </p:nvPicPr>
+        <p:blipFill>
+          <a:blip r:embed="rId3" cstate="print"/>
+          <a:srcRect/>
+          <a:stretch>
+            <a:fillRect/>
+          </a:stretch>
+        </p:blipFill>
+        <p:spPr bwMode="auto">
+          <a:xfrm>
+            <a:off x="6096000" y="457200"/>
+            <a:ext cx="2502208" cy="3162300"/>
+          </a:xfrm>
+          <a:prstGeom prst="rect">
+            <a:avLst/>
+          </a:prstGeom>
+          <a:noFill/>
+          <a:ln w="9525">
+            <a:noFill/>
+            <a:miter lim="800000"/>
+            <a:headEnd/>
+            <a:tailEnd/>
+          </a:ln>
+        </p:spPr>
+      </p:pic>
       <p:grpSp>
         <p:nvGrpSpPr>
           <p:cNvPr id="47" name="Group 46"/>
@@ -3068,7 +3142,7 @@
         </p:nvGrpSpPr>
         <p:grpSpPr>
           <a:xfrm>
-            <a:off x="228600" y="300038"/>
+            <a:off x="76200" y="228600"/>
             <a:ext cx="7689582" cy="2976562"/>
             <a:chOff x="856130" y="591979"/>
             <a:chExt cx="7689582" cy="2976562"/>
@@ -3780,7 +3854,1713 @@
 </p:sld>
 </file>
 
+<file path=ppt/slides/slide10.xml><?xml version="1.0" encoding="utf-8"?>
+<p:sld xmlns:a="http://schemas.openxmlformats.org/drawingml/2006/main" xmlns:r="http://schemas.openxmlformats.org/officeDocument/2006/relationships" xmlns:p="http://schemas.openxmlformats.org/presentationml/2006/main">
+  <p:cSld>
+    <p:spTree>
+      <p:nvGrpSpPr>
+        <p:cNvPr id="1" name=""/>
+        <p:cNvGrpSpPr/>
+        <p:nvPr/>
+      </p:nvGrpSpPr>
+      <p:grpSpPr>
+        <a:xfrm>
+          <a:off x="0" y="0"/>
+          <a:ext cx="0" cy="0"/>
+          <a:chOff x="0" y="0"/>
+          <a:chExt cx="0" cy="0"/>
+        </a:xfrm>
+      </p:grpSpPr>
+      <p:pic>
+        <p:nvPicPr>
+          <p:cNvPr id="1031" name="Picture 7" descr="https://documents.lucidchart.com/documents/2260fa93-9fd3-4082-a937-ba73d348708f/pages/0_0?a=674&amp;x=0&amp;y=962&amp;w=1320&amp;h=391&amp;store=1&amp;accept=image%2F*&amp;auth=LCA%20f6a04b8e4c0fc4a96f37b91f259f73109f9dcab6-ts%3D1509364707"/>
+          <p:cNvPicPr>
+            <a:picLocks noChangeAspect="1" noChangeArrowheads="1"/>
+          </p:cNvPicPr>
+          <p:nvPr/>
+        </p:nvPicPr>
+        <p:blipFill>
+          <a:blip r:embed="rId2" cstate="print"/>
+          <a:srcRect/>
+          <a:stretch>
+            <a:fillRect/>
+          </a:stretch>
+        </p:blipFill>
+        <p:spPr bwMode="auto">
+          <a:xfrm>
+            <a:off x="68350" y="4800600"/>
+            <a:ext cx="6789650" cy="2011176"/>
+          </a:xfrm>
+          <a:prstGeom prst="rect">
+            <a:avLst/>
+          </a:prstGeom>
+          <a:noFill/>
+        </p:spPr>
+      </p:pic>
+      <p:pic>
+        <p:nvPicPr>
+          <p:cNvPr id="1027" name="Picture 3"/>
+          <p:cNvPicPr>
+            <a:picLocks noChangeAspect="1" noChangeArrowheads="1"/>
+          </p:cNvPicPr>
+          <p:nvPr/>
+        </p:nvPicPr>
+        <p:blipFill>
+          <a:blip r:embed="rId3" cstate="print"/>
+          <a:srcRect/>
+          <a:stretch>
+            <a:fillRect/>
+          </a:stretch>
+        </p:blipFill>
+        <p:spPr bwMode="auto">
+          <a:xfrm>
+            <a:off x="3248467" y="2708200"/>
+            <a:ext cx="3533333" cy="1940000"/>
+          </a:xfrm>
+          <a:prstGeom prst="rect">
+            <a:avLst/>
+          </a:prstGeom>
+          <a:noFill/>
+          <a:ln w="9525">
+            <a:noFill/>
+            <a:miter lim="800000"/>
+            <a:headEnd/>
+            <a:tailEnd/>
+          </a:ln>
+        </p:spPr>
+      </p:pic>
+      <p:pic>
+        <p:nvPicPr>
+          <p:cNvPr id="1029" name="Picture 5" descr="https://documents.lucidchart.com/documents/2260fa93-9fd3-4082-a937-ba73d348708f/pages/0_0?a=674&amp;x=27&amp;y=41&amp;w=726&amp;h=418&amp;store=1&amp;accept=image%2F*&amp;auth=LCA%201e62daadd139b3de05cd235df67c1bc1209d20ee-ts%3D1509364707"/>
+          <p:cNvPicPr>
+            <a:picLocks noChangeAspect="1" noChangeArrowheads="1"/>
+          </p:cNvPicPr>
+          <p:nvPr/>
+        </p:nvPicPr>
+        <p:blipFill>
+          <a:blip r:embed="rId4" cstate="print"/>
+          <a:srcRect/>
+          <a:stretch>
+            <a:fillRect/>
+          </a:stretch>
+        </p:blipFill>
+        <p:spPr bwMode="auto">
+          <a:xfrm>
+            <a:off x="0" y="1"/>
+            <a:ext cx="3319384" cy="1911161"/>
+          </a:xfrm>
+          <a:prstGeom prst="rect">
+            <a:avLst/>
+          </a:prstGeom>
+          <a:noFill/>
+        </p:spPr>
+      </p:pic>
+      <p:graphicFrame>
+        <p:nvGraphicFramePr>
+          <p:cNvPr id="7" name="Table 6"/>
+          <p:cNvGraphicFramePr>
+            <a:graphicFrameLocks noGrp="1"/>
+          </p:cNvGraphicFramePr>
+          <p:nvPr/>
+        </p:nvGraphicFramePr>
+        <p:xfrm>
+          <a:off x="390524" y="1965960"/>
+          <a:ext cx="2505076" cy="2834640"/>
+        </p:xfrm>
+        <a:graphic>
+          <a:graphicData uri="http://schemas.openxmlformats.org/drawingml/2006/table">
+            <a:tbl>
+              <a:tblPr/>
+              <a:tblGrid>
+                <a:gridCol w="1252538"/>
+                <a:gridCol w="1252538"/>
+              </a:tblGrid>
+              <a:tr h="236220">
+                <a:tc>
+                  <a:txBody>
+                    <a:bodyPr/>
+                    <a:lstStyle/>
+                    <a:p>
+                      <a:endParaRPr lang="en-US" sz="800" dirty="0"/>
+                    </a:p>
+                  </a:txBody>
+                  <a:tcPr anchor="ctr">
+                    <a:lnL w="9525" cap="flat" cmpd="sng" algn="ctr">
+                      <a:solidFill>
+                        <a:srgbClr val="9C0C5C"/>
+                      </a:solidFill>
+                      <a:prstDash val="solid"/>
+                      <a:round/>
+                      <a:headEnd type="none" w="med" len="med"/>
+                      <a:tailEnd type="none" w="med" len="med"/>
+                    </a:lnL>
+                    <a:lnR w="9525" cap="flat" cmpd="sng" algn="ctr">
+                      <a:solidFill>
+                        <a:srgbClr val="9C0C5C"/>
+                      </a:solidFill>
+                      <a:prstDash val="solid"/>
+                      <a:round/>
+                      <a:headEnd type="none" w="med" len="med"/>
+                      <a:tailEnd type="none" w="med" len="med"/>
+                    </a:lnR>
+                    <a:lnT w="9525" cap="flat" cmpd="sng" algn="ctr">
+                      <a:solidFill>
+                        <a:srgbClr val="9C0C5C"/>
+                      </a:solidFill>
+                      <a:prstDash val="solid"/>
+                      <a:round/>
+                      <a:headEnd type="none" w="med" len="med"/>
+                      <a:tailEnd type="none" w="med" len="med"/>
+                    </a:lnT>
+                    <a:lnB w="9525" cap="flat" cmpd="sng" algn="ctr">
+                      <a:solidFill>
+                        <a:srgbClr val="9C0C5C"/>
+                      </a:solidFill>
+                      <a:prstDash val="solid"/>
+                      <a:round/>
+                      <a:headEnd type="none" w="med" len="med"/>
+                      <a:tailEnd type="none" w="med" len="med"/>
+                    </a:lnB>
+                  </a:tcPr>
+                </a:tc>
+                <a:tc>
+                  <a:txBody>
+                    <a:bodyPr/>
+                    <a:lstStyle/>
+                    <a:p>
+                      <a:endParaRPr lang="en-US" sz="800"/>
+                    </a:p>
+                  </a:txBody>
+                  <a:tcPr anchor="ctr">
+                    <a:lnL w="9525" cap="flat" cmpd="sng" algn="ctr">
+                      <a:solidFill>
+                        <a:srgbClr val="9C0C5C"/>
+                      </a:solidFill>
+                      <a:prstDash val="solid"/>
+                      <a:round/>
+                      <a:headEnd type="none" w="med" len="med"/>
+                      <a:tailEnd type="none" w="med" len="med"/>
+                    </a:lnL>
+                    <a:lnR w="9525" cap="flat" cmpd="sng" algn="ctr">
+                      <a:solidFill>
+                        <a:srgbClr val="9C0C5C"/>
+                      </a:solidFill>
+                      <a:prstDash val="solid"/>
+                      <a:round/>
+                      <a:headEnd type="none" w="med" len="med"/>
+                      <a:tailEnd type="none" w="med" len="med"/>
+                    </a:lnR>
+                    <a:lnT w="9525" cap="flat" cmpd="sng" algn="ctr">
+                      <a:solidFill>
+                        <a:srgbClr val="9C0C5C"/>
+                      </a:solidFill>
+                      <a:prstDash val="solid"/>
+                      <a:round/>
+                      <a:headEnd type="none" w="med" len="med"/>
+                      <a:tailEnd type="none" w="med" len="med"/>
+                    </a:lnT>
+                    <a:lnB w="9525" cap="flat" cmpd="sng" algn="ctr">
+                      <a:solidFill>
+                        <a:srgbClr val="9C0C5C"/>
+                      </a:solidFill>
+                      <a:prstDash val="solid"/>
+                      <a:round/>
+                      <a:headEnd type="none" w="med" len="med"/>
+                      <a:tailEnd type="none" w="med" len="med"/>
+                    </a:lnB>
+                  </a:tcPr>
+                </a:tc>
+              </a:tr>
+              <a:tr h="236220">
+                <a:tc>
+                  <a:txBody>
+                    <a:bodyPr/>
+                    <a:lstStyle/>
+                    <a:p>
+                      <a:endParaRPr lang="en-US" sz="800"/>
+                    </a:p>
+                  </a:txBody>
+                  <a:tcPr anchor="ctr">
+                    <a:lnL w="9525" cap="flat" cmpd="sng" algn="ctr">
+                      <a:solidFill>
+                        <a:srgbClr val="9C0C5C"/>
+                      </a:solidFill>
+                      <a:prstDash val="solid"/>
+                      <a:round/>
+                      <a:headEnd type="none" w="med" len="med"/>
+                      <a:tailEnd type="none" w="med" len="med"/>
+                    </a:lnL>
+                    <a:lnR w="9525" cap="flat" cmpd="sng" algn="ctr">
+                      <a:solidFill>
+                        <a:srgbClr val="9C0C5C"/>
+                      </a:solidFill>
+                      <a:prstDash val="solid"/>
+                      <a:round/>
+                      <a:headEnd type="none" w="med" len="med"/>
+                      <a:tailEnd type="none" w="med" len="med"/>
+                    </a:lnR>
+                    <a:lnT w="9525" cap="flat" cmpd="sng" algn="ctr">
+                      <a:solidFill>
+                        <a:srgbClr val="9C0C5C"/>
+                      </a:solidFill>
+                      <a:prstDash val="solid"/>
+                      <a:round/>
+                      <a:headEnd type="none" w="med" len="med"/>
+                      <a:tailEnd type="none" w="med" len="med"/>
+                    </a:lnT>
+                    <a:lnB w="9525" cap="flat" cmpd="sng" algn="ctr">
+                      <a:solidFill>
+                        <a:srgbClr val="9C0C5C"/>
+                      </a:solidFill>
+                      <a:prstDash val="solid"/>
+                      <a:round/>
+                      <a:headEnd type="none" w="med" len="med"/>
+                      <a:tailEnd type="none" w="med" len="med"/>
+                    </a:lnB>
+                  </a:tcPr>
+                </a:tc>
+                <a:tc>
+                  <a:txBody>
+                    <a:bodyPr/>
+                    <a:lstStyle/>
+                    <a:p>
+                      <a:endParaRPr lang="en-US" sz="800"/>
+                    </a:p>
+                  </a:txBody>
+                  <a:tcPr anchor="ctr">
+                    <a:lnL w="9525" cap="flat" cmpd="sng" algn="ctr">
+                      <a:solidFill>
+                        <a:srgbClr val="9C0C5C"/>
+                      </a:solidFill>
+                      <a:prstDash val="solid"/>
+                      <a:round/>
+                      <a:headEnd type="none" w="med" len="med"/>
+                      <a:tailEnd type="none" w="med" len="med"/>
+                    </a:lnL>
+                    <a:lnR w="9525" cap="flat" cmpd="sng" algn="ctr">
+                      <a:solidFill>
+                        <a:srgbClr val="9C0C5C"/>
+                      </a:solidFill>
+                      <a:prstDash val="solid"/>
+                      <a:round/>
+                      <a:headEnd type="none" w="med" len="med"/>
+                      <a:tailEnd type="none" w="med" len="med"/>
+                    </a:lnR>
+                    <a:lnT w="9525" cap="flat" cmpd="sng" algn="ctr">
+                      <a:solidFill>
+                        <a:srgbClr val="9C0C5C"/>
+                      </a:solidFill>
+                      <a:prstDash val="solid"/>
+                      <a:round/>
+                      <a:headEnd type="none" w="med" len="med"/>
+                      <a:tailEnd type="none" w="med" len="med"/>
+                    </a:lnT>
+                    <a:lnB w="9525" cap="flat" cmpd="sng" algn="ctr">
+                      <a:solidFill>
+                        <a:srgbClr val="9C0C5C"/>
+                      </a:solidFill>
+                      <a:prstDash val="solid"/>
+                      <a:round/>
+                      <a:headEnd type="none" w="med" len="med"/>
+                      <a:tailEnd type="none" w="med" len="med"/>
+                    </a:lnB>
+                  </a:tcPr>
+                </a:tc>
+              </a:tr>
+              <a:tr h="236220">
+                <a:tc>
+                  <a:txBody>
+                    <a:bodyPr/>
+                    <a:lstStyle/>
+                    <a:p>
+                      <a:endParaRPr lang="en-US" sz="800" dirty="0"/>
+                    </a:p>
+                  </a:txBody>
+                  <a:tcPr anchor="ctr">
+                    <a:lnL w="9525" cap="flat" cmpd="sng" algn="ctr">
+                      <a:solidFill>
+                        <a:srgbClr val="9C0C5C"/>
+                      </a:solidFill>
+                      <a:prstDash val="solid"/>
+                      <a:round/>
+                      <a:headEnd type="none" w="med" len="med"/>
+                      <a:tailEnd type="none" w="med" len="med"/>
+                    </a:lnL>
+                    <a:lnR w="9525" cap="flat" cmpd="sng" algn="ctr">
+                      <a:solidFill>
+                        <a:srgbClr val="9C0C5C"/>
+                      </a:solidFill>
+                      <a:prstDash val="solid"/>
+                      <a:round/>
+                      <a:headEnd type="none" w="med" len="med"/>
+                      <a:tailEnd type="none" w="med" len="med"/>
+                    </a:lnR>
+                    <a:lnT w="9525" cap="flat" cmpd="sng" algn="ctr">
+                      <a:solidFill>
+                        <a:srgbClr val="9C0C5C"/>
+                      </a:solidFill>
+                      <a:prstDash val="solid"/>
+                      <a:round/>
+                      <a:headEnd type="none" w="med" len="med"/>
+                      <a:tailEnd type="none" w="med" len="med"/>
+                    </a:lnT>
+                    <a:lnB w="9525" cap="flat" cmpd="sng" algn="ctr">
+                      <a:solidFill>
+                        <a:srgbClr val="9C0C5C"/>
+                      </a:solidFill>
+                      <a:prstDash val="solid"/>
+                      <a:round/>
+                      <a:headEnd type="none" w="med" len="med"/>
+                      <a:tailEnd type="none" w="med" len="med"/>
+                    </a:lnB>
+                  </a:tcPr>
+                </a:tc>
+                <a:tc>
+                  <a:txBody>
+                    <a:bodyPr/>
+                    <a:lstStyle/>
+                    <a:p>
+                      <a:endParaRPr lang="en-US" sz="800"/>
+                    </a:p>
+                  </a:txBody>
+                  <a:tcPr anchor="ctr">
+                    <a:lnL w="9525" cap="flat" cmpd="sng" algn="ctr">
+                      <a:solidFill>
+                        <a:srgbClr val="9C0C5C"/>
+                      </a:solidFill>
+                      <a:prstDash val="solid"/>
+                      <a:round/>
+                      <a:headEnd type="none" w="med" len="med"/>
+                      <a:tailEnd type="none" w="med" len="med"/>
+                    </a:lnL>
+                    <a:lnR w="9525" cap="flat" cmpd="sng" algn="ctr">
+                      <a:solidFill>
+                        <a:srgbClr val="9C0C5C"/>
+                      </a:solidFill>
+                      <a:prstDash val="solid"/>
+                      <a:round/>
+                      <a:headEnd type="none" w="med" len="med"/>
+                      <a:tailEnd type="none" w="med" len="med"/>
+                    </a:lnR>
+                    <a:lnT w="9525" cap="flat" cmpd="sng" algn="ctr">
+                      <a:solidFill>
+                        <a:srgbClr val="9C0C5C"/>
+                      </a:solidFill>
+                      <a:prstDash val="solid"/>
+                      <a:round/>
+                      <a:headEnd type="none" w="med" len="med"/>
+                      <a:tailEnd type="none" w="med" len="med"/>
+                    </a:lnT>
+                    <a:lnB w="9525" cap="flat" cmpd="sng" algn="ctr">
+                      <a:solidFill>
+                        <a:srgbClr val="9C0C5C"/>
+                      </a:solidFill>
+                      <a:prstDash val="solid"/>
+                      <a:round/>
+                      <a:headEnd type="none" w="med" len="med"/>
+                      <a:tailEnd type="none" w="med" len="med"/>
+                    </a:lnB>
+                  </a:tcPr>
+                </a:tc>
+              </a:tr>
+              <a:tr h="236220">
+                <a:tc>
+                  <a:txBody>
+                    <a:bodyPr/>
+                    <a:lstStyle/>
+                    <a:p>
+                      <a:endParaRPr lang="en-US" sz="800"/>
+                    </a:p>
+                  </a:txBody>
+                  <a:tcPr anchor="ctr">
+                    <a:lnL w="9525" cap="flat" cmpd="sng" algn="ctr">
+                      <a:solidFill>
+                        <a:srgbClr val="9C0C5C"/>
+                      </a:solidFill>
+                      <a:prstDash val="solid"/>
+                      <a:round/>
+                      <a:headEnd type="none" w="med" len="med"/>
+                      <a:tailEnd type="none" w="med" len="med"/>
+                    </a:lnL>
+                    <a:lnR w="9525" cap="flat" cmpd="sng" algn="ctr">
+                      <a:solidFill>
+                        <a:srgbClr val="9C0C5C"/>
+                      </a:solidFill>
+                      <a:prstDash val="solid"/>
+                      <a:round/>
+                      <a:headEnd type="none" w="med" len="med"/>
+                      <a:tailEnd type="none" w="med" len="med"/>
+                    </a:lnR>
+                    <a:lnT w="9525" cap="flat" cmpd="sng" algn="ctr">
+                      <a:solidFill>
+                        <a:srgbClr val="9C0C5C"/>
+                      </a:solidFill>
+                      <a:prstDash val="solid"/>
+                      <a:round/>
+                      <a:headEnd type="none" w="med" len="med"/>
+                      <a:tailEnd type="none" w="med" len="med"/>
+                    </a:lnT>
+                    <a:lnB w="9525" cap="flat" cmpd="sng" algn="ctr">
+                      <a:solidFill>
+                        <a:srgbClr val="9C0C5C"/>
+                      </a:solidFill>
+                      <a:prstDash val="solid"/>
+                      <a:round/>
+                      <a:headEnd type="none" w="med" len="med"/>
+                      <a:tailEnd type="none" w="med" len="med"/>
+                    </a:lnB>
+                  </a:tcPr>
+                </a:tc>
+                <a:tc>
+                  <a:txBody>
+                    <a:bodyPr/>
+                    <a:lstStyle/>
+                    <a:p>
+                      <a:endParaRPr lang="en-US" sz="800" dirty="0"/>
+                    </a:p>
+                  </a:txBody>
+                  <a:tcPr anchor="ctr">
+                    <a:lnL w="9525" cap="flat" cmpd="sng" algn="ctr">
+                      <a:solidFill>
+                        <a:srgbClr val="9C0C5C"/>
+                      </a:solidFill>
+                      <a:prstDash val="solid"/>
+                      <a:round/>
+                      <a:headEnd type="none" w="med" len="med"/>
+                      <a:tailEnd type="none" w="med" len="med"/>
+                    </a:lnL>
+                    <a:lnR w="9525" cap="flat" cmpd="sng" algn="ctr">
+                      <a:solidFill>
+                        <a:srgbClr val="9C0C5C"/>
+                      </a:solidFill>
+                      <a:prstDash val="solid"/>
+                      <a:round/>
+                      <a:headEnd type="none" w="med" len="med"/>
+                      <a:tailEnd type="none" w="med" len="med"/>
+                    </a:lnR>
+                    <a:lnT w="9525" cap="flat" cmpd="sng" algn="ctr">
+                      <a:solidFill>
+                        <a:srgbClr val="9C0C5C"/>
+                      </a:solidFill>
+                      <a:prstDash val="solid"/>
+                      <a:round/>
+                      <a:headEnd type="none" w="med" len="med"/>
+                      <a:tailEnd type="none" w="med" len="med"/>
+                    </a:lnT>
+                    <a:lnB w="9525" cap="flat" cmpd="sng" algn="ctr">
+                      <a:solidFill>
+                        <a:srgbClr val="9C0C5C"/>
+                      </a:solidFill>
+                      <a:prstDash val="solid"/>
+                      <a:round/>
+                      <a:headEnd type="none" w="med" len="med"/>
+                      <a:tailEnd type="none" w="med" len="med"/>
+                    </a:lnB>
+                  </a:tcPr>
+                </a:tc>
+              </a:tr>
+              <a:tr h="236220">
+                <a:tc>
+                  <a:txBody>
+                    <a:bodyPr/>
+                    <a:lstStyle/>
+                    <a:p>
+                      <a:endParaRPr lang="en-US" sz="800"/>
+                    </a:p>
+                  </a:txBody>
+                  <a:tcPr anchor="ctr">
+                    <a:lnL w="9525" cap="flat" cmpd="sng" algn="ctr">
+                      <a:solidFill>
+                        <a:srgbClr val="9C0C5C"/>
+                      </a:solidFill>
+                      <a:prstDash val="solid"/>
+                      <a:round/>
+                      <a:headEnd type="none" w="med" len="med"/>
+                      <a:tailEnd type="none" w="med" len="med"/>
+                    </a:lnL>
+                    <a:lnR w="9525" cap="flat" cmpd="sng" algn="ctr">
+                      <a:solidFill>
+                        <a:srgbClr val="9C0C5C"/>
+                      </a:solidFill>
+                      <a:prstDash val="solid"/>
+                      <a:round/>
+                      <a:headEnd type="none" w="med" len="med"/>
+                      <a:tailEnd type="none" w="med" len="med"/>
+                    </a:lnR>
+                    <a:lnT w="9525" cap="flat" cmpd="sng" algn="ctr">
+                      <a:solidFill>
+                        <a:srgbClr val="9C0C5C"/>
+                      </a:solidFill>
+                      <a:prstDash val="solid"/>
+                      <a:round/>
+                      <a:headEnd type="none" w="med" len="med"/>
+                      <a:tailEnd type="none" w="med" len="med"/>
+                    </a:lnT>
+                    <a:lnB w="9525" cap="flat" cmpd="sng" algn="ctr">
+                      <a:solidFill>
+                        <a:srgbClr val="9C0C5C"/>
+                      </a:solidFill>
+                      <a:prstDash val="solid"/>
+                      <a:round/>
+                      <a:headEnd type="none" w="med" len="med"/>
+                      <a:tailEnd type="none" w="med" len="med"/>
+                    </a:lnB>
+                  </a:tcPr>
+                </a:tc>
+                <a:tc>
+                  <a:txBody>
+                    <a:bodyPr/>
+                    <a:lstStyle/>
+                    <a:p>
+                      <a:endParaRPr lang="en-US" sz="800" dirty="0"/>
+                    </a:p>
+                  </a:txBody>
+                  <a:tcPr anchor="ctr">
+                    <a:lnL w="9525" cap="flat" cmpd="sng" algn="ctr">
+                      <a:solidFill>
+                        <a:srgbClr val="9C0C5C"/>
+                      </a:solidFill>
+                      <a:prstDash val="solid"/>
+                      <a:round/>
+                      <a:headEnd type="none" w="med" len="med"/>
+                      <a:tailEnd type="none" w="med" len="med"/>
+                    </a:lnL>
+                    <a:lnR w="9525" cap="flat" cmpd="sng" algn="ctr">
+                      <a:solidFill>
+                        <a:srgbClr val="9C0C5C"/>
+                      </a:solidFill>
+                      <a:prstDash val="solid"/>
+                      <a:round/>
+                      <a:headEnd type="none" w="med" len="med"/>
+                      <a:tailEnd type="none" w="med" len="med"/>
+                    </a:lnR>
+                    <a:lnT w="9525" cap="flat" cmpd="sng" algn="ctr">
+                      <a:solidFill>
+                        <a:srgbClr val="9C0C5C"/>
+                      </a:solidFill>
+                      <a:prstDash val="solid"/>
+                      <a:round/>
+                      <a:headEnd type="none" w="med" len="med"/>
+                      <a:tailEnd type="none" w="med" len="med"/>
+                    </a:lnT>
+                    <a:lnB w="9525" cap="flat" cmpd="sng" algn="ctr">
+                      <a:solidFill>
+                        <a:srgbClr val="9C0C5C"/>
+                      </a:solidFill>
+                      <a:prstDash val="solid"/>
+                      <a:round/>
+                      <a:headEnd type="none" w="med" len="med"/>
+                      <a:tailEnd type="none" w="med" len="med"/>
+                    </a:lnB>
+                  </a:tcPr>
+                </a:tc>
+              </a:tr>
+              <a:tr h="236220">
+                <a:tc>
+                  <a:txBody>
+                    <a:bodyPr/>
+                    <a:lstStyle/>
+                    <a:p>
+                      <a:endParaRPr lang="en-US" sz="800"/>
+                    </a:p>
+                  </a:txBody>
+                  <a:tcPr anchor="ctr">
+                    <a:lnL w="9525" cap="flat" cmpd="sng" algn="ctr">
+                      <a:solidFill>
+                        <a:srgbClr val="9C0C5C"/>
+                      </a:solidFill>
+                      <a:prstDash val="solid"/>
+                      <a:round/>
+                      <a:headEnd type="none" w="med" len="med"/>
+                      <a:tailEnd type="none" w="med" len="med"/>
+                    </a:lnL>
+                    <a:lnR w="9525" cap="flat" cmpd="sng" algn="ctr">
+                      <a:solidFill>
+                        <a:srgbClr val="9C0C5C"/>
+                      </a:solidFill>
+                      <a:prstDash val="solid"/>
+                      <a:round/>
+                      <a:headEnd type="none" w="med" len="med"/>
+                      <a:tailEnd type="none" w="med" len="med"/>
+                    </a:lnR>
+                    <a:lnT w="9525" cap="flat" cmpd="sng" algn="ctr">
+                      <a:solidFill>
+                        <a:srgbClr val="9C0C5C"/>
+                      </a:solidFill>
+                      <a:prstDash val="solid"/>
+                      <a:round/>
+                      <a:headEnd type="none" w="med" len="med"/>
+                      <a:tailEnd type="none" w="med" len="med"/>
+                    </a:lnT>
+                    <a:lnB w="9525" cap="flat" cmpd="sng" algn="ctr">
+                      <a:solidFill>
+                        <a:srgbClr val="9C0C5C"/>
+                      </a:solidFill>
+                      <a:prstDash val="solid"/>
+                      <a:round/>
+                      <a:headEnd type="none" w="med" len="med"/>
+                      <a:tailEnd type="none" w="med" len="med"/>
+                    </a:lnB>
+                  </a:tcPr>
+                </a:tc>
+                <a:tc>
+                  <a:txBody>
+                    <a:bodyPr/>
+                    <a:lstStyle/>
+                    <a:p>
+                      <a:endParaRPr lang="en-US" sz="800"/>
+                    </a:p>
+                  </a:txBody>
+                  <a:tcPr anchor="ctr">
+                    <a:lnL w="9525" cap="flat" cmpd="sng" algn="ctr">
+                      <a:solidFill>
+                        <a:srgbClr val="9C0C5C"/>
+                      </a:solidFill>
+                      <a:prstDash val="solid"/>
+                      <a:round/>
+                      <a:headEnd type="none" w="med" len="med"/>
+                      <a:tailEnd type="none" w="med" len="med"/>
+                    </a:lnL>
+                    <a:lnR w="9525" cap="flat" cmpd="sng" algn="ctr">
+                      <a:solidFill>
+                        <a:srgbClr val="9C0C5C"/>
+                      </a:solidFill>
+                      <a:prstDash val="solid"/>
+                      <a:round/>
+                      <a:headEnd type="none" w="med" len="med"/>
+                      <a:tailEnd type="none" w="med" len="med"/>
+                    </a:lnR>
+                    <a:lnT w="9525" cap="flat" cmpd="sng" algn="ctr">
+                      <a:solidFill>
+                        <a:srgbClr val="9C0C5C"/>
+                      </a:solidFill>
+                      <a:prstDash val="solid"/>
+                      <a:round/>
+                      <a:headEnd type="none" w="med" len="med"/>
+                      <a:tailEnd type="none" w="med" len="med"/>
+                    </a:lnT>
+                    <a:lnB w="9525" cap="flat" cmpd="sng" algn="ctr">
+                      <a:solidFill>
+                        <a:srgbClr val="9C0C5C"/>
+                      </a:solidFill>
+                      <a:prstDash val="solid"/>
+                      <a:round/>
+                      <a:headEnd type="none" w="med" len="med"/>
+                      <a:tailEnd type="none" w="med" len="med"/>
+                    </a:lnB>
+                  </a:tcPr>
+                </a:tc>
+              </a:tr>
+              <a:tr h="236220">
+                <a:tc>
+                  <a:txBody>
+                    <a:bodyPr/>
+                    <a:lstStyle/>
+                    <a:p>
+                      <a:endParaRPr lang="en-US" sz="800"/>
+                    </a:p>
+                  </a:txBody>
+                  <a:tcPr anchor="ctr">
+                    <a:lnL w="9525" cap="flat" cmpd="sng" algn="ctr">
+                      <a:solidFill>
+                        <a:srgbClr val="9C0C5C"/>
+                      </a:solidFill>
+                      <a:prstDash val="solid"/>
+                      <a:round/>
+                      <a:headEnd type="none" w="med" len="med"/>
+                      <a:tailEnd type="none" w="med" len="med"/>
+                    </a:lnL>
+                    <a:lnR w="9525" cap="flat" cmpd="sng" algn="ctr">
+                      <a:solidFill>
+                        <a:srgbClr val="9C0C5C"/>
+                      </a:solidFill>
+                      <a:prstDash val="solid"/>
+                      <a:round/>
+                      <a:headEnd type="none" w="med" len="med"/>
+                      <a:tailEnd type="none" w="med" len="med"/>
+                    </a:lnR>
+                    <a:lnT w="9525" cap="flat" cmpd="sng" algn="ctr">
+                      <a:solidFill>
+                        <a:srgbClr val="9C0C5C"/>
+                      </a:solidFill>
+                      <a:prstDash val="solid"/>
+                      <a:round/>
+                      <a:headEnd type="none" w="med" len="med"/>
+                      <a:tailEnd type="none" w="med" len="med"/>
+                    </a:lnT>
+                    <a:lnB w="9525" cap="flat" cmpd="sng" algn="ctr">
+                      <a:solidFill>
+                        <a:srgbClr val="9C0C5C"/>
+                      </a:solidFill>
+                      <a:prstDash val="solid"/>
+                      <a:round/>
+                      <a:headEnd type="none" w="med" len="med"/>
+                      <a:tailEnd type="none" w="med" len="med"/>
+                    </a:lnB>
+                  </a:tcPr>
+                </a:tc>
+                <a:tc>
+                  <a:txBody>
+                    <a:bodyPr/>
+                    <a:lstStyle/>
+                    <a:p>
+                      <a:endParaRPr lang="en-US" sz="800"/>
+                    </a:p>
+                  </a:txBody>
+                  <a:tcPr anchor="ctr">
+                    <a:lnL w="9525" cap="flat" cmpd="sng" algn="ctr">
+                      <a:solidFill>
+                        <a:srgbClr val="9C0C5C"/>
+                      </a:solidFill>
+                      <a:prstDash val="solid"/>
+                      <a:round/>
+                      <a:headEnd type="none" w="med" len="med"/>
+                      <a:tailEnd type="none" w="med" len="med"/>
+                    </a:lnL>
+                    <a:lnR w="9525" cap="flat" cmpd="sng" algn="ctr">
+                      <a:solidFill>
+                        <a:srgbClr val="9C0C5C"/>
+                      </a:solidFill>
+                      <a:prstDash val="solid"/>
+                      <a:round/>
+                      <a:headEnd type="none" w="med" len="med"/>
+                      <a:tailEnd type="none" w="med" len="med"/>
+                    </a:lnR>
+                    <a:lnT w="9525" cap="flat" cmpd="sng" algn="ctr">
+                      <a:solidFill>
+                        <a:srgbClr val="9C0C5C"/>
+                      </a:solidFill>
+                      <a:prstDash val="solid"/>
+                      <a:round/>
+                      <a:headEnd type="none" w="med" len="med"/>
+                      <a:tailEnd type="none" w="med" len="med"/>
+                    </a:lnT>
+                    <a:lnB w="9525" cap="flat" cmpd="sng" algn="ctr">
+                      <a:solidFill>
+                        <a:srgbClr val="9C0C5C"/>
+                      </a:solidFill>
+                      <a:prstDash val="solid"/>
+                      <a:round/>
+                      <a:headEnd type="none" w="med" len="med"/>
+                      <a:tailEnd type="none" w="med" len="med"/>
+                    </a:lnB>
+                  </a:tcPr>
+                </a:tc>
+              </a:tr>
+              <a:tr h="236220">
+                <a:tc>
+                  <a:txBody>
+                    <a:bodyPr/>
+                    <a:lstStyle/>
+                    <a:p>
+                      <a:endParaRPr lang="en-US" sz="800"/>
+                    </a:p>
+                  </a:txBody>
+                  <a:tcPr anchor="ctr">
+                    <a:lnL w="9525" cap="flat" cmpd="sng" algn="ctr">
+                      <a:solidFill>
+                        <a:srgbClr val="9C0C5C"/>
+                      </a:solidFill>
+                      <a:prstDash val="solid"/>
+                      <a:round/>
+                      <a:headEnd type="none" w="med" len="med"/>
+                      <a:tailEnd type="none" w="med" len="med"/>
+                    </a:lnL>
+                    <a:lnR w="9525" cap="flat" cmpd="sng" algn="ctr">
+                      <a:solidFill>
+                        <a:srgbClr val="9C0C5C"/>
+                      </a:solidFill>
+                      <a:prstDash val="solid"/>
+                      <a:round/>
+                      <a:headEnd type="none" w="med" len="med"/>
+                      <a:tailEnd type="none" w="med" len="med"/>
+                    </a:lnR>
+                    <a:lnT w="9525" cap="flat" cmpd="sng" algn="ctr">
+                      <a:solidFill>
+                        <a:srgbClr val="9C0C5C"/>
+                      </a:solidFill>
+                      <a:prstDash val="solid"/>
+                      <a:round/>
+                      <a:headEnd type="none" w="med" len="med"/>
+                      <a:tailEnd type="none" w="med" len="med"/>
+                    </a:lnT>
+                    <a:lnB w="9525" cap="flat" cmpd="sng" algn="ctr">
+                      <a:solidFill>
+                        <a:srgbClr val="9C0C5C"/>
+                      </a:solidFill>
+                      <a:prstDash val="solid"/>
+                      <a:round/>
+                      <a:headEnd type="none" w="med" len="med"/>
+                      <a:tailEnd type="none" w="med" len="med"/>
+                    </a:lnB>
+                  </a:tcPr>
+                </a:tc>
+                <a:tc>
+                  <a:txBody>
+                    <a:bodyPr/>
+                    <a:lstStyle/>
+                    <a:p>
+                      <a:endParaRPr lang="en-US" sz="800"/>
+                    </a:p>
+                  </a:txBody>
+                  <a:tcPr anchor="ctr">
+                    <a:lnL w="9525" cap="flat" cmpd="sng" algn="ctr">
+                      <a:solidFill>
+                        <a:srgbClr val="9C0C5C"/>
+                      </a:solidFill>
+                      <a:prstDash val="solid"/>
+                      <a:round/>
+                      <a:headEnd type="none" w="med" len="med"/>
+                      <a:tailEnd type="none" w="med" len="med"/>
+                    </a:lnL>
+                    <a:lnR w="9525" cap="flat" cmpd="sng" algn="ctr">
+                      <a:solidFill>
+                        <a:srgbClr val="9C0C5C"/>
+                      </a:solidFill>
+                      <a:prstDash val="solid"/>
+                      <a:round/>
+                      <a:headEnd type="none" w="med" len="med"/>
+                      <a:tailEnd type="none" w="med" len="med"/>
+                    </a:lnR>
+                    <a:lnT w="9525" cap="flat" cmpd="sng" algn="ctr">
+                      <a:solidFill>
+                        <a:srgbClr val="9C0C5C"/>
+                      </a:solidFill>
+                      <a:prstDash val="solid"/>
+                      <a:round/>
+                      <a:headEnd type="none" w="med" len="med"/>
+                      <a:tailEnd type="none" w="med" len="med"/>
+                    </a:lnT>
+                    <a:lnB w="9525" cap="flat" cmpd="sng" algn="ctr">
+                      <a:solidFill>
+                        <a:srgbClr val="9C0C5C"/>
+                      </a:solidFill>
+                      <a:prstDash val="solid"/>
+                      <a:round/>
+                      <a:headEnd type="none" w="med" len="med"/>
+                      <a:tailEnd type="none" w="med" len="med"/>
+                    </a:lnB>
+                  </a:tcPr>
+                </a:tc>
+              </a:tr>
+              <a:tr h="236220">
+                <a:tc>
+                  <a:txBody>
+                    <a:bodyPr/>
+                    <a:lstStyle/>
+                    <a:p>
+                      <a:endParaRPr lang="en-US" sz="800"/>
+                    </a:p>
+                  </a:txBody>
+                  <a:tcPr anchor="ctr">
+                    <a:lnL w="9525" cap="flat" cmpd="sng" algn="ctr">
+                      <a:solidFill>
+                        <a:srgbClr val="9C0C5C"/>
+                      </a:solidFill>
+                      <a:prstDash val="solid"/>
+                      <a:round/>
+                      <a:headEnd type="none" w="med" len="med"/>
+                      <a:tailEnd type="none" w="med" len="med"/>
+                    </a:lnL>
+                    <a:lnR w="9525" cap="flat" cmpd="sng" algn="ctr">
+                      <a:solidFill>
+                        <a:srgbClr val="9C0C5C"/>
+                      </a:solidFill>
+                      <a:prstDash val="solid"/>
+                      <a:round/>
+                      <a:headEnd type="none" w="med" len="med"/>
+                      <a:tailEnd type="none" w="med" len="med"/>
+                    </a:lnR>
+                    <a:lnT w="9525" cap="flat" cmpd="sng" algn="ctr">
+                      <a:solidFill>
+                        <a:srgbClr val="9C0C5C"/>
+                      </a:solidFill>
+                      <a:prstDash val="solid"/>
+                      <a:round/>
+                      <a:headEnd type="none" w="med" len="med"/>
+                      <a:tailEnd type="none" w="med" len="med"/>
+                    </a:lnT>
+                    <a:lnB w="9525" cap="flat" cmpd="sng" algn="ctr">
+                      <a:solidFill>
+                        <a:srgbClr val="9C0C5C"/>
+                      </a:solidFill>
+                      <a:prstDash val="solid"/>
+                      <a:round/>
+                      <a:headEnd type="none" w="med" len="med"/>
+                      <a:tailEnd type="none" w="med" len="med"/>
+                    </a:lnB>
+                  </a:tcPr>
+                </a:tc>
+                <a:tc>
+                  <a:txBody>
+                    <a:bodyPr/>
+                    <a:lstStyle/>
+                    <a:p>
+                      <a:endParaRPr lang="en-US" sz="800"/>
+                    </a:p>
+                  </a:txBody>
+                  <a:tcPr anchor="ctr">
+                    <a:lnL w="9525" cap="flat" cmpd="sng" algn="ctr">
+                      <a:solidFill>
+                        <a:srgbClr val="9C0C5C"/>
+                      </a:solidFill>
+                      <a:prstDash val="solid"/>
+                      <a:round/>
+                      <a:headEnd type="none" w="med" len="med"/>
+                      <a:tailEnd type="none" w="med" len="med"/>
+                    </a:lnL>
+                    <a:lnR w="9525" cap="flat" cmpd="sng" algn="ctr">
+                      <a:solidFill>
+                        <a:srgbClr val="9C0C5C"/>
+                      </a:solidFill>
+                      <a:prstDash val="solid"/>
+                      <a:round/>
+                      <a:headEnd type="none" w="med" len="med"/>
+                      <a:tailEnd type="none" w="med" len="med"/>
+                    </a:lnR>
+                    <a:lnT w="9525" cap="flat" cmpd="sng" algn="ctr">
+                      <a:solidFill>
+                        <a:srgbClr val="9C0C5C"/>
+                      </a:solidFill>
+                      <a:prstDash val="solid"/>
+                      <a:round/>
+                      <a:headEnd type="none" w="med" len="med"/>
+                      <a:tailEnd type="none" w="med" len="med"/>
+                    </a:lnT>
+                    <a:lnB w="9525" cap="flat" cmpd="sng" algn="ctr">
+                      <a:solidFill>
+                        <a:srgbClr val="9C0C5C"/>
+                      </a:solidFill>
+                      <a:prstDash val="solid"/>
+                      <a:round/>
+                      <a:headEnd type="none" w="med" len="med"/>
+                      <a:tailEnd type="none" w="med" len="med"/>
+                    </a:lnB>
+                  </a:tcPr>
+                </a:tc>
+              </a:tr>
+              <a:tr h="236220">
+                <a:tc>
+                  <a:txBody>
+                    <a:bodyPr/>
+                    <a:lstStyle/>
+                    <a:p>
+                      <a:endParaRPr lang="en-US" sz="800" dirty="0"/>
+                    </a:p>
+                  </a:txBody>
+                  <a:tcPr anchor="ctr">
+                    <a:lnL w="9525" cap="flat" cmpd="sng" algn="ctr">
+                      <a:solidFill>
+                        <a:srgbClr val="9C0C5C"/>
+                      </a:solidFill>
+                      <a:prstDash val="solid"/>
+                      <a:round/>
+                      <a:headEnd type="none" w="med" len="med"/>
+                      <a:tailEnd type="none" w="med" len="med"/>
+                    </a:lnL>
+                    <a:lnR w="9525" cap="flat" cmpd="sng" algn="ctr">
+                      <a:solidFill>
+                        <a:srgbClr val="9C0C5C"/>
+                      </a:solidFill>
+                      <a:prstDash val="solid"/>
+                      <a:round/>
+                      <a:headEnd type="none" w="med" len="med"/>
+                      <a:tailEnd type="none" w="med" len="med"/>
+                    </a:lnR>
+                    <a:lnT w="9525" cap="flat" cmpd="sng" algn="ctr">
+                      <a:solidFill>
+                        <a:srgbClr val="9C0C5C"/>
+                      </a:solidFill>
+                      <a:prstDash val="solid"/>
+                      <a:round/>
+                      <a:headEnd type="none" w="med" len="med"/>
+                      <a:tailEnd type="none" w="med" len="med"/>
+                    </a:lnT>
+                    <a:lnB w="9525" cap="flat" cmpd="sng" algn="ctr">
+                      <a:solidFill>
+                        <a:srgbClr val="9C0C5C"/>
+                      </a:solidFill>
+                      <a:prstDash val="solid"/>
+                      <a:round/>
+                      <a:headEnd type="none" w="med" len="med"/>
+                      <a:tailEnd type="none" w="med" len="med"/>
+                    </a:lnB>
+                  </a:tcPr>
+                </a:tc>
+                <a:tc>
+                  <a:txBody>
+                    <a:bodyPr/>
+                    <a:lstStyle/>
+                    <a:p>
+                      <a:endParaRPr lang="en-US" sz="800" dirty="0"/>
+                    </a:p>
+                  </a:txBody>
+                  <a:tcPr anchor="ctr">
+                    <a:lnL w="9525" cap="flat" cmpd="sng" algn="ctr">
+                      <a:solidFill>
+                        <a:srgbClr val="9C0C5C"/>
+                      </a:solidFill>
+                      <a:prstDash val="solid"/>
+                      <a:round/>
+                      <a:headEnd type="none" w="med" len="med"/>
+                      <a:tailEnd type="none" w="med" len="med"/>
+                    </a:lnL>
+                    <a:lnR w="9525" cap="flat" cmpd="sng" algn="ctr">
+                      <a:solidFill>
+                        <a:srgbClr val="9C0C5C"/>
+                      </a:solidFill>
+                      <a:prstDash val="solid"/>
+                      <a:round/>
+                      <a:headEnd type="none" w="med" len="med"/>
+                      <a:tailEnd type="none" w="med" len="med"/>
+                    </a:lnR>
+                    <a:lnT w="9525" cap="flat" cmpd="sng" algn="ctr">
+                      <a:solidFill>
+                        <a:srgbClr val="9C0C5C"/>
+                      </a:solidFill>
+                      <a:prstDash val="solid"/>
+                      <a:round/>
+                      <a:headEnd type="none" w="med" len="med"/>
+                      <a:tailEnd type="none" w="med" len="med"/>
+                    </a:lnT>
+                    <a:lnB w="9525" cap="flat" cmpd="sng" algn="ctr">
+                      <a:solidFill>
+                        <a:srgbClr val="9C0C5C"/>
+                      </a:solidFill>
+                      <a:prstDash val="solid"/>
+                      <a:round/>
+                      <a:headEnd type="none" w="med" len="med"/>
+                      <a:tailEnd type="none" w="med" len="med"/>
+                    </a:lnB>
+                  </a:tcPr>
+                </a:tc>
+              </a:tr>
+              <a:tr h="236220">
+                <a:tc>
+                  <a:txBody>
+                    <a:bodyPr/>
+                    <a:lstStyle/>
+                    <a:p>
+                      <a:endParaRPr lang="en-US" sz="800" dirty="0"/>
+                    </a:p>
+                  </a:txBody>
+                  <a:tcPr anchor="ctr">
+                    <a:lnL w="9525" cap="flat" cmpd="sng" algn="ctr">
+                      <a:solidFill>
+                        <a:srgbClr val="9C0C5C"/>
+                      </a:solidFill>
+                      <a:prstDash val="solid"/>
+                      <a:round/>
+                      <a:headEnd type="none" w="med" len="med"/>
+                      <a:tailEnd type="none" w="med" len="med"/>
+                    </a:lnL>
+                    <a:lnR w="9525" cap="flat" cmpd="sng" algn="ctr">
+                      <a:solidFill>
+                        <a:srgbClr val="9C0C5C"/>
+                      </a:solidFill>
+                      <a:prstDash val="solid"/>
+                      <a:round/>
+                      <a:headEnd type="none" w="med" len="med"/>
+                      <a:tailEnd type="none" w="med" len="med"/>
+                    </a:lnR>
+                    <a:lnT w="9525" cap="flat" cmpd="sng" algn="ctr">
+                      <a:solidFill>
+                        <a:srgbClr val="9C0C5C"/>
+                      </a:solidFill>
+                      <a:prstDash val="solid"/>
+                      <a:round/>
+                      <a:headEnd type="none" w="med" len="med"/>
+                      <a:tailEnd type="none" w="med" len="med"/>
+                    </a:lnT>
+                    <a:lnB w="9525" cap="flat" cmpd="sng" algn="ctr">
+                      <a:solidFill>
+                        <a:srgbClr val="9C0C5C"/>
+                      </a:solidFill>
+                      <a:prstDash val="solid"/>
+                      <a:round/>
+                      <a:headEnd type="none" w="med" len="med"/>
+                      <a:tailEnd type="none" w="med" len="med"/>
+                    </a:lnB>
+                  </a:tcPr>
+                </a:tc>
+                <a:tc>
+                  <a:txBody>
+                    <a:bodyPr/>
+                    <a:lstStyle/>
+                    <a:p>
+                      <a:endParaRPr lang="en-US" sz="800" dirty="0"/>
+                    </a:p>
+                  </a:txBody>
+                  <a:tcPr anchor="ctr">
+                    <a:lnL w="9525" cap="flat" cmpd="sng" algn="ctr">
+                      <a:solidFill>
+                        <a:srgbClr val="9C0C5C"/>
+                      </a:solidFill>
+                      <a:prstDash val="solid"/>
+                      <a:round/>
+                      <a:headEnd type="none" w="med" len="med"/>
+                      <a:tailEnd type="none" w="med" len="med"/>
+                    </a:lnL>
+                    <a:lnR w="9525" cap="flat" cmpd="sng" algn="ctr">
+                      <a:solidFill>
+                        <a:srgbClr val="9C0C5C"/>
+                      </a:solidFill>
+                      <a:prstDash val="solid"/>
+                      <a:round/>
+                      <a:headEnd type="none" w="med" len="med"/>
+                      <a:tailEnd type="none" w="med" len="med"/>
+                    </a:lnR>
+                    <a:lnT w="9525" cap="flat" cmpd="sng" algn="ctr">
+                      <a:solidFill>
+                        <a:srgbClr val="9C0C5C"/>
+                      </a:solidFill>
+                      <a:prstDash val="solid"/>
+                      <a:round/>
+                      <a:headEnd type="none" w="med" len="med"/>
+                      <a:tailEnd type="none" w="med" len="med"/>
+                    </a:lnT>
+                    <a:lnB w="9525" cap="flat" cmpd="sng" algn="ctr">
+                      <a:solidFill>
+                        <a:srgbClr val="9C0C5C"/>
+                      </a:solidFill>
+                      <a:prstDash val="solid"/>
+                      <a:round/>
+                      <a:headEnd type="none" w="med" len="med"/>
+                      <a:tailEnd type="none" w="med" len="med"/>
+                    </a:lnB>
+                  </a:tcPr>
+                </a:tc>
+              </a:tr>
+              <a:tr h="236220">
+                <a:tc>
+                  <a:txBody>
+                    <a:bodyPr/>
+                    <a:lstStyle/>
+                    <a:p>
+                      <a:endParaRPr lang="en-US" sz="800"/>
+                    </a:p>
+                  </a:txBody>
+                  <a:tcPr anchor="ctr">
+                    <a:lnL w="9525" cap="flat" cmpd="sng" algn="ctr">
+                      <a:solidFill>
+                        <a:srgbClr val="9C0C5C"/>
+                      </a:solidFill>
+                      <a:prstDash val="solid"/>
+                      <a:round/>
+                      <a:headEnd type="none" w="med" len="med"/>
+                      <a:tailEnd type="none" w="med" len="med"/>
+                    </a:lnL>
+                    <a:lnR w="9525" cap="flat" cmpd="sng" algn="ctr">
+                      <a:solidFill>
+                        <a:srgbClr val="9C0C5C"/>
+                      </a:solidFill>
+                      <a:prstDash val="solid"/>
+                      <a:round/>
+                      <a:headEnd type="none" w="med" len="med"/>
+                      <a:tailEnd type="none" w="med" len="med"/>
+                    </a:lnR>
+                    <a:lnT w="9525" cap="flat" cmpd="sng" algn="ctr">
+                      <a:solidFill>
+                        <a:srgbClr val="9C0C5C"/>
+                      </a:solidFill>
+                      <a:prstDash val="solid"/>
+                      <a:round/>
+                      <a:headEnd type="none" w="med" len="med"/>
+                      <a:tailEnd type="none" w="med" len="med"/>
+                    </a:lnT>
+                    <a:lnB w="9525" cap="flat" cmpd="sng" algn="ctr">
+                      <a:solidFill>
+                        <a:srgbClr val="9C0C5C"/>
+                      </a:solidFill>
+                      <a:prstDash val="solid"/>
+                      <a:round/>
+                      <a:headEnd type="none" w="med" len="med"/>
+                      <a:tailEnd type="none" w="med" len="med"/>
+                    </a:lnB>
+                  </a:tcPr>
+                </a:tc>
+                <a:tc>
+                  <a:txBody>
+                    <a:bodyPr/>
+                    <a:lstStyle/>
+                    <a:p>
+                      <a:endParaRPr lang="en-US" sz="800" dirty="0"/>
+                    </a:p>
+                  </a:txBody>
+                  <a:tcPr anchor="ctr">
+                    <a:lnL w="9525" cap="flat" cmpd="sng" algn="ctr">
+                      <a:solidFill>
+                        <a:srgbClr val="9C0C5C"/>
+                      </a:solidFill>
+                      <a:prstDash val="solid"/>
+                      <a:round/>
+                      <a:headEnd type="none" w="med" len="med"/>
+                      <a:tailEnd type="none" w="med" len="med"/>
+                    </a:lnL>
+                    <a:lnR w="9525" cap="flat" cmpd="sng" algn="ctr">
+                      <a:solidFill>
+                        <a:srgbClr val="9C0C5C"/>
+                      </a:solidFill>
+                      <a:prstDash val="solid"/>
+                      <a:round/>
+                      <a:headEnd type="none" w="med" len="med"/>
+                      <a:tailEnd type="none" w="med" len="med"/>
+                    </a:lnR>
+                    <a:lnT w="9525" cap="flat" cmpd="sng" algn="ctr">
+                      <a:solidFill>
+                        <a:srgbClr val="9C0C5C"/>
+                      </a:solidFill>
+                      <a:prstDash val="solid"/>
+                      <a:round/>
+                      <a:headEnd type="none" w="med" len="med"/>
+                      <a:tailEnd type="none" w="med" len="med"/>
+                    </a:lnT>
+                    <a:lnB w="9525" cap="flat" cmpd="sng" algn="ctr">
+                      <a:solidFill>
+                        <a:srgbClr val="9C0C5C"/>
+                      </a:solidFill>
+                      <a:prstDash val="solid"/>
+                      <a:round/>
+                      <a:headEnd type="none" w="med" len="med"/>
+                      <a:tailEnd type="none" w="med" len="med"/>
+                    </a:lnB>
+                  </a:tcPr>
+                </a:tc>
+              </a:tr>
+            </a:tbl>
+          </a:graphicData>
+        </a:graphic>
+      </p:graphicFrame>
+      <p:sp>
+        <p:nvSpPr>
+          <p:cNvPr id="1034" name="Rectangle 10"/>
+          <p:cNvSpPr>
+            <a:spLocks noChangeArrowheads="1"/>
+          </p:cNvSpPr>
+          <p:nvPr/>
+        </p:nvSpPr>
+        <p:spPr bwMode="auto">
+          <a:xfrm>
+            <a:off x="0" y="0"/>
+            <a:ext cx="9144000" cy="0"/>
+          </a:xfrm>
+          <a:prstGeom prst="rect">
+            <a:avLst/>
+          </a:prstGeom>
+          <a:noFill/>
+          <a:ln w="9525">
+            <a:noFill/>
+            <a:miter lim="800000"/>
+            <a:headEnd/>
+            <a:tailEnd/>
+          </a:ln>
+          <a:effectLst/>
+        </p:spPr>
+        <p:txBody>
+          <a:bodyPr vert="horz" wrap="none" lIns="91440" tIns="45720" rIns="91440" bIns="45720" numCol="1" anchor="ctr" anchorCtr="0" compatLnSpc="1">
+            <a:prstTxWarp prst="textNoShape">
+              <a:avLst/>
+            </a:prstTxWarp>
+            <a:spAutoFit/>
+          </a:bodyPr>
+          <a:lstStyle/>
+          <a:p>
+            <a:pPr marL="0" marR="0" lvl="0" indent="0" algn="l" defTabSz="914400" rtl="0" eaLnBrk="1" fontAlgn="base" latinLnBrk="0" hangingPunct="1">
+              <a:lnSpc>
+                <a:spcPct val="100000"/>
+              </a:lnSpc>
+              <a:spcBef>
+                <a:spcPct val="0"/>
+              </a:spcBef>
+              <a:spcAft>
+                <a:spcPct val="0"/>
+              </a:spcAft>
+              <a:buClrTx/>
+              <a:buSzTx/>
+              <a:buFontTx/>
+              <a:buNone/>
+              <a:tabLst/>
+            </a:pPr>
+            <a:endParaRPr kumimoji="0" lang="en-US" sz="1800" b="0" i="0" u="none" strike="noStrike" cap="none" normalizeH="0" baseline="0" smtClean="0">
+              <a:ln>
+                <a:noFill/>
+              </a:ln>
+              <a:solidFill>
+                <a:schemeClr val="tx1"/>
+              </a:solidFill>
+              <a:effectLst/>
+              <a:latin typeface="Arial" charset="0"/>
+              <a:cs typeface="Arial" charset="0"/>
+            </a:endParaRPr>
+          </a:p>
+        </p:txBody>
+      </p:sp>
+      <p:pic>
+        <p:nvPicPr>
+          <p:cNvPr id="1036" name="Picture 12"/>
+          <p:cNvPicPr>
+            <a:picLocks noChangeAspect="1" noChangeArrowheads="1"/>
+          </p:cNvPicPr>
+          <p:nvPr/>
+        </p:nvPicPr>
+        <p:blipFill>
+          <a:blip r:embed="rId5" cstate="print"/>
+          <a:srcRect/>
+          <a:stretch>
+            <a:fillRect/>
+          </a:stretch>
+        </p:blipFill>
+        <p:spPr bwMode="auto">
+          <a:xfrm>
+            <a:off x="3352800" y="152400"/>
+            <a:ext cx="5694045" cy="2400300"/>
+          </a:xfrm>
+          <a:prstGeom prst="rect">
+            <a:avLst/>
+          </a:prstGeom>
+          <a:noFill/>
+          <a:ln w="9525">
+            <a:noFill/>
+            <a:miter lim="800000"/>
+            <a:headEnd/>
+            <a:tailEnd/>
+          </a:ln>
+        </p:spPr>
+      </p:pic>
+    </p:spTree>
+  </p:cSld>
+  <p:clrMapOvr>
+    <a:masterClrMapping/>
+  </p:clrMapOvr>
+</p:sld>
+</file>
+
+<file path=ppt/slides/slide11.xml><?xml version="1.0" encoding="utf-8"?>
+<p:sld xmlns:a="http://schemas.openxmlformats.org/drawingml/2006/main" xmlns:r="http://schemas.openxmlformats.org/officeDocument/2006/relationships" xmlns:p="http://schemas.openxmlformats.org/presentationml/2006/main">
+  <p:cSld>
+    <p:spTree>
+      <p:nvGrpSpPr>
+        <p:cNvPr id="1" name=""/>
+        <p:cNvGrpSpPr/>
+        <p:nvPr/>
+      </p:nvGrpSpPr>
+      <p:grpSpPr>
+        <a:xfrm>
+          <a:off x="0" y="0"/>
+          <a:ext cx="0" cy="0"/>
+          <a:chOff x="0" y="0"/>
+          <a:chExt cx="0" cy="0"/>
+        </a:xfrm>
+      </p:grpSpPr>
+      <p:pic>
+        <p:nvPicPr>
+          <p:cNvPr id="1026" name="Picture 2"/>
+          <p:cNvPicPr>
+            <a:picLocks noChangeAspect="1" noChangeArrowheads="1"/>
+          </p:cNvPicPr>
+          <p:nvPr/>
+        </p:nvPicPr>
+        <p:blipFill>
+          <a:blip r:embed="rId2" cstate="print"/>
+          <a:srcRect/>
+          <a:stretch>
+            <a:fillRect/>
+          </a:stretch>
+        </p:blipFill>
+        <p:spPr bwMode="auto">
+          <a:xfrm>
+            <a:off x="152400" y="145869"/>
+            <a:ext cx="1524000" cy="6635931"/>
+          </a:xfrm>
+          <a:prstGeom prst="rect">
+            <a:avLst/>
+          </a:prstGeom>
+          <a:noFill/>
+          <a:ln w="9525">
+            <a:noFill/>
+            <a:miter lim="800000"/>
+            <a:headEnd/>
+            <a:tailEnd/>
+          </a:ln>
+        </p:spPr>
+      </p:pic>
+      <p:pic>
+        <p:nvPicPr>
+          <p:cNvPr id="1028" name="Picture 4"/>
+          <p:cNvPicPr>
+            <a:picLocks noChangeAspect="1" noChangeArrowheads="1"/>
+          </p:cNvPicPr>
+          <p:nvPr/>
+        </p:nvPicPr>
+        <p:blipFill>
+          <a:blip r:embed="rId3" cstate="print"/>
+          <a:srcRect/>
+          <a:stretch>
+            <a:fillRect/>
+          </a:stretch>
+        </p:blipFill>
+        <p:spPr bwMode="auto">
+          <a:xfrm>
+            <a:off x="1524000" y="381000"/>
+            <a:ext cx="5838825" cy="3009900"/>
+          </a:xfrm>
+          <a:prstGeom prst="rect">
+            <a:avLst/>
+          </a:prstGeom>
+          <a:noFill/>
+          <a:ln w="9525">
+            <a:noFill/>
+            <a:miter lim="800000"/>
+            <a:headEnd/>
+            <a:tailEnd/>
+          </a:ln>
+        </p:spPr>
+      </p:pic>
+      <p:pic>
+        <p:nvPicPr>
+          <p:cNvPr id="1029" name="Picture 5"/>
+          <p:cNvPicPr>
+            <a:picLocks noChangeAspect="1" noChangeArrowheads="1"/>
+          </p:cNvPicPr>
+          <p:nvPr/>
+        </p:nvPicPr>
+        <p:blipFill>
+          <a:blip r:embed="rId4" cstate="print"/>
+          <a:srcRect/>
+          <a:stretch>
+            <a:fillRect/>
+          </a:stretch>
+        </p:blipFill>
+        <p:spPr bwMode="auto">
+          <a:xfrm>
+            <a:off x="1524000" y="3581400"/>
+            <a:ext cx="6067425" cy="2400300"/>
+          </a:xfrm>
+          <a:prstGeom prst="rect">
+            <a:avLst/>
+          </a:prstGeom>
+          <a:noFill/>
+          <a:ln w="9525">
+            <a:noFill/>
+            <a:miter lim="800000"/>
+            <a:headEnd/>
+            <a:tailEnd/>
+          </a:ln>
+        </p:spPr>
+      </p:pic>
+    </p:spTree>
+  </p:cSld>
+  <p:clrMapOvr>
+    <a:masterClrMapping/>
+  </p:clrMapOvr>
+</p:sld>
+</file>
+
+<file path=ppt/slides/slide12.xml><?xml version="1.0" encoding="utf-8"?>
+<p:sld xmlns:a="http://schemas.openxmlformats.org/drawingml/2006/main" xmlns:r="http://schemas.openxmlformats.org/officeDocument/2006/relationships" xmlns:p="http://schemas.openxmlformats.org/presentationml/2006/main">
+  <p:cSld>
+    <p:spTree>
+      <p:nvGrpSpPr>
+        <p:cNvPr id="1" name=""/>
+        <p:cNvGrpSpPr/>
+        <p:nvPr/>
+      </p:nvGrpSpPr>
+      <p:grpSpPr>
+        <a:xfrm>
+          <a:off x="0" y="0"/>
+          <a:ext cx="0" cy="0"/>
+          <a:chOff x="0" y="0"/>
+          <a:chExt cx="0" cy="0"/>
+        </a:xfrm>
+      </p:grpSpPr>
+      <p:pic>
+        <p:nvPicPr>
+          <p:cNvPr id="2" name="Picture 2"/>
+          <p:cNvPicPr>
+            <a:picLocks noChangeAspect="1" noChangeArrowheads="1"/>
+          </p:cNvPicPr>
+          <p:nvPr/>
+        </p:nvPicPr>
+        <p:blipFill>
+          <a:blip r:embed="rId2" cstate="print"/>
+          <a:srcRect/>
+          <a:stretch>
+            <a:fillRect/>
+          </a:stretch>
+        </p:blipFill>
+        <p:spPr bwMode="auto">
+          <a:xfrm>
+            <a:off x="152400" y="145869"/>
+            <a:ext cx="1524000" cy="6635931"/>
+          </a:xfrm>
+          <a:prstGeom prst="rect">
+            <a:avLst/>
+          </a:prstGeom>
+          <a:noFill/>
+          <a:ln w="9525">
+            <a:noFill/>
+            <a:miter lim="800000"/>
+            <a:headEnd/>
+            <a:tailEnd/>
+          </a:ln>
+        </p:spPr>
+      </p:pic>
+      <p:pic>
+        <p:nvPicPr>
+          <p:cNvPr id="2050" name="Picture 2"/>
+          <p:cNvPicPr>
+            <a:picLocks noChangeAspect="1" noChangeArrowheads="1"/>
+          </p:cNvPicPr>
+          <p:nvPr/>
+        </p:nvPicPr>
+        <p:blipFill>
+          <a:blip r:embed="rId3" cstate="print"/>
+          <a:srcRect/>
+          <a:stretch>
+            <a:fillRect/>
+          </a:stretch>
+        </p:blipFill>
+        <p:spPr bwMode="auto">
+          <a:xfrm>
+            <a:off x="1800225" y="76200"/>
+            <a:ext cx="6048375" cy="6115050"/>
+          </a:xfrm>
+          <a:prstGeom prst="rect">
+            <a:avLst/>
+          </a:prstGeom>
+          <a:noFill/>
+          <a:ln w="9525">
+            <a:noFill/>
+            <a:miter lim="800000"/>
+            <a:headEnd/>
+            <a:tailEnd/>
+          </a:ln>
+        </p:spPr>
+      </p:pic>
+    </p:spTree>
+  </p:cSld>
+  <p:clrMapOvr>
+    <a:masterClrMapping/>
+  </p:clrMapOvr>
+</p:sld>
+</file>
+
 <file path=ppt/slides/slide2.xml><?xml version="1.0" encoding="utf-8"?>
+<p:sld xmlns:a="http://schemas.openxmlformats.org/drawingml/2006/main" xmlns:r="http://schemas.openxmlformats.org/officeDocument/2006/relationships" xmlns:p="http://schemas.openxmlformats.org/presentationml/2006/main">
+  <p:cSld>
+    <p:spTree>
+      <p:nvGrpSpPr>
+        <p:cNvPr id="1" name=""/>
+        <p:cNvGrpSpPr/>
+        <p:nvPr/>
+      </p:nvGrpSpPr>
+      <p:grpSpPr>
+        <a:xfrm>
+          <a:off x="0" y="0"/>
+          <a:ext cx="0" cy="0"/>
+          <a:chOff x="0" y="0"/>
+          <a:chExt cx="0" cy="0"/>
+        </a:xfrm>
+      </p:grpSpPr>
+      <p:pic>
+        <p:nvPicPr>
+          <p:cNvPr id="1028" name="Picture 4"/>
+          <p:cNvPicPr>
+            <a:picLocks noChangeAspect="1" noChangeArrowheads="1"/>
+          </p:cNvPicPr>
+          <p:nvPr/>
+        </p:nvPicPr>
+        <p:blipFill>
+          <a:blip r:embed="rId2" cstate="print"/>
+          <a:srcRect/>
+          <a:stretch>
+            <a:fillRect/>
+          </a:stretch>
+        </p:blipFill>
+        <p:spPr bwMode="auto">
+          <a:xfrm>
+            <a:off x="76200" y="0"/>
+            <a:ext cx="5309482" cy="4495800"/>
+          </a:xfrm>
+          <a:prstGeom prst="rect">
+            <a:avLst/>
+          </a:prstGeom>
+          <a:noFill/>
+          <a:ln w="9525">
+            <a:noFill/>
+            <a:miter lim="800000"/>
+            <a:headEnd/>
+            <a:tailEnd/>
+          </a:ln>
+        </p:spPr>
+      </p:pic>
+      <p:pic>
+        <p:nvPicPr>
+          <p:cNvPr id="1032" name="Picture 8" descr="https://documents.lucidchart.com/documents/4f095beb-4ee3-4d43-8724-a83ab86eac16/pages/0_0?a=298&amp;x=90&amp;y=66&amp;w=1540&amp;h=308&amp;store=1&amp;accept=image%2F*&amp;auth=LCA%2072c90b1ec76de8d75319b7df26d0713a989dd73c-ts%3D1494248697"/>
+          <p:cNvPicPr>
+            <a:picLocks noChangeAspect="1" noChangeArrowheads="1"/>
+          </p:cNvPicPr>
+          <p:nvPr/>
+        </p:nvPicPr>
+        <p:blipFill>
+          <a:blip r:embed="rId3" cstate="print"/>
+          <a:srcRect/>
+          <a:stretch>
+            <a:fillRect/>
+          </a:stretch>
+        </p:blipFill>
+        <p:spPr bwMode="auto">
+          <a:xfrm>
+            <a:off x="1371600" y="4114800"/>
+            <a:ext cx="6096000" cy="1219200"/>
+          </a:xfrm>
+          <a:prstGeom prst="rect">
+            <a:avLst/>
+          </a:prstGeom>
+          <a:noFill/>
+        </p:spPr>
+      </p:pic>
+      <p:pic>
+        <p:nvPicPr>
+          <p:cNvPr id="1026" name="Picture 2"/>
+          <p:cNvPicPr>
+            <a:picLocks noChangeAspect="1" noChangeArrowheads="1"/>
+          </p:cNvPicPr>
+          <p:nvPr/>
+        </p:nvPicPr>
+        <p:blipFill>
+          <a:blip r:embed="rId4" cstate="print"/>
+          <a:srcRect/>
+          <a:stretch>
+            <a:fillRect/>
+          </a:stretch>
+        </p:blipFill>
+        <p:spPr bwMode="auto">
+          <a:xfrm>
+            <a:off x="7239000" y="76200"/>
+            <a:ext cx="1809750" cy="4337655"/>
+          </a:xfrm>
+          <a:prstGeom prst="rect">
+            <a:avLst/>
+          </a:prstGeom>
+          <a:noFill/>
+          <a:ln w="9525">
+            <a:noFill/>
+            <a:miter lim="800000"/>
+            <a:headEnd/>
+            <a:tailEnd/>
+          </a:ln>
+        </p:spPr>
+      </p:pic>
+    </p:spTree>
+  </p:cSld>
+  <p:clrMapOvr>
+    <a:masterClrMapping/>
+  </p:clrMapOvr>
+</p:sld>
+</file>
+
+<file path=ppt/slides/slide3.xml><?xml version="1.0" encoding="utf-8"?>
 <p:sld xmlns:a="http://schemas.openxmlformats.org/drawingml/2006/main" xmlns:r="http://schemas.openxmlformats.org/officeDocument/2006/relationships" xmlns:p="http://schemas.openxmlformats.org/presentationml/2006/main">
   <p:cSld>
     <p:spTree>
@@ -3873,6 +5653,626 @@
             <a:avLst/>
           </a:prstGeom>
           <a:noFill/>
+        </p:spPr>
+      </p:pic>
+    </p:spTree>
+  </p:cSld>
+  <p:clrMapOvr>
+    <a:masterClrMapping/>
+  </p:clrMapOvr>
+</p:sld>
+</file>
+
+<file path=ppt/slides/slide4.xml><?xml version="1.0" encoding="utf-8"?>
+<p:sld xmlns:a="http://schemas.openxmlformats.org/drawingml/2006/main" xmlns:r="http://schemas.openxmlformats.org/officeDocument/2006/relationships" xmlns:p="http://schemas.openxmlformats.org/presentationml/2006/main">
+  <p:cSld>
+    <p:spTree>
+      <p:nvGrpSpPr>
+        <p:cNvPr id="1" name=""/>
+        <p:cNvGrpSpPr/>
+        <p:nvPr/>
+      </p:nvGrpSpPr>
+      <p:grpSpPr>
+        <a:xfrm>
+          <a:off x="0" y="0"/>
+          <a:ext cx="0" cy="0"/>
+          <a:chOff x="0" y="0"/>
+          <a:chExt cx="0" cy="0"/>
+        </a:xfrm>
+      </p:grpSpPr>
+      <p:pic>
+        <p:nvPicPr>
+          <p:cNvPr id="2" name="Picture 2" descr="https://documents.lucidchart.com/documents/4f095beb-4ee3-4d43-8724-a83ab86eac16/pages/0_0?a=298&amp;x=90&amp;y=66&amp;w=1540&amp;h=308&amp;store=1&amp;accept=image%2F*&amp;auth=LCA%2072c90b1ec76de8d75319b7df26d0713a989dd73c-ts%3D1494248697"/>
+          <p:cNvPicPr>
+            <a:picLocks noChangeAspect="1" noChangeArrowheads="1"/>
+          </p:cNvPicPr>
+          <p:nvPr/>
+        </p:nvPicPr>
+        <p:blipFill>
+          <a:blip r:embed="rId2" cstate="print"/>
+          <a:srcRect/>
+          <a:stretch>
+            <a:fillRect/>
+          </a:stretch>
+        </p:blipFill>
+        <p:spPr bwMode="auto">
+          <a:xfrm>
+            <a:off x="76200" y="167640"/>
+            <a:ext cx="5791200" cy="1158240"/>
+          </a:xfrm>
+          <a:prstGeom prst="rect">
+            <a:avLst/>
+          </a:prstGeom>
+          <a:noFill/>
+        </p:spPr>
+      </p:pic>
+      <p:pic>
+        <p:nvPicPr>
+          <p:cNvPr id="1026" name="Picture 2"/>
+          <p:cNvPicPr>
+            <a:picLocks noChangeAspect="1" noChangeArrowheads="1"/>
+          </p:cNvPicPr>
+          <p:nvPr/>
+        </p:nvPicPr>
+        <p:blipFill>
+          <a:blip r:embed="rId3" cstate="print"/>
+          <a:srcRect/>
+          <a:stretch>
+            <a:fillRect/>
+          </a:stretch>
+        </p:blipFill>
+        <p:spPr bwMode="auto">
+          <a:xfrm>
+            <a:off x="7086600" y="304800"/>
+            <a:ext cx="2095500" cy="6286500"/>
+          </a:xfrm>
+          <a:prstGeom prst="rect">
+            <a:avLst/>
+          </a:prstGeom>
+          <a:noFill/>
+          <a:ln w="9525">
+            <a:noFill/>
+            <a:miter lim="800000"/>
+            <a:headEnd/>
+            <a:tailEnd/>
+          </a:ln>
+        </p:spPr>
+      </p:pic>
+      <p:pic>
+        <p:nvPicPr>
+          <p:cNvPr id="4" name="Picture 2"/>
+          <p:cNvPicPr>
+            <a:picLocks noChangeAspect="1" noChangeArrowheads="1"/>
+          </p:cNvPicPr>
+          <p:nvPr/>
+        </p:nvPicPr>
+        <p:blipFill>
+          <a:blip r:embed="rId4" cstate="print"/>
+          <a:srcRect/>
+          <a:stretch>
+            <a:fillRect/>
+          </a:stretch>
+        </p:blipFill>
+        <p:spPr bwMode="auto">
+          <a:xfrm>
+            <a:off x="5181600" y="2367945"/>
+            <a:ext cx="1809750" cy="4337655"/>
+          </a:xfrm>
+          <a:prstGeom prst="rect">
+            <a:avLst/>
+          </a:prstGeom>
+          <a:noFill/>
+          <a:ln w="9525">
+            <a:noFill/>
+            <a:miter lim="800000"/>
+            <a:headEnd/>
+            <a:tailEnd/>
+          </a:ln>
+        </p:spPr>
+      </p:pic>
+    </p:spTree>
+  </p:cSld>
+  <p:clrMapOvr>
+    <a:masterClrMapping/>
+  </p:clrMapOvr>
+</p:sld>
+</file>
+
+<file path=ppt/slides/slide5.xml><?xml version="1.0" encoding="utf-8"?>
+<p:sld xmlns:a="http://schemas.openxmlformats.org/drawingml/2006/main" xmlns:r="http://schemas.openxmlformats.org/officeDocument/2006/relationships" xmlns:p="http://schemas.openxmlformats.org/presentationml/2006/main">
+  <p:cSld>
+    <p:spTree>
+      <p:nvGrpSpPr>
+        <p:cNvPr id="1" name=""/>
+        <p:cNvGrpSpPr/>
+        <p:nvPr/>
+      </p:nvGrpSpPr>
+      <p:grpSpPr>
+        <a:xfrm>
+          <a:off x="0" y="0"/>
+          <a:ext cx="0" cy="0"/>
+          <a:chOff x="0" y="0"/>
+          <a:chExt cx="0" cy="0"/>
+        </a:xfrm>
+      </p:grpSpPr>
+      <p:pic>
+        <p:nvPicPr>
+          <p:cNvPr id="1026" name="Picture 2"/>
+          <p:cNvPicPr>
+            <a:picLocks noChangeAspect="1" noChangeArrowheads="1"/>
+          </p:cNvPicPr>
+          <p:nvPr/>
+        </p:nvPicPr>
+        <p:blipFill>
+          <a:blip r:embed="rId2" cstate="print"/>
+          <a:srcRect/>
+          <a:stretch>
+            <a:fillRect/>
+          </a:stretch>
+        </p:blipFill>
+        <p:spPr bwMode="auto">
+          <a:xfrm>
+            <a:off x="304800" y="152400"/>
+            <a:ext cx="6724089" cy="4038600"/>
+          </a:xfrm>
+          <a:prstGeom prst="rect">
+            <a:avLst/>
+          </a:prstGeom>
+          <a:noFill/>
+          <a:ln w="9525">
+            <a:noFill/>
+            <a:miter lim="800000"/>
+            <a:headEnd/>
+            <a:tailEnd/>
+          </a:ln>
+        </p:spPr>
+      </p:pic>
+    </p:spTree>
+  </p:cSld>
+  <p:clrMapOvr>
+    <a:masterClrMapping/>
+  </p:clrMapOvr>
+</p:sld>
+</file>
+
+<file path=ppt/slides/slide6.xml><?xml version="1.0" encoding="utf-8"?>
+<p:sld xmlns:a="http://schemas.openxmlformats.org/drawingml/2006/main" xmlns:r="http://schemas.openxmlformats.org/officeDocument/2006/relationships" xmlns:p="http://schemas.openxmlformats.org/presentationml/2006/main">
+  <p:cSld>
+    <p:spTree>
+      <p:nvGrpSpPr>
+        <p:cNvPr id="1" name=""/>
+        <p:cNvGrpSpPr/>
+        <p:nvPr/>
+      </p:nvGrpSpPr>
+      <p:grpSpPr>
+        <a:xfrm>
+          <a:off x="0" y="0"/>
+          <a:ext cx="0" cy="0"/>
+          <a:chOff x="0" y="0"/>
+          <a:chExt cx="0" cy="0"/>
+        </a:xfrm>
+      </p:grpSpPr>
+      <p:grpSp>
+        <p:nvGrpSpPr>
+          <p:cNvPr id="8" name="Group 7"/>
+          <p:cNvGrpSpPr/>
+          <p:nvPr/>
+        </p:nvGrpSpPr>
+        <p:grpSpPr>
+          <a:xfrm>
+            <a:off x="152400" y="152400"/>
+            <a:ext cx="8970151" cy="6553200"/>
+            <a:chOff x="152400" y="152400"/>
+            <a:chExt cx="8970151" cy="6553200"/>
+          </a:xfrm>
+        </p:grpSpPr>
+        <p:pic>
+          <p:nvPicPr>
+            <p:cNvPr id="1026" name="Picture 2"/>
+            <p:cNvPicPr>
+              <a:picLocks noChangeAspect="1" noChangeArrowheads="1"/>
+            </p:cNvPicPr>
+            <p:nvPr/>
+          </p:nvPicPr>
+          <p:blipFill>
+            <a:blip r:embed="rId2" cstate="print"/>
+            <a:srcRect/>
+            <a:stretch>
+              <a:fillRect/>
+            </a:stretch>
+          </p:blipFill>
+          <p:spPr bwMode="auto">
+            <a:xfrm>
+              <a:off x="152400" y="156461"/>
+              <a:ext cx="5334000" cy="6320539"/>
+            </a:xfrm>
+            <a:prstGeom prst="rect">
+              <a:avLst/>
+            </a:prstGeom>
+            <a:noFill/>
+            <a:ln w="9525">
+              <a:noFill/>
+              <a:miter lim="800000"/>
+              <a:headEnd/>
+              <a:tailEnd/>
+            </a:ln>
+          </p:spPr>
+        </p:pic>
+        <p:grpSp>
+          <p:nvGrpSpPr>
+            <p:cNvPr id="6" name="Group 5"/>
+            <p:cNvGrpSpPr/>
+            <p:nvPr/>
+          </p:nvGrpSpPr>
+          <p:grpSpPr>
+            <a:xfrm>
+              <a:off x="5505450" y="152400"/>
+              <a:ext cx="3409950" cy="1714500"/>
+              <a:chOff x="5562600" y="990600"/>
+              <a:chExt cx="3409950" cy="1714500"/>
+            </a:xfrm>
+          </p:grpSpPr>
+          <p:pic>
+            <p:nvPicPr>
+              <p:cNvPr id="2050" name="Picture 2"/>
+              <p:cNvPicPr>
+                <a:picLocks noChangeAspect="1" noChangeArrowheads="1"/>
+              </p:cNvPicPr>
+              <p:nvPr/>
+            </p:nvPicPr>
+            <p:blipFill>
+              <a:blip r:embed="rId3" cstate="print"/>
+              <a:srcRect/>
+              <a:stretch>
+                <a:fillRect/>
+              </a:stretch>
+            </p:blipFill>
+            <p:spPr bwMode="auto">
+              <a:xfrm>
+                <a:off x="5562600" y="1447800"/>
+                <a:ext cx="2867025" cy="1257300"/>
+              </a:xfrm>
+              <a:prstGeom prst="rect">
+                <a:avLst/>
+              </a:prstGeom>
+              <a:noFill/>
+              <a:ln w="9525">
+                <a:noFill/>
+                <a:miter lim="800000"/>
+                <a:headEnd/>
+                <a:tailEnd/>
+              </a:ln>
+            </p:spPr>
+          </p:pic>
+          <p:pic>
+            <p:nvPicPr>
+              <p:cNvPr id="2051" name="Picture 3"/>
+              <p:cNvPicPr>
+                <a:picLocks noChangeAspect="1" noChangeArrowheads="1"/>
+              </p:cNvPicPr>
+              <p:nvPr/>
+            </p:nvPicPr>
+            <p:blipFill>
+              <a:blip r:embed="rId4" cstate="print"/>
+              <a:srcRect/>
+              <a:stretch>
+                <a:fillRect/>
+              </a:stretch>
+            </p:blipFill>
+            <p:spPr bwMode="auto">
+              <a:xfrm>
+                <a:off x="5562600" y="990600"/>
+                <a:ext cx="3409950" cy="438150"/>
+              </a:xfrm>
+              <a:prstGeom prst="rect">
+                <a:avLst/>
+              </a:prstGeom>
+              <a:noFill/>
+              <a:ln w="9525">
+                <a:noFill/>
+                <a:miter lim="800000"/>
+                <a:headEnd/>
+                <a:tailEnd/>
+              </a:ln>
+            </p:spPr>
+          </p:pic>
+        </p:grpSp>
+        <p:pic>
+          <p:nvPicPr>
+            <p:cNvPr id="2052" name="Picture 4"/>
+            <p:cNvPicPr>
+              <a:picLocks noChangeAspect="1" noChangeArrowheads="1"/>
+            </p:cNvPicPr>
+            <p:nvPr/>
+          </p:nvPicPr>
+          <p:blipFill>
+            <a:blip r:embed="rId5" cstate="print"/>
+            <a:srcRect/>
+            <a:stretch>
+              <a:fillRect/>
+            </a:stretch>
+          </p:blipFill>
+          <p:spPr bwMode="auto">
+            <a:xfrm>
+              <a:off x="4800600" y="4343400"/>
+              <a:ext cx="4321951" cy="2362200"/>
+            </a:xfrm>
+            <a:prstGeom prst="rect">
+              <a:avLst/>
+            </a:prstGeom>
+            <a:noFill/>
+            <a:ln w="9525">
+              <a:noFill/>
+              <a:miter lim="800000"/>
+              <a:headEnd/>
+              <a:tailEnd/>
+            </a:ln>
+          </p:spPr>
+        </p:pic>
+      </p:grpSp>
+    </p:spTree>
+  </p:cSld>
+  <p:clrMapOvr>
+    <a:masterClrMapping/>
+  </p:clrMapOvr>
+</p:sld>
+</file>
+
+<file path=ppt/slides/slide7.xml><?xml version="1.0" encoding="utf-8"?>
+<p:sld xmlns:a="http://schemas.openxmlformats.org/drawingml/2006/main" xmlns:r="http://schemas.openxmlformats.org/officeDocument/2006/relationships" xmlns:p="http://schemas.openxmlformats.org/presentationml/2006/main">
+  <p:cSld>
+    <p:spTree>
+      <p:nvGrpSpPr>
+        <p:cNvPr id="1" name=""/>
+        <p:cNvGrpSpPr/>
+        <p:nvPr/>
+      </p:nvGrpSpPr>
+      <p:grpSpPr>
+        <a:xfrm>
+          <a:off x="0" y="0"/>
+          <a:ext cx="0" cy="0"/>
+          <a:chOff x="0" y="0"/>
+          <a:chExt cx="0" cy="0"/>
+        </a:xfrm>
+      </p:grpSpPr>
+      <p:grpSp>
+        <p:nvGrpSpPr>
+          <p:cNvPr id="6" name="Group 5"/>
+          <p:cNvGrpSpPr/>
+          <p:nvPr/>
+        </p:nvGrpSpPr>
+        <p:grpSpPr>
+          <a:xfrm>
+            <a:off x="76200" y="76200"/>
+            <a:ext cx="8915400" cy="5791200"/>
+            <a:chOff x="76200" y="76200"/>
+            <a:chExt cx="8915400" cy="5791200"/>
+          </a:xfrm>
+        </p:grpSpPr>
+        <p:pic>
+          <p:nvPicPr>
+            <p:cNvPr id="1026" name="Picture 2"/>
+            <p:cNvPicPr>
+              <a:picLocks noChangeAspect="1" noChangeArrowheads="1"/>
+            </p:cNvPicPr>
+            <p:nvPr/>
+          </p:nvPicPr>
+          <p:blipFill>
+            <a:blip r:embed="rId2" cstate="print"/>
+            <a:srcRect/>
+            <a:stretch>
+              <a:fillRect/>
+            </a:stretch>
+          </p:blipFill>
+          <p:spPr bwMode="auto">
+            <a:xfrm>
+              <a:off x="76200" y="76200"/>
+              <a:ext cx="5825577" cy="5791200"/>
+            </a:xfrm>
+            <a:prstGeom prst="rect">
+              <a:avLst/>
+            </a:prstGeom>
+            <a:noFill/>
+            <a:ln w="9525">
+              <a:noFill/>
+              <a:miter lim="800000"/>
+              <a:headEnd/>
+              <a:tailEnd/>
+            </a:ln>
+          </p:spPr>
+        </p:pic>
+        <p:grpSp>
+          <p:nvGrpSpPr>
+            <p:cNvPr id="3" name="Group 2"/>
+            <p:cNvGrpSpPr/>
+            <p:nvPr/>
+          </p:nvGrpSpPr>
+          <p:grpSpPr>
+            <a:xfrm>
+              <a:off x="5581650" y="152400"/>
+              <a:ext cx="3409950" cy="1714500"/>
+              <a:chOff x="5562600" y="990600"/>
+              <a:chExt cx="3409950" cy="1714500"/>
+            </a:xfrm>
+          </p:grpSpPr>
+          <p:pic>
+            <p:nvPicPr>
+              <p:cNvPr id="4" name="Picture 2"/>
+              <p:cNvPicPr>
+                <a:picLocks noChangeAspect="1" noChangeArrowheads="1"/>
+              </p:cNvPicPr>
+              <p:nvPr/>
+            </p:nvPicPr>
+            <p:blipFill>
+              <a:blip r:embed="rId3" cstate="print"/>
+              <a:srcRect/>
+              <a:stretch>
+                <a:fillRect/>
+              </a:stretch>
+            </p:blipFill>
+            <p:spPr bwMode="auto">
+              <a:xfrm>
+                <a:off x="5562600" y="1447800"/>
+                <a:ext cx="2867025" cy="1257300"/>
+              </a:xfrm>
+              <a:prstGeom prst="rect">
+                <a:avLst/>
+              </a:prstGeom>
+              <a:noFill/>
+              <a:ln w="9525">
+                <a:noFill/>
+                <a:miter lim="800000"/>
+                <a:headEnd/>
+                <a:tailEnd/>
+              </a:ln>
+            </p:spPr>
+          </p:pic>
+          <p:pic>
+            <p:nvPicPr>
+              <p:cNvPr id="5" name="Picture 3"/>
+              <p:cNvPicPr>
+                <a:picLocks noChangeAspect="1" noChangeArrowheads="1"/>
+              </p:cNvPicPr>
+              <p:nvPr/>
+            </p:nvPicPr>
+            <p:blipFill>
+              <a:blip r:embed="rId4" cstate="print"/>
+              <a:srcRect/>
+              <a:stretch>
+                <a:fillRect/>
+              </a:stretch>
+            </p:blipFill>
+            <p:spPr bwMode="auto">
+              <a:xfrm>
+                <a:off x="5562600" y="990600"/>
+                <a:ext cx="3409950" cy="438150"/>
+              </a:xfrm>
+              <a:prstGeom prst="rect">
+                <a:avLst/>
+              </a:prstGeom>
+              <a:noFill/>
+              <a:ln w="9525">
+                <a:noFill/>
+                <a:miter lim="800000"/>
+                <a:headEnd/>
+                <a:tailEnd/>
+              </a:ln>
+            </p:spPr>
+          </p:pic>
+        </p:grpSp>
+      </p:grpSp>
+    </p:spTree>
+  </p:cSld>
+  <p:clrMapOvr>
+    <a:masterClrMapping/>
+  </p:clrMapOvr>
+</p:sld>
+</file>
+
+<file path=ppt/slides/slide8.xml><?xml version="1.0" encoding="utf-8"?>
+<p:sld xmlns:a="http://schemas.openxmlformats.org/drawingml/2006/main" xmlns:r="http://schemas.openxmlformats.org/officeDocument/2006/relationships" xmlns:p="http://schemas.openxmlformats.org/presentationml/2006/main">
+  <p:cSld>
+    <p:spTree>
+      <p:nvGrpSpPr>
+        <p:cNvPr id="1" name=""/>
+        <p:cNvGrpSpPr/>
+        <p:nvPr/>
+      </p:nvGrpSpPr>
+      <p:grpSpPr>
+        <a:xfrm>
+          <a:off x="0" y="0"/>
+          <a:ext cx="0" cy="0"/>
+          <a:chOff x="0" y="0"/>
+          <a:chExt cx="0" cy="0"/>
+        </a:xfrm>
+      </p:grpSpPr>
+      <p:pic>
+        <p:nvPicPr>
+          <p:cNvPr id="1026" name="Picture 2"/>
+          <p:cNvPicPr>
+            <a:picLocks noChangeAspect="1" noChangeArrowheads="1"/>
+          </p:cNvPicPr>
+          <p:nvPr/>
+        </p:nvPicPr>
+        <p:blipFill>
+          <a:blip r:embed="rId2" cstate="print"/>
+          <a:srcRect/>
+          <a:stretch>
+            <a:fillRect/>
+          </a:stretch>
+        </p:blipFill>
+        <p:spPr bwMode="auto">
+          <a:xfrm>
+            <a:off x="228600" y="152400"/>
+            <a:ext cx="5820061" cy="3962400"/>
+          </a:xfrm>
+          <a:prstGeom prst="rect">
+            <a:avLst/>
+          </a:prstGeom>
+          <a:noFill/>
+          <a:ln w="9525">
+            <a:noFill/>
+            <a:miter lim="800000"/>
+            <a:headEnd/>
+            <a:tailEnd/>
+          </a:ln>
+        </p:spPr>
+      </p:pic>
+    </p:spTree>
+  </p:cSld>
+  <p:clrMapOvr>
+    <a:masterClrMapping/>
+  </p:clrMapOvr>
+</p:sld>
+</file>
+
+<file path=ppt/slides/slide9.xml><?xml version="1.0" encoding="utf-8"?>
+<p:sld xmlns:a="http://schemas.openxmlformats.org/drawingml/2006/main" xmlns:r="http://schemas.openxmlformats.org/officeDocument/2006/relationships" xmlns:p="http://schemas.openxmlformats.org/presentationml/2006/main">
+  <p:cSld>
+    <p:spTree>
+      <p:nvGrpSpPr>
+        <p:cNvPr id="1" name=""/>
+        <p:cNvGrpSpPr/>
+        <p:nvPr/>
+      </p:nvGrpSpPr>
+      <p:grpSpPr>
+        <a:xfrm>
+          <a:off x="0" y="0"/>
+          <a:ext cx="0" cy="0"/>
+          <a:chOff x="0" y="0"/>
+          <a:chExt cx="0" cy="0"/>
+        </a:xfrm>
+      </p:grpSpPr>
+      <p:pic>
+        <p:nvPicPr>
+          <p:cNvPr id="2" name="Picture 3"/>
+          <p:cNvPicPr>
+            <a:picLocks noChangeAspect="1" noChangeArrowheads="1"/>
+          </p:cNvPicPr>
+          <p:nvPr/>
+        </p:nvPicPr>
+        <p:blipFill>
+          <a:blip r:embed="rId2" cstate="print"/>
+          <a:srcRect/>
+          <a:stretch>
+            <a:fillRect/>
+          </a:stretch>
+        </p:blipFill>
+        <p:spPr bwMode="auto">
+          <a:xfrm>
+            <a:off x="228600" y="228600"/>
+            <a:ext cx="5200650" cy="4895850"/>
+          </a:xfrm>
+          <a:prstGeom prst="rect">
+            <a:avLst/>
+          </a:prstGeom>
+          <a:noFill/>
+          <a:ln w="9525">
+            <a:noFill/>
+            <a:miter lim="800000"/>
+            <a:headEnd/>
+            <a:tailEnd/>
+          </a:ln>
         </p:spPr>
       </p:pic>
     </p:spTree>

--- a/EBooks/Diagrams2.pptx
+++ b/EBooks/Diagrams2.pptx
@@ -4,19 +4,29 @@
   <p:sldMasterIdLst>
     <p:sldMasterId id="2147483648" r:id="rId1"/>
   </p:sldMasterIdLst>
+  <p:notesMasterIdLst>
+    <p:notesMasterId r:id="rId21"/>
+  </p:notesMasterIdLst>
   <p:sldIdLst>
     <p:sldId id="256" r:id="rId2"/>
-    <p:sldId id="258" r:id="rId3"/>
-    <p:sldId id="257" r:id="rId4"/>
-    <p:sldId id="259" r:id="rId5"/>
-    <p:sldId id="260" r:id="rId6"/>
-    <p:sldId id="261" r:id="rId7"/>
-    <p:sldId id="262" r:id="rId8"/>
-    <p:sldId id="263" r:id="rId9"/>
-    <p:sldId id="264" r:id="rId10"/>
-    <p:sldId id="265" r:id="rId11"/>
-    <p:sldId id="266" r:id="rId12"/>
-    <p:sldId id="267" r:id="rId13"/>
+    <p:sldId id="268" r:id="rId3"/>
+    <p:sldId id="269" r:id="rId4"/>
+    <p:sldId id="270" r:id="rId5"/>
+    <p:sldId id="258" r:id="rId6"/>
+    <p:sldId id="257" r:id="rId7"/>
+    <p:sldId id="259" r:id="rId8"/>
+    <p:sldId id="271" r:id="rId9"/>
+    <p:sldId id="272" r:id="rId10"/>
+    <p:sldId id="260" r:id="rId11"/>
+    <p:sldId id="261" r:id="rId12"/>
+    <p:sldId id="262" r:id="rId13"/>
+    <p:sldId id="263" r:id="rId14"/>
+    <p:sldId id="264" r:id="rId15"/>
+    <p:sldId id="265" r:id="rId16"/>
+    <p:sldId id="273" r:id="rId17"/>
+    <p:sldId id="274" r:id="rId18"/>
+    <p:sldId id="266" r:id="rId19"/>
+    <p:sldId id="267" r:id="rId20"/>
   </p:sldIdLst>
   <p:sldSz cx="9144000" cy="6858000" type="screen4x3"/>
   <p:notesSz cx="6858000" cy="9144000"/>
@@ -116,6 +126,353 @@
     </a:lvl9pPr>
   </p:defaultTextStyle>
 </p:presentation>
+</file>
+
+<file path=ppt/notesMasters/notesMaster1.xml><?xml version="1.0" encoding="utf-8"?>
+<p:notesMaster xmlns:a="http://schemas.openxmlformats.org/drawingml/2006/main" xmlns:r="http://schemas.openxmlformats.org/officeDocument/2006/relationships" xmlns:p="http://schemas.openxmlformats.org/presentationml/2006/main">
+  <p:cSld>
+    <p:bg>
+      <p:bgRef idx="1001">
+        <a:schemeClr val="bg1"/>
+      </p:bgRef>
+    </p:bg>
+    <p:spTree>
+      <p:nvGrpSpPr>
+        <p:cNvPr id="1" name=""/>
+        <p:cNvGrpSpPr/>
+        <p:nvPr/>
+      </p:nvGrpSpPr>
+      <p:grpSpPr>
+        <a:xfrm>
+          <a:off x="0" y="0"/>
+          <a:ext cx="0" cy="0"/>
+          <a:chOff x="0" y="0"/>
+          <a:chExt cx="0" cy="0"/>
+        </a:xfrm>
+      </p:grpSpPr>
+      <p:sp>
+        <p:nvSpPr>
+          <p:cNvPr id="2" name="Header Placeholder 1"/>
+          <p:cNvSpPr>
+            <a:spLocks noGrp="1"/>
+          </p:cNvSpPr>
+          <p:nvPr>
+            <p:ph type="hdr" sz="quarter"/>
+          </p:nvPr>
+        </p:nvSpPr>
+        <p:spPr>
+          <a:xfrm>
+            <a:off x="0" y="0"/>
+            <a:ext cx="2971800" cy="457200"/>
+          </a:xfrm>
+          <a:prstGeom prst="rect">
+            <a:avLst/>
+          </a:prstGeom>
+        </p:spPr>
+        <p:txBody>
+          <a:bodyPr vert="horz" lIns="91440" tIns="45720" rIns="91440" bIns="45720" rtlCol="0"/>
+          <a:lstStyle>
+            <a:lvl1pPr algn="l">
+              <a:defRPr sz="1200"/>
+            </a:lvl1pPr>
+          </a:lstStyle>
+          <a:p>
+            <a:endParaRPr lang="en-US"/>
+          </a:p>
+        </p:txBody>
+      </p:sp>
+      <p:sp>
+        <p:nvSpPr>
+          <p:cNvPr id="3" name="Date Placeholder 2"/>
+          <p:cNvSpPr>
+            <a:spLocks noGrp="1"/>
+          </p:cNvSpPr>
+          <p:nvPr>
+            <p:ph type="dt" idx="1"/>
+          </p:nvPr>
+        </p:nvSpPr>
+        <p:spPr>
+          <a:xfrm>
+            <a:off x="3884613" y="0"/>
+            <a:ext cx="2971800" cy="457200"/>
+          </a:xfrm>
+          <a:prstGeom prst="rect">
+            <a:avLst/>
+          </a:prstGeom>
+        </p:spPr>
+        <p:txBody>
+          <a:bodyPr vert="horz" lIns="91440" tIns="45720" rIns="91440" bIns="45720" rtlCol="0"/>
+          <a:lstStyle>
+            <a:lvl1pPr algn="r">
+              <a:defRPr sz="1200"/>
+            </a:lvl1pPr>
+          </a:lstStyle>
+          <a:p>
+            <a:fld id="{5AE4D5FD-0D60-4851-A652-6098E929EFC4}" type="datetimeFigureOut">
+              <a:rPr lang="en-US" smtClean="0"/>
+              <a:t>3/6/2018</a:t>
+            </a:fld>
+            <a:endParaRPr lang="en-US"/>
+          </a:p>
+        </p:txBody>
+      </p:sp>
+      <p:sp>
+        <p:nvSpPr>
+          <p:cNvPr id="4" name="Slide Image Placeholder 3"/>
+          <p:cNvSpPr>
+            <a:spLocks noGrp="1" noRot="1" noChangeAspect="1"/>
+          </p:cNvSpPr>
+          <p:nvPr>
+            <p:ph type="sldImg" idx="2"/>
+          </p:nvPr>
+        </p:nvSpPr>
+        <p:spPr>
+          <a:xfrm>
+            <a:off x="1143000" y="685800"/>
+            <a:ext cx="4572000" cy="3429000"/>
+          </a:xfrm>
+          <a:prstGeom prst="rect">
+            <a:avLst/>
+          </a:prstGeom>
+          <a:noFill/>
+          <a:ln w="12700">
+            <a:solidFill>
+              <a:prstClr val="black"/>
+            </a:solidFill>
+          </a:ln>
+        </p:spPr>
+        <p:txBody>
+          <a:bodyPr vert="horz" lIns="91440" tIns="45720" rIns="91440" bIns="45720" rtlCol="0" anchor="ctr"/>
+          <a:lstStyle/>
+          <a:p>
+            <a:endParaRPr lang="en-US"/>
+          </a:p>
+        </p:txBody>
+      </p:sp>
+      <p:sp>
+        <p:nvSpPr>
+          <p:cNvPr id="5" name="Notes Placeholder 4"/>
+          <p:cNvSpPr>
+            <a:spLocks noGrp="1"/>
+          </p:cNvSpPr>
+          <p:nvPr>
+            <p:ph type="body" sz="quarter" idx="3"/>
+          </p:nvPr>
+        </p:nvSpPr>
+        <p:spPr>
+          <a:xfrm>
+            <a:off x="685800" y="4343400"/>
+            <a:ext cx="5486400" cy="4114800"/>
+          </a:xfrm>
+          <a:prstGeom prst="rect">
+            <a:avLst/>
+          </a:prstGeom>
+        </p:spPr>
+        <p:txBody>
+          <a:bodyPr vert="horz" lIns="91440" tIns="45720" rIns="91440" bIns="45720" rtlCol="0">
+            <a:normAutofit/>
+          </a:bodyPr>
+          <a:lstStyle/>
+          <a:p>
+            <a:pPr lvl="0"/>
+            <a:r>
+              <a:rPr lang="en-US" smtClean="0"/>
+              <a:t>Click to edit Master text styles</a:t>
+            </a:r>
+          </a:p>
+          <a:p>
+            <a:pPr lvl="1"/>
+            <a:r>
+              <a:rPr lang="en-US" smtClean="0"/>
+              <a:t>Second level</a:t>
+            </a:r>
+          </a:p>
+          <a:p>
+            <a:pPr lvl="2"/>
+            <a:r>
+              <a:rPr lang="en-US" smtClean="0"/>
+              <a:t>Third level</a:t>
+            </a:r>
+          </a:p>
+          <a:p>
+            <a:pPr lvl="3"/>
+            <a:r>
+              <a:rPr lang="en-US" smtClean="0"/>
+              <a:t>Fourth level</a:t>
+            </a:r>
+          </a:p>
+          <a:p>
+            <a:pPr lvl="4"/>
+            <a:r>
+              <a:rPr lang="en-US" smtClean="0"/>
+              <a:t>Fifth level</a:t>
+            </a:r>
+            <a:endParaRPr lang="en-US"/>
+          </a:p>
+        </p:txBody>
+      </p:sp>
+      <p:sp>
+        <p:nvSpPr>
+          <p:cNvPr id="6" name="Footer Placeholder 5"/>
+          <p:cNvSpPr>
+            <a:spLocks noGrp="1"/>
+          </p:cNvSpPr>
+          <p:nvPr>
+            <p:ph type="ftr" sz="quarter" idx="4"/>
+          </p:nvPr>
+        </p:nvSpPr>
+        <p:spPr>
+          <a:xfrm>
+            <a:off x="0" y="8685213"/>
+            <a:ext cx="2971800" cy="457200"/>
+          </a:xfrm>
+          <a:prstGeom prst="rect">
+            <a:avLst/>
+          </a:prstGeom>
+        </p:spPr>
+        <p:txBody>
+          <a:bodyPr vert="horz" lIns="91440" tIns="45720" rIns="91440" bIns="45720" rtlCol="0" anchor="b"/>
+          <a:lstStyle>
+            <a:lvl1pPr algn="l">
+              <a:defRPr sz="1200"/>
+            </a:lvl1pPr>
+          </a:lstStyle>
+          <a:p>
+            <a:endParaRPr lang="en-US"/>
+          </a:p>
+        </p:txBody>
+      </p:sp>
+      <p:sp>
+        <p:nvSpPr>
+          <p:cNvPr id="7" name="Slide Number Placeholder 6"/>
+          <p:cNvSpPr>
+            <a:spLocks noGrp="1"/>
+          </p:cNvSpPr>
+          <p:nvPr>
+            <p:ph type="sldNum" sz="quarter" idx="5"/>
+          </p:nvPr>
+        </p:nvSpPr>
+        <p:spPr>
+          <a:xfrm>
+            <a:off x="3884613" y="8685213"/>
+            <a:ext cx="2971800" cy="457200"/>
+          </a:xfrm>
+          <a:prstGeom prst="rect">
+            <a:avLst/>
+          </a:prstGeom>
+        </p:spPr>
+        <p:txBody>
+          <a:bodyPr vert="horz" lIns="91440" tIns="45720" rIns="91440" bIns="45720" rtlCol="0" anchor="b"/>
+          <a:lstStyle>
+            <a:lvl1pPr algn="r">
+              <a:defRPr sz="1200"/>
+            </a:lvl1pPr>
+          </a:lstStyle>
+          <a:p>
+            <a:fld id="{EDCAF3A9-1745-4E02-B9FC-FB6492E88F27}" type="slidenum">
+              <a:rPr lang="en-US" smtClean="0"/>
+              <a:t>‹#›</a:t>
+            </a:fld>
+            <a:endParaRPr lang="en-US"/>
+          </a:p>
+        </p:txBody>
+      </p:sp>
+    </p:spTree>
+  </p:cSld>
+  <p:clrMap bg1="lt1" tx1="dk1" bg2="lt2" tx2="dk2" accent1="accent1" accent2="accent2" accent3="accent3" accent4="accent4" accent5="accent5" accent6="accent6" hlink="hlink" folHlink="folHlink"/>
+  <p:notesStyle>
+    <a:lvl1pPr marL="0" algn="l" defTabSz="914400" rtl="0" eaLnBrk="1" latinLnBrk="0" hangingPunct="1">
+      <a:defRPr sz="1200" kern="1200">
+        <a:solidFill>
+          <a:schemeClr val="tx1"/>
+        </a:solidFill>
+        <a:latin typeface="+mn-lt"/>
+        <a:ea typeface="+mn-ea"/>
+        <a:cs typeface="+mn-cs"/>
+      </a:defRPr>
+    </a:lvl1pPr>
+    <a:lvl2pPr marL="457200" algn="l" defTabSz="914400" rtl="0" eaLnBrk="1" latinLnBrk="0" hangingPunct="1">
+      <a:defRPr sz="1200" kern="1200">
+        <a:solidFill>
+          <a:schemeClr val="tx1"/>
+        </a:solidFill>
+        <a:latin typeface="+mn-lt"/>
+        <a:ea typeface="+mn-ea"/>
+        <a:cs typeface="+mn-cs"/>
+      </a:defRPr>
+    </a:lvl2pPr>
+    <a:lvl3pPr marL="914400" algn="l" defTabSz="914400" rtl="0" eaLnBrk="1" latinLnBrk="0" hangingPunct="1">
+      <a:defRPr sz="1200" kern="1200">
+        <a:solidFill>
+          <a:schemeClr val="tx1"/>
+        </a:solidFill>
+        <a:latin typeface="+mn-lt"/>
+        <a:ea typeface="+mn-ea"/>
+        <a:cs typeface="+mn-cs"/>
+      </a:defRPr>
+    </a:lvl3pPr>
+    <a:lvl4pPr marL="1371600" algn="l" defTabSz="914400" rtl="0" eaLnBrk="1" latinLnBrk="0" hangingPunct="1">
+      <a:defRPr sz="1200" kern="1200">
+        <a:solidFill>
+          <a:schemeClr val="tx1"/>
+        </a:solidFill>
+        <a:latin typeface="+mn-lt"/>
+        <a:ea typeface="+mn-ea"/>
+        <a:cs typeface="+mn-cs"/>
+      </a:defRPr>
+    </a:lvl4pPr>
+    <a:lvl5pPr marL="1828800" algn="l" defTabSz="914400" rtl="0" eaLnBrk="1" latinLnBrk="0" hangingPunct="1">
+      <a:defRPr sz="1200" kern="1200">
+        <a:solidFill>
+          <a:schemeClr val="tx1"/>
+        </a:solidFill>
+        <a:latin typeface="+mn-lt"/>
+        <a:ea typeface="+mn-ea"/>
+        <a:cs typeface="+mn-cs"/>
+      </a:defRPr>
+    </a:lvl5pPr>
+    <a:lvl6pPr marL="2286000" algn="l" defTabSz="914400" rtl="0" eaLnBrk="1" latinLnBrk="0" hangingPunct="1">
+      <a:defRPr sz="1200" kern="1200">
+        <a:solidFill>
+          <a:schemeClr val="tx1"/>
+        </a:solidFill>
+        <a:latin typeface="+mn-lt"/>
+        <a:ea typeface="+mn-ea"/>
+        <a:cs typeface="+mn-cs"/>
+      </a:defRPr>
+    </a:lvl6pPr>
+    <a:lvl7pPr marL="2743200" algn="l" defTabSz="914400" rtl="0" eaLnBrk="1" latinLnBrk="0" hangingPunct="1">
+      <a:defRPr sz="1200" kern="1200">
+        <a:solidFill>
+          <a:schemeClr val="tx1"/>
+        </a:solidFill>
+        <a:latin typeface="+mn-lt"/>
+        <a:ea typeface="+mn-ea"/>
+        <a:cs typeface="+mn-cs"/>
+      </a:defRPr>
+    </a:lvl7pPr>
+    <a:lvl8pPr marL="3200400" algn="l" defTabSz="914400" rtl="0" eaLnBrk="1" latinLnBrk="0" hangingPunct="1">
+      <a:defRPr sz="1200" kern="1200">
+        <a:solidFill>
+          <a:schemeClr val="tx1"/>
+        </a:solidFill>
+        <a:latin typeface="+mn-lt"/>
+        <a:ea typeface="+mn-ea"/>
+        <a:cs typeface="+mn-cs"/>
+      </a:defRPr>
+    </a:lvl8pPr>
+    <a:lvl9pPr marL="3657600" algn="l" defTabSz="914400" rtl="0" eaLnBrk="1" latinLnBrk="0" hangingPunct="1">
+      <a:defRPr sz="1200" kern="1200">
+        <a:solidFill>
+          <a:schemeClr val="tx1"/>
+        </a:solidFill>
+        <a:latin typeface="+mn-lt"/>
+        <a:ea typeface="+mn-ea"/>
+        <a:cs typeface="+mn-cs"/>
+      </a:defRPr>
+    </a:lvl9pPr>
+  </p:notesStyle>
+</p:notesMaster>
 </file>
 
 <file path=ppt/slideLayouts/slideLayout1.xml><?xml version="1.0" encoding="utf-8"?>
@@ -300,7 +657,7 @@
             <a:fld id="{77CA5DE0-DE13-4F22-ABB0-253098985218}" type="datetimeFigureOut">
               <a:rPr lang="en-US" smtClean="0"/>
               <a:pPr/>
-              <a:t>2/16/2018</a:t>
+              <a:t>3/6/2018</a:t>
             </a:fld>
             <a:endParaRPr lang="en-US"/>
           </a:p>
@@ -467,7 +824,7 @@
             <a:fld id="{77CA5DE0-DE13-4F22-ABB0-253098985218}" type="datetimeFigureOut">
               <a:rPr lang="en-US" smtClean="0"/>
               <a:pPr/>
-              <a:t>2/16/2018</a:t>
+              <a:t>3/6/2018</a:t>
             </a:fld>
             <a:endParaRPr lang="en-US"/>
           </a:p>
@@ -644,7 +1001,7 @@
             <a:fld id="{77CA5DE0-DE13-4F22-ABB0-253098985218}" type="datetimeFigureOut">
               <a:rPr lang="en-US" smtClean="0"/>
               <a:pPr/>
-              <a:t>2/16/2018</a:t>
+              <a:t>3/6/2018</a:t>
             </a:fld>
             <a:endParaRPr lang="en-US"/>
           </a:p>
@@ -811,7 +1168,7 @@
             <a:fld id="{77CA5DE0-DE13-4F22-ABB0-253098985218}" type="datetimeFigureOut">
               <a:rPr lang="en-US" smtClean="0"/>
               <a:pPr/>
-              <a:t>2/16/2018</a:t>
+              <a:t>3/6/2018</a:t>
             </a:fld>
             <a:endParaRPr lang="en-US"/>
           </a:p>
@@ -1054,7 +1411,7 @@
             <a:fld id="{77CA5DE0-DE13-4F22-ABB0-253098985218}" type="datetimeFigureOut">
               <a:rPr lang="en-US" smtClean="0"/>
               <a:pPr/>
-              <a:t>2/16/2018</a:t>
+              <a:t>3/6/2018</a:t>
             </a:fld>
             <a:endParaRPr lang="en-US"/>
           </a:p>
@@ -1339,7 +1696,7 @@
             <a:fld id="{77CA5DE0-DE13-4F22-ABB0-253098985218}" type="datetimeFigureOut">
               <a:rPr lang="en-US" smtClean="0"/>
               <a:pPr/>
-              <a:t>2/16/2018</a:t>
+              <a:t>3/6/2018</a:t>
             </a:fld>
             <a:endParaRPr lang="en-US"/>
           </a:p>
@@ -1758,7 +2115,7 @@
             <a:fld id="{77CA5DE0-DE13-4F22-ABB0-253098985218}" type="datetimeFigureOut">
               <a:rPr lang="en-US" smtClean="0"/>
               <a:pPr/>
-              <a:t>2/16/2018</a:t>
+              <a:t>3/6/2018</a:t>
             </a:fld>
             <a:endParaRPr lang="en-US"/>
           </a:p>
@@ -1873,7 +2230,7 @@
             <a:fld id="{77CA5DE0-DE13-4F22-ABB0-253098985218}" type="datetimeFigureOut">
               <a:rPr lang="en-US" smtClean="0"/>
               <a:pPr/>
-              <a:t>2/16/2018</a:t>
+              <a:t>3/6/2018</a:t>
             </a:fld>
             <a:endParaRPr lang="en-US"/>
           </a:p>
@@ -1965,7 +2322,7 @@
             <a:fld id="{77CA5DE0-DE13-4F22-ABB0-253098985218}" type="datetimeFigureOut">
               <a:rPr lang="en-US" smtClean="0"/>
               <a:pPr/>
-              <a:t>2/16/2018</a:t>
+              <a:t>3/6/2018</a:t>
             </a:fld>
             <a:endParaRPr lang="en-US"/>
           </a:p>
@@ -2239,7 +2596,7 @@
             <a:fld id="{77CA5DE0-DE13-4F22-ABB0-253098985218}" type="datetimeFigureOut">
               <a:rPr lang="en-US" smtClean="0"/>
               <a:pPr/>
-              <a:t>2/16/2018</a:t>
+              <a:t>3/6/2018</a:t>
             </a:fld>
             <a:endParaRPr lang="en-US"/>
           </a:p>
@@ -2489,7 +2846,7 @@
             <a:fld id="{77CA5DE0-DE13-4F22-ABB0-253098985218}" type="datetimeFigureOut">
               <a:rPr lang="en-US" smtClean="0"/>
               <a:pPr/>
-              <a:t>2/16/2018</a:t>
+              <a:t>3/6/2018</a:t>
             </a:fld>
             <a:endParaRPr lang="en-US"/>
           </a:p>
@@ -2699,7 +3056,7 @@
             <a:fld id="{77CA5DE0-DE13-4F22-ABB0-253098985218}" type="datetimeFigureOut">
               <a:rPr lang="en-US" smtClean="0"/>
               <a:pPr/>
-              <a:t>2/16/2018</a:t>
+              <a:t>3/6/2018</a:t>
             </a:fld>
             <a:endParaRPr lang="en-US"/>
           </a:p>
@@ -3873,1930 +4230,6 @@
       </p:grpSpPr>
       <p:pic>
         <p:nvPicPr>
-          <p:cNvPr id="1031" name="Picture 7" descr="https://documents.lucidchart.com/documents/2260fa93-9fd3-4082-a937-ba73d348708f/pages/0_0?a=674&amp;x=0&amp;y=962&amp;w=1320&amp;h=391&amp;store=1&amp;accept=image%2F*&amp;auth=LCA%20f6a04b8e4c0fc4a96f37b91f259f73109f9dcab6-ts%3D1509364707"/>
-          <p:cNvPicPr>
-            <a:picLocks noChangeAspect="1" noChangeArrowheads="1"/>
-          </p:cNvPicPr>
-          <p:nvPr/>
-        </p:nvPicPr>
-        <p:blipFill>
-          <a:blip r:embed="rId2" cstate="print"/>
-          <a:srcRect/>
-          <a:stretch>
-            <a:fillRect/>
-          </a:stretch>
-        </p:blipFill>
-        <p:spPr bwMode="auto">
-          <a:xfrm>
-            <a:off x="68350" y="4800600"/>
-            <a:ext cx="6789650" cy="2011176"/>
-          </a:xfrm>
-          <a:prstGeom prst="rect">
-            <a:avLst/>
-          </a:prstGeom>
-          <a:noFill/>
-        </p:spPr>
-      </p:pic>
-      <p:pic>
-        <p:nvPicPr>
-          <p:cNvPr id="1027" name="Picture 3"/>
-          <p:cNvPicPr>
-            <a:picLocks noChangeAspect="1" noChangeArrowheads="1"/>
-          </p:cNvPicPr>
-          <p:nvPr/>
-        </p:nvPicPr>
-        <p:blipFill>
-          <a:blip r:embed="rId3" cstate="print"/>
-          <a:srcRect/>
-          <a:stretch>
-            <a:fillRect/>
-          </a:stretch>
-        </p:blipFill>
-        <p:spPr bwMode="auto">
-          <a:xfrm>
-            <a:off x="3248467" y="2708200"/>
-            <a:ext cx="3533333" cy="1940000"/>
-          </a:xfrm>
-          <a:prstGeom prst="rect">
-            <a:avLst/>
-          </a:prstGeom>
-          <a:noFill/>
-          <a:ln w="9525">
-            <a:noFill/>
-            <a:miter lim="800000"/>
-            <a:headEnd/>
-            <a:tailEnd/>
-          </a:ln>
-        </p:spPr>
-      </p:pic>
-      <p:pic>
-        <p:nvPicPr>
-          <p:cNvPr id="1029" name="Picture 5" descr="https://documents.lucidchart.com/documents/2260fa93-9fd3-4082-a937-ba73d348708f/pages/0_0?a=674&amp;x=27&amp;y=41&amp;w=726&amp;h=418&amp;store=1&amp;accept=image%2F*&amp;auth=LCA%201e62daadd139b3de05cd235df67c1bc1209d20ee-ts%3D1509364707"/>
-          <p:cNvPicPr>
-            <a:picLocks noChangeAspect="1" noChangeArrowheads="1"/>
-          </p:cNvPicPr>
-          <p:nvPr/>
-        </p:nvPicPr>
-        <p:blipFill>
-          <a:blip r:embed="rId4" cstate="print"/>
-          <a:srcRect/>
-          <a:stretch>
-            <a:fillRect/>
-          </a:stretch>
-        </p:blipFill>
-        <p:spPr bwMode="auto">
-          <a:xfrm>
-            <a:off x="0" y="1"/>
-            <a:ext cx="3319384" cy="1911161"/>
-          </a:xfrm>
-          <a:prstGeom prst="rect">
-            <a:avLst/>
-          </a:prstGeom>
-          <a:noFill/>
-        </p:spPr>
-      </p:pic>
-      <p:graphicFrame>
-        <p:nvGraphicFramePr>
-          <p:cNvPr id="7" name="Table 6"/>
-          <p:cNvGraphicFramePr>
-            <a:graphicFrameLocks noGrp="1"/>
-          </p:cNvGraphicFramePr>
-          <p:nvPr/>
-        </p:nvGraphicFramePr>
-        <p:xfrm>
-          <a:off x="390524" y="1965960"/>
-          <a:ext cx="2505076" cy="2834640"/>
-        </p:xfrm>
-        <a:graphic>
-          <a:graphicData uri="http://schemas.openxmlformats.org/drawingml/2006/table">
-            <a:tbl>
-              <a:tblPr/>
-              <a:tblGrid>
-                <a:gridCol w="1252538"/>
-                <a:gridCol w="1252538"/>
-              </a:tblGrid>
-              <a:tr h="236220">
-                <a:tc>
-                  <a:txBody>
-                    <a:bodyPr/>
-                    <a:lstStyle/>
-                    <a:p>
-                      <a:endParaRPr lang="en-US" sz="800" dirty="0"/>
-                    </a:p>
-                  </a:txBody>
-                  <a:tcPr anchor="ctr">
-                    <a:lnL w="9525" cap="flat" cmpd="sng" algn="ctr">
-                      <a:solidFill>
-                        <a:srgbClr val="9C0C5C"/>
-                      </a:solidFill>
-                      <a:prstDash val="solid"/>
-                      <a:round/>
-                      <a:headEnd type="none" w="med" len="med"/>
-                      <a:tailEnd type="none" w="med" len="med"/>
-                    </a:lnL>
-                    <a:lnR w="9525" cap="flat" cmpd="sng" algn="ctr">
-                      <a:solidFill>
-                        <a:srgbClr val="9C0C5C"/>
-                      </a:solidFill>
-                      <a:prstDash val="solid"/>
-                      <a:round/>
-                      <a:headEnd type="none" w="med" len="med"/>
-                      <a:tailEnd type="none" w="med" len="med"/>
-                    </a:lnR>
-                    <a:lnT w="9525" cap="flat" cmpd="sng" algn="ctr">
-                      <a:solidFill>
-                        <a:srgbClr val="9C0C5C"/>
-                      </a:solidFill>
-                      <a:prstDash val="solid"/>
-                      <a:round/>
-                      <a:headEnd type="none" w="med" len="med"/>
-                      <a:tailEnd type="none" w="med" len="med"/>
-                    </a:lnT>
-                    <a:lnB w="9525" cap="flat" cmpd="sng" algn="ctr">
-                      <a:solidFill>
-                        <a:srgbClr val="9C0C5C"/>
-                      </a:solidFill>
-                      <a:prstDash val="solid"/>
-                      <a:round/>
-                      <a:headEnd type="none" w="med" len="med"/>
-                      <a:tailEnd type="none" w="med" len="med"/>
-                    </a:lnB>
-                  </a:tcPr>
-                </a:tc>
-                <a:tc>
-                  <a:txBody>
-                    <a:bodyPr/>
-                    <a:lstStyle/>
-                    <a:p>
-                      <a:endParaRPr lang="en-US" sz="800"/>
-                    </a:p>
-                  </a:txBody>
-                  <a:tcPr anchor="ctr">
-                    <a:lnL w="9525" cap="flat" cmpd="sng" algn="ctr">
-                      <a:solidFill>
-                        <a:srgbClr val="9C0C5C"/>
-                      </a:solidFill>
-                      <a:prstDash val="solid"/>
-                      <a:round/>
-                      <a:headEnd type="none" w="med" len="med"/>
-                      <a:tailEnd type="none" w="med" len="med"/>
-                    </a:lnL>
-                    <a:lnR w="9525" cap="flat" cmpd="sng" algn="ctr">
-                      <a:solidFill>
-                        <a:srgbClr val="9C0C5C"/>
-                      </a:solidFill>
-                      <a:prstDash val="solid"/>
-                      <a:round/>
-                      <a:headEnd type="none" w="med" len="med"/>
-                      <a:tailEnd type="none" w="med" len="med"/>
-                    </a:lnR>
-                    <a:lnT w="9525" cap="flat" cmpd="sng" algn="ctr">
-                      <a:solidFill>
-                        <a:srgbClr val="9C0C5C"/>
-                      </a:solidFill>
-                      <a:prstDash val="solid"/>
-                      <a:round/>
-                      <a:headEnd type="none" w="med" len="med"/>
-                      <a:tailEnd type="none" w="med" len="med"/>
-                    </a:lnT>
-                    <a:lnB w="9525" cap="flat" cmpd="sng" algn="ctr">
-                      <a:solidFill>
-                        <a:srgbClr val="9C0C5C"/>
-                      </a:solidFill>
-                      <a:prstDash val="solid"/>
-                      <a:round/>
-                      <a:headEnd type="none" w="med" len="med"/>
-                      <a:tailEnd type="none" w="med" len="med"/>
-                    </a:lnB>
-                  </a:tcPr>
-                </a:tc>
-              </a:tr>
-              <a:tr h="236220">
-                <a:tc>
-                  <a:txBody>
-                    <a:bodyPr/>
-                    <a:lstStyle/>
-                    <a:p>
-                      <a:endParaRPr lang="en-US" sz="800"/>
-                    </a:p>
-                  </a:txBody>
-                  <a:tcPr anchor="ctr">
-                    <a:lnL w="9525" cap="flat" cmpd="sng" algn="ctr">
-                      <a:solidFill>
-                        <a:srgbClr val="9C0C5C"/>
-                      </a:solidFill>
-                      <a:prstDash val="solid"/>
-                      <a:round/>
-                      <a:headEnd type="none" w="med" len="med"/>
-                      <a:tailEnd type="none" w="med" len="med"/>
-                    </a:lnL>
-                    <a:lnR w="9525" cap="flat" cmpd="sng" algn="ctr">
-                      <a:solidFill>
-                        <a:srgbClr val="9C0C5C"/>
-                      </a:solidFill>
-                      <a:prstDash val="solid"/>
-                      <a:round/>
-                      <a:headEnd type="none" w="med" len="med"/>
-                      <a:tailEnd type="none" w="med" len="med"/>
-                    </a:lnR>
-                    <a:lnT w="9525" cap="flat" cmpd="sng" algn="ctr">
-                      <a:solidFill>
-                        <a:srgbClr val="9C0C5C"/>
-                      </a:solidFill>
-                      <a:prstDash val="solid"/>
-                      <a:round/>
-                      <a:headEnd type="none" w="med" len="med"/>
-                      <a:tailEnd type="none" w="med" len="med"/>
-                    </a:lnT>
-                    <a:lnB w="9525" cap="flat" cmpd="sng" algn="ctr">
-                      <a:solidFill>
-                        <a:srgbClr val="9C0C5C"/>
-                      </a:solidFill>
-                      <a:prstDash val="solid"/>
-                      <a:round/>
-                      <a:headEnd type="none" w="med" len="med"/>
-                      <a:tailEnd type="none" w="med" len="med"/>
-                    </a:lnB>
-                  </a:tcPr>
-                </a:tc>
-                <a:tc>
-                  <a:txBody>
-                    <a:bodyPr/>
-                    <a:lstStyle/>
-                    <a:p>
-                      <a:endParaRPr lang="en-US" sz="800"/>
-                    </a:p>
-                  </a:txBody>
-                  <a:tcPr anchor="ctr">
-                    <a:lnL w="9525" cap="flat" cmpd="sng" algn="ctr">
-                      <a:solidFill>
-                        <a:srgbClr val="9C0C5C"/>
-                      </a:solidFill>
-                      <a:prstDash val="solid"/>
-                      <a:round/>
-                      <a:headEnd type="none" w="med" len="med"/>
-                      <a:tailEnd type="none" w="med" len="med"/>
-                    </a:lnL>
-                    <a:lnR w="9525" cap="flat" cmpd="sng" algn="ctr">
-                      <a:solidFill>
-                        <a:srgbClr val="9C0C5C"/>
-                      </a:solidFill>
-                      <a:prstDash val="solid"/>
-                      <a:round/>
-                      <a:headEnd type="none" w="med" len="med"/>
-                      <a:tailEnd type="none" w="med" len="med"/>
-                    </a:lnR>
-                    <a:lnT w="9525" cap="flat" cmpd="sng" algn="ctr">
-                      <a:solidFill>
-                        <a:srgbClr val="9C0C5C"/>
-                      </a:solidFill>
-                      <a:prstDash val="solid"/>
-                      <a:round/>
-                      <a:headEnd type="none" w="med" len="med"/>
-                      <a:tailEnd type="none" w="med" len="med"/>
-                    </a:lnT>
-                    <a:lnB w="9525" cap="flat" cmpd="sng" algn="ctr">
-                      <a:solidFill>
-                        <a:srgbClr val="9C0C5C"/>
-                      </a:solidFill>
-                      <a:prstDash val="solid"/>
-                      <a:round/>
-                      <a:headEnd type="none" w="med" len="med"/>
-                      <a:tailEnd type="none" w="med" len="med"/>
-                    </a:lnB>
-                  </a:tcPr>
-                </a:tc>
-              </a:tr>
-              <a:tr h="236220">
-                <a:tc>
-                  <a:txBody>
-                    <a:bodyPr/>
-                    <a:lstStyle/>
-                    <a:p>
-                      <a:endParaRPr lang="en-US" sz="800" dirty="0"/>
-                    </a:p>
-                  </a:txBody>
-                  <a:tcPr anchor="ctr">
-                    <a:lnL w="9525" cap="flat" cmpd="sng" algn="ctr">
-                      <a:solidFill>
-                        <a:srgbClr val="9C0C5C"/>
-                      </a:solidFill>
-                      <a:prstDash val="solid"/>
-                      <a:round/>
-                      <a:headEnd type="none" w="med" len="med"/>
-                      <a:tailEnd type="none" w="med" len="med"/>
-                    </a:lnL>
-                    <a:lnR w="9525" cap="flat" cmpd="sng" algn="ctr">
-                      <a:solidFill>
-                        <a:srgbClr val="9C0C5C"/>
-                      </a:solidFill>
-                      <a:prstDash val="solid"/>
-                      <a:round/>
-                      <a:headEnd type="none" w="med" len="med"/>
-                      <a:tailEnd type="none" w="med" len="med"/>
-                    </a:lnR>
-                    <a:lnT w="9525" cap="flat" cmpd="sng" algn="ctr">
-                      <a:solidFill>
-                        <a:srgbClr val="9C0C5C"/>
-                      </a:solidFill>
-                      <a:prstDash val="solid"/>
-                      <a:round/>
-                      <a:headEnd type="none" w="med" len="med"/>
-                      <a:tailEnd type="none" w="med" len="med"/>
-                    </a:lnT>
-                    <a:lnB w="9525" cap="flat" cmpd="sng" algn="ctr">
-                      <a:solidFill>
-                        <a:srgbClr val="9C0C5C"/>
-                      </a:solidFill>
-                      <a:prstDash val="solid"/>
-                      <a:round/>
-                      <a:headEnd type="none" w="med" len="med"/>
-                      <a:tailEnd type="none" w="med" len="med"/>
-                    </a:lnB>
-                  </a:tcPr>
-                </a:tc>
-                <a:tc>
-                  <a:txBody>
-                    <a:bodyPr/>
-                    <a:lstStyle/>
-                    <a:p>
-                      <a:endParaRPr lang="en-US" sz="800"/>
-                    </a:p>
-                  </a:txBody>
-                  <a:tcPr anchor="ctr">
-                    <a:lnL w="9525" cap="flat" cmpd="sng" algn="ctr">
-                      <a:solidFill>
-                        <a:srgbClr val="9C0C5C"/>
-                      </a:solidFill>
-                      <a:prstDash val="solid"/>
-                      <a:round/>
-                      <a:headEnd type="none" w="med" len="med"/>
-                      <a:tailEnd type="none" w="med" len="med"/>
-                    </a:lnL>
-                    <a:lnR w="9525" cap="flat" cmpd="sng" algn="ctr">
-                      <a:solidFill>
-                        <a:srgbClr val="9C0C5C"/>
-                      </a:solidFill>
-                      <a:prstDash val="solid"/>
-                      <a:round/>
-                      <a:headEnd type="none" w="med" len="med"/>
-                      <a:tailEnd type="none" w="med" len="med"/>
-                    </a:lnR>
-                    <a:lnT w="9525" cap="flat" cmpd="sng" algn="ctr">
-                      <a:solidFill>
-                        <a:srgbClr val="9C0C5C"/>
-                      </a:solidFill>
-                      <a:prstDash val="solid"/>
-                      <a:round/>
-                      <a:headEnd type="none" w="med" len="med"/>
-                      <a:tailEnd type="none" w="med" len="med"/>
-                    </a:lnT>
-                    <a:lnB w="9525" cap="flat" cmpd="sng" algn="ctr">
-                      <a:solidFill>
-                        <a:srgbClr val="9C0C5C"/>
-                      </a:solidFill>
-                      <a:prstDash val="solid"/>
-                      <a:round/>
-                      <a:headEnd type="none" w="med" len="med"/>
-                      <a:tailEnd type="none" w="med" len="med"/>
-                    </a:lnB>
-                  </a:tcPr>
-                </a:tc>
-              </a:tr>
-              <a:tr h="236220">
-                <a:tc>
-                  <a:txBody>
-                    <a:bodyPr/>
-                    <a:lstStyle/>
-                    <a:p>
-                      <a:endParaRPr lang="en-US" sz="800"/>
-                    </a:p>
-                  </a:txBody>
-                  <a:tcPr anchor="ctr">
-                    <a:lnL w="9525" cap="flat" cmpd="sng" algn="ctr">
-                      <a:solidFill>
-                        <a:srgbClr val="9C0C5C"/>
-                      </a:solidFill>
-                      <a:prstDash val="solid"/>
-                      <a:round/>
-                      <a:headEnd type="none" w="med" len="med"/>
-                      <a:tailEnd type="none" w="med" len="med"/>
-                    </a:lnL>
-                    <a:lnR w="9525" cap="flat" cmpd="sng" algn="ctr">
-                      <a:solidFill>
-                        <a:srgbClr val="9C0C5C"/>
-                      </a:solidFill>
-                      <a:prstDash val="solid"/>
-                      <a:round/>
-                      <a:headEnd type="none" w="med" len="med"/>
-                      <a:tailEnd type="none" w="med" len="med"/>
-                    </a:lnR>
-                    <a:lnT w="9525" cap="flat" cmpd="sng" algn="ctr">
-                      <a:solidFill>
-                        <a:srgbClr val="9C0C5C"/>
-                      </a:solidFill>
-                      <a:prstDash val="solid"/>
-                      <a:round/>
-                      <a:headEnd type="none" w="med" len="med"/>
-                      <a:tailEnd type="none" w="med" len="med"/>
-                    </a:lnT>
-                    <a:lnB w="9525" cap="flat" cmpd="sng" algn="ctr">
-                      <a:solidFill>
-                        <a:srgbClr val="9C0C5C"/>
-                      </a:solidFill>
-                      <a:prstDash val="solid"/>
-                      <a:round/>
-                      <a:headEnd type="none" w="med" len="med"/>
-                      <a:tailEnd type="none" w="med" len="med"/>
-                    </a:lnB>
-                  </a:tcPr>
-                </a:tc>
-                <a:tc>
-                  <a:txBody>
-                    <a:bodyPr/>
-                    <a:lstStyle/>
-                    <a:p>
-                      <a:endParaRPr lang="en-US" sz="800" dirty="0"/>
-                    </a:p>
-                  </a:txBody>
-                  <a:tcPr anchor="ctr">
-                    <a:lnL w="9525" cap="flat" cmpd="sng" algn="ctr">
-                      <a:solidFill>
-                        <a:srgbClr val="9C0C5C"/>
-                      </a:solidFill>
-                      <a:prstDash val="solid"/>
-                      <a:round/>
-                      <a:headEnd type="none" w="med" len="med"/>
-                      <a:tailEnd type="none" w="med" len="med"/>
-                    </a:lnL>
-                    <a:lnR w="9525" cap="flat" cmpd="sng" algn="ctr">
-                      <a:solidFill>
-                        <a:srgbClr val="9C0C5C"/>
-                      </a:solidFill>
-                      <a:prstDash val="solid"/>
-                      <a:round/>
-                      <a:headEnd type="none" w="med" len="med"/>
-                      <a:tailEnd type="none" w="med" len="med"/>
-                    </a:lnR>
-                    <a:lnT w="9525" cap="flat" cmpd="sng" algn="ctr">
-                      <a:solidFill>
-                        <a:srgbClr val="9C0C5C"/>
-                      </a:solidFill>
-                      <a:prstDash val="solid"/>
-                      <a:round/>
-                      <a:headEnd type="none" w="med" len="med"/>
-                      <a:tailEnd type="none" w="med" len="med"/>
-                    </a:lnT>
-                    <a:lnB w="9525" cap="flat" cmpd="sng" algn="ctr">
-                      <a:solidFill>
-                        <a:srgbClr val="9C0C5C"/>
-                      </a:solidFill>
-                      <a:prstDash val="solid"/>
-                      <a:round/>
-                      <a:headEnd type="none" w="med" len="med"/>
-                      <a:tailEnd type="none" w="med" len="med"/>
-                    </a:lnB>
-                  </a:tcPr>
-                </a:tc>
-              </a:tr>
-              <a:tr h="236220">
-                <a:tc>
-                  <a:txBody>
-                    <a:bodyPr/>
-                    <a:lstStyle/>
-                    <a:p>
-                      <a:endParaRPr lang="en-US" sz="800"/>
-                    </a:p>
-                  </a:txBody>
-                  <a:tcPr anchor="ctr">
-                    <a:lnL w="9525" cap="flat" cmpd="sng" algn="ctr">
-                      <a:solidFill>
-                        <a:srgbClr val="9C0C5C"/>
-                      </a:solidFill>
-                      <a:prstDash val="solid"/>
-                      <a:round/>
-                      <a:headEnd type="none" w="med" len="med"/>
-                      <a:tailEnd type="none" w="med" len="med"/>
-                    </a:lnL>
-                    <a:lnR w="9525" cap="flat" cmpd="sng" algn="ctr">
-                      <a:solidFill>
-                        <a:srgbClr val="9C0C5C"/>
-                      </a:solidFill>
-                      <a:prstDash val="solid"/>
-                      <a:round/>
-                      <a:headEnd type="none" w="med" len="med"/>
-                      <a:tailEnd type="none" w="med" len="med"/>
-                    </a:lnR>
-                    <a:lnT w="9525" cap="flat" cmpd="sng" algn="ctr">
-                      <a:solidFill>
-                        <a:srgbClr val="9C0C5C"/>
-                      </a:solidFill>
-                      <a:prstDash val="solid"/>
-                      <a:round/>
-                      <a:headEnd type="none" w="med" len="med"/>
-                      <a:tailEnd type="none" w="med" len="med"/>
-                    </a:lnT>
-                    <a:lnB w="9525" cap="flat" cmpd="sng" algn="ctr">
-                      <a:solidFill>
-                        <a:srgbClr val="9C0C5C"/>
-                      </a:solidFill>
-                      <a:prstDash val="solid"/>
-                      <a:round/>
-                      <a:headEnd type="none" w="med" len="med"/>
-                      <a:tailEnd type="none" w="med" len="med"/>
-                    </a:lnB>
-                  </a:tcPr>
-                </a:tc>
-                <a:tc>
-                  <a:txBody>
-                    <a:bodyPr/>
-                    <a:lstStyle/>
-                    <a:p>
-                      <a:endParaRPr lang="en-US" sz="800" dirty="0"/>
-                    </a:p>
-                  </a:txBody>
-                  <a:tcPr anchor="ctr">
-                    <a:lnL w="9525" cap="flat" cmpd="sng" algn="ctr">
-                      <a:solidFill>
-                        <a:srgbClr val="9C0C5C"/>
-                      </a:solidFill>
-                      <a:prstDash val="solid"/>
-                      <a:round/>
-                      <a:headEnd type="none" w="med" len="med"/>
-                      <a:tailEnd type="none" w="med" len="med"/>
-                    </a:lnL>
-                    <a:lnR w="9525" cap="flat" cmpd="sng" algn="ctr">
-                      <a:solidFill>
-                        <a:srgbClr val="9C0C5C"/>
-                      </a:solidFill>
-                      <a:prstDash val="solid"/>
-                      <a:round/>
-                      <a:headEnd type="none" w="med" len="med"/>
-                      <a:tailEnd type="none" w="med" len="med"/>
-                    </a:lnR>
-                    <a:lnT w="9525" cap="flat" cmpd="sng" algn="ctr">
-                      <a:solidFill>
-                        <a:srgbClr val="9C0C5C"/>
-                      </a:solidFill>
-                      <a:prstDash val="solid"/>
-                      <a:round/>
-                      <a:headEnd type="none" w="med" len="med"/>
-                      <a:tailEnd type="none" w="med" len="med"/>
-                    </a:lnT>
-                    <a:lnB w="9525" cap="flat" cmpd="sng" algn="ctr">
-                      <a:solidFill>
-                        <a:srgbClr val="9C0C5C"/>
-                      </a:solidFill>
-                      <a:prstDash val="solid"/>
-                      <a:round/>
-                      <a:headEnd type="none" w="med" len="med"/>
-                      <a:tailEnd type="none" w="med" len="med"/>
-                    </a:lnB>
-                  </a:tcPr>
-                </a:tc>
-              </a:tr>
-              <a:tr h="236220">
-                <a:tc>
-                  <a:txBody>
-                    <a:bodyPr/>
-                    <a:lstStyle/>
-                    <a:p>
-                      <a:endParaRPr lang="en-US" sz="800"/>
-                    </a:p>
-                  </a:txBody>
-                  <a:tcPr anchor="ctr">
-                    <a:lnL w="9525" cap="flat" cmpd="sng" algn="ctr">
-                      <a:solidFill>
-                        <a:srgbClr val="9C0C5C"/>
-                      </a:solidFill>
-                      <a:prstDash val="solid"/>
-                      <a:round/>
-                      <a:headEnd type="none" w="med" len="med"/>
-                      <a:tailEnd type="none" w="med" len="med"/>
-                    </a:lnL>
-                    <a:lnR w="9525" cap="flat" cmpd="sng" algn="ctr">
-                      <a:solidFill>
-                        <a:srgbClr val="9C0C5C"/>
-                      </a:solidFill>
-                      <a:prstDash val="solid"/>
-                      <a:round/>
-                      <a:headEnd type="none" w="med" len="med"/>
-                      <a:tailEnd type="none" w="med" len="med"/>
-                    </a:lnR>
-                    <a:lnT w="9525" cap="flat" cmpd="sng" algn="ctr">
-                      <a:solidFill>
-                        <a:srgbClr val="9C0C5C"/>
-                      </a:solidFill>
-                      <a:prstDash val="solid"/>
-                      <a:round/>
-                      <a:headEnd type="none" w="med" len="med"/>
-                      <a:tailEnd type="none" w="med" len="med"/>
-                    </a:lnT>
-                    <a:lnB w="9525" cap="flat" cmpd="sng" algn="ctr">
-                      <a:solidFill>
-                        <a:srgbClr val="9C0C5C"/>
-                      </a:solidFill>
-                      <a:prstDash val="solid"/>
-                      <a:round/>
-                      <a:headEnd type="none" w="med" len="med"/>
-                      <a:tailEnd type="none" w="med" len="med"/>
-                    </a:lnB>
-                  </a:tcPr>
-                </a:tc>
-                <a:tc>
-                  <a:txBody>
-                    <a:bodyPr/>
-                    <a:lstStyle/>
-                    <a:p>
-                      <a:endParaRPr lang="en-US" sz="800"/>
-                    </a:p>
-                  </a:txBody>
-                  <a:tcPr anchor="ctr">
-                    <a:lnL w="9525" cap="flat" cmpd="sng" algn="ctr">
-                      <a:solidFill>
-                        <a:srgbClr val="9C0C5C"/>
-                      </a:solidFill>
-                      <a:prstDash val="solid"/>
-                      <a:round/>
-                      <a:headEnd type="none" w="med" len="med"/>
-                      <a:tailEnd type="none" w="med" len="med"/>
-                    </a:lnL>
-                    <a:lnR w="9525" cap="flat" cmpd="sng" algn="ctr">
-                      <a:solidFill>
-                        <a:srgbClr val="9C0C5C"/>
-                      </a:solidFill>
-                      <a:prstDash val="solid"/>
-                      <a:round/>
-                      <a:headEnd type="none" w="med" len="med"/>
-                      <a:tailEnd type="none" w="med" len="med"/>
-                    </a:lnR>
-                    <a:lnT w="9525" cap="flat" cmpd="sng" algn="ctr">
-                      <a:solidFill>
-                        <a:srgbClr val="9C0C5C"/>
-                      </a:solidFill>
-                      <a:prstDash val="solid"/>
-                      <a:round/>
-                      <a:headEnd type="none" w="med" len="med"/>
-                      <a:tailEnd type="none" w="med" len="med"/>
-                    </a:lnT>
-                    <a:lnB w="9525" cap="flat" cmpd="sng" algn="ctr">
-                      <a:solidFill>
-                        <a:srgbClr val="9C0C5C"/>
-                      </a:solidFill>
-                      <a:prstDash val="solid"/>
-                      <a:round/>
-                      <a:headEnd type="none" w="med" len="med"/>
-                      <a:tailEnd type="none" w="med" len="med"/>
-                    </a:lnB>
-                  </a:tcPr>
-                </a:tc>
-              </a:tr>
-              <a:tr h="236220">
-                <a:tc>
-                  <a:txBody>
-                    <a:bodyPr/>
-                    <a:lstStyle/>
-                    <a:p>
-                      <a:endParaRPr lang="en-US" sz="800"/>
-                    </a:p>
-                  </a:txBody>
-                  <a:tcPr anchor="ctr">
-                    <a:lnL w="9525" cap="flat" cmpd="sng" algn="ctr">
-                      <a:solidFill>
-                        <a:srgbClr val="9C0C5C"/>
-                      </a:solidFill>
-                      <a:prstDash val="solid"/>
-                      <a:round/>
-                      <a:headEnd type="none" w="med" len="med"/>
-                      <a:tailEnd type="none" w="med" len="med"/>
-                    </a:lnL>
-                    <a:lnR w="9525" cap="flat" cmpd="sng" algn="ctr">
-                      <a:solidFill>
-                        <a:srgbClr val="9C0C5C"/>
-                      </a:solidFill>
-                      <a:prstDash val="solid"/>
-                      <a:round/>
-                      <a:headEnd type="none" w="med" len="med"/>
-                      <a:tailEnd type="none" w="med" len="med"/>
-                    </a:lnR>
-                    <a:lnT w="9525" cap="flat" cmpd="sng" algn="ctr">
-                      <a:solidFill>
-                        <a:srgbClr val="9C0C5C"/>
-                      </a:solidFill>
-                      <a:prstDash val="solid"/>
-                      <a:round/>
-                      <a:headEnd type="none" w="med" len="med"/>
-                      <a:tailEnd type="none" w="med" len="med"/>
-                    </a:lnT>
-                    <a:lnB w="9525" cap="flat" cmpd="sng" algn="ctr">
-                      <a:solidFill>
-                        <a:srgbClr val="9C0C5C"/>
-                      </a:solidFill>
-                      <a:prstDash val="solid"/>
-                      <a:round/>
-                      <a:headEnd type="none" w="med" len="med"/>
-                      <a:tailEnd type="none" w="med" len="med"/>
-                    </a:lnB>
-                  </a:tcPr>
-                </a:tc>
-                <a:tc>
-                  <a:txBody>
-                    <a:bodyPr/>
-                    <a:lstStyle/>
-                    <a:p>
-                      <a:endParaRPr lang="en-US" sz="800"/>
-                    </a:p>
-                  </a:txBody>
-                  <a:tcPr anchor="ctr">
-                    <a:lnL w="9525" cap="flat" cmpd="sng" algn="ctr">
-                      <a:solidFill>
-                        <a:srgbClr val="9C0C5C"/>
-                      </a:solidFill>
-                      <a:prstDash val="solid"/>
-                      <a:round/>
-                      <a:headEnd type="none" w="med" len="med"/>
-                      <a:tailEnd type="none" w="med" len="med"/>
-                    </a:lnL>
-                    <a:lnR w="9525" cap="flat" cmpd="sng" algn="ctr">
-                      <a:solidFill>
-                        <a:srgbClr val="9C0C5C"/>
-                      </a:solidFill>
-                      <a:prstDash val="solid"/>
-                      <a:round/>
-                      <a:headEnd type="none" w="med" len="med"/>
-                      <a:tailEnd type="none" w="med" len="med"/>
-                    </a:lnR>
-                    <a:lnT w="9525" cap="flat" cmpd="sng" algn="ctr">
-                      <a:solidFill>
-                        <a:srgbClr val="9C0C5C"/>
-                      </a:solidFill>
-                      <a:prstDash val="solid"/>
-                      <a:round/>
-                      <a:headEnd type="none" w="med" len="med"/>
-                      <a:tailEnd type="none" w="med" len="med"/>
-                    </a:lnT>
-                    <a:lnB w="9525" cap="flat" cmpd="sng" algn="ctr">
-                      <a:solidFill>
-                        <a:srgbClr val="9C0C5C"/>
-                      </a:solidFill>
-                      <a:prstDash val="solid"/>
-                      <a:round/>
-                      <a:headEnd type="none" w="med" len="med"/>
-                      <a:tailEnd type="none" w="med" len="med"/>
-                    </a:lnB>
-                  </a:tcPr>
-                </a:tc>
-              </a:tr>
-              <a:tr h="236220">
-                <a:tc>
-                  <a:txBody>
-                    <a:bodyPr/>
-                    <a:lstStyle/>
-                    <a:p>
-                      <a:endParaRPr lang="en-US" sz="800"/>
-                    </a:p>
-                  </a:txBody>
-                  <a:tcPr anchor="ctr">
-                    <a:lnL w="9525" cap="flat" cmpd="sng" algn="ctr">
-                      <a:solidFill>
-                        <a:srgbClr val="9C0C5C"/>
-                      </a:solidFill>
-                      <a:prstDash val="solid"/>
-                      <a:round/>
-                      <a:headEnd type="none" w="med" len="med"/>
-                      <a:tailEnd type="none" w="med" len="med"/>
-                    </a:lnL>
-                    <a:lnR w="9525" cap="flat" cmpd="sng" algn="ctr">
-                      <a:solidFill>
-                        <a:srgbClr val="9C0C5C"/>
-                      </a:solidFill>
-                      <a:prstDash val="solid"/>
-                      <a:round/>
-                      <a:headEnd type="none" w="med" len="med"/>
-                      <a:tailEnd type="none" w="med" len="med"/>
-                    </a:lnR>
-                    <a:lnT w="9525" cap="flat" cmpd="sng" algn="ctr">
-                      <a:solidFill>
-                        <a:srgbClr val="9C0C5C"/>
-                      </a:solidFill>
-                      <a:prstDash val="solid"/>
-                      <a:round/>
-                      <a:headEnd type="none" w="med" len="med"/>
-                      <a:tailEnd type="none" w="med" len="med"/>
-                    </a:lnT>
-                    <a:lnB w="9525" cap="flat" cmpd="sng" algn="ctr">
-                      <a:solidFill>
-                        <a:srgbClr val="9C0C5C"/>
-                      </a:solidFill>
-                      <a:prstDash val="solid"/>
-                      <a:round/>
-                      <a:headEnd type="none" w="med" len="med"/>
-                      <a:tailEnd type="none" w="med" len="med"/>
-                    </a:lnB>
-                  </a:tcPr>
-                </a:tc>
-                <a:tc>
-                  <a:txBody>
-                    <a:bodyPr/>
-                    <a:lstStyle/>
-                    <a:p>
-                      <a:endParaRPr lang="en-US" sz="800"/>
-                    </a:p>
-                  </a:txBody>
-                  <a:tcPr anchor="ctr">
-                    <a:lnL w="9525" cap="flat" cmpd="sng" algn="ctr">
-                      <a:solidFill>
-                        <a:srgbClr val="9C0C5C"/>
-                      </a:solidFill>
-                      <a:prstDash val="solid"/>
-                      <a:round/>
-                      <a:headEnd type="none" w="med" len="med"/>
-                      <a:tailEnd type="none" w="med" len="med"/>
-                    </a:lnL>
-                    <a:lnR w="9525" cap="flat" cmpd="sng" algn="ctr">
-                      <a:solidFill>
-                        <a:srgbClr val="9C0C5C"/>
-                      </a:solidFill>
-                      <a:prstDash val="solid"/>
-                      <a:round/>
-                      <a:headEnd type="none" w="med" len="med"/>
-                      <a:tailEnd type="none" w="med" len="med"/>
-                    </a:lnR>
-                    <a:lnT w="9525" cap="flat" cmpd="sng" algn="ctr">
-                      <a:solidFill>
-                        <a:srgbClr val="9C0C5C"/>
-                      </a:solidFill>
-                      <a:prstDash val="solid"/>
-                      <a:round/>
-                      <a:headEnd type="none" w="med" len="med"/>
-                      <a:tailEnd type="none" w="med" len="med"/>
-                    </a:lnT>
-                    <a:lnB w="9525" cap="flat" cmpd="sng" algn="ctr">
-                      <a:solidFill>
-                        <a:srgbClr val="9C0C5C"/>
-                      </a:solidFill>
-                      <a:prstDash val="solid"/>
-                      <a:round/>
-                      <a:headEnd type="none" w="med" len="med"/>
-                      <a:tailEnd type="none" w="med" len="med"/>
-                    </a:lnB>
-                  </a:tcPr>
-                </a:tc>
-              </a:tr>
-              <a:tr h="236220">
-                <a:tc>
-                  <a:txBody>
-                    <a:bodyPr/>
-                    <a:lstStyle/>
-                    <a:p>
-                      <a:endParaRPr lang="en-US" sz="800"/>
-                    </a:p>
-                  </a:txBody>
-                  <a:tcPr anchor="ctr">
-                    <a:lnL w="9525" cap="flat" cmpd="sng" algn="ctr">
-                      <a:solidFill>
-                        <a:srgbClr val="9C0C5C"/>
-                      </a:solidFill>
-                      <a:prstDash val="solid"/>
-                      <a:round/>
-                      <a:headEnd type="none" w="med" len="med"/>
-                      <a:tailEnd type="none" w="med" len="med"/>
-                    </a:lnL>
-                    <a:lnR w="9525" cap="flat" cmpd="sng" algn="ctr">
-                      <a:solidFill>
-                        <a:srgbClr val="9C0C5C"/>
-                      </a:solidFill>
-                      <a:prstDash val="solid"/>
-                      <a:round/>
-                      <a:headEnd type="none" w="med" len="med"/>
-                      <a:tailEnd type="none" w="med" len="med"/>
-                    </a:lnR>
-                    <a:lnT w="9525" cap="flat" cmpd="sng" algn="ctr">
-                      <a:solidFill>
-                        <a:srgbClr val="9C0C5C"/>
-                      </a:solidFill>
-                      <a:prstDash val="solid"/>
-                      <a:round/>
-                      <a:headEnd type="none" w="med" len="med"/>
-                      <a:tailEnd type="none" w="med" len="med"/>
-                    </a:lnT>
-                    <a:lnB w="9525" cap="flat" cmpd="sng" algn="ctr">
-                      <a:solidFill>
-                        <a:srgbClr val="9C0C5C"/>
-                      </a:solidFill>
-                      <a:prstDash val="solid"/>
-                      <a:round/>
-                      <a:headEnd type="none" w="med" len="med"/>
-                      <a:tailEnd type="none" w="med" len="med"/>
-                    </a:lnB>
-                  </a:tcPr>
-                </a:tc>
-                <a:tc>
-                  <a:txBody>
-                    <a:bodyPr/>
-                    <a:lstStyle/>
-                    <a:p>
-                      <a:endParaRPr lang="en-US" sz="800"/>
-                    </a:p>
-                  </a:txBody>
-                  <a:tcPr anchor="ctr">
-                    <a:lnL w="9525" cap="flat" cmpd="sng" algn="ctr">
-                      <a:solidFill>
-                        <a:srgbClr val="9C0C5C"/>
-                      </a:solidFill>
-                      <a:prstDash val="solid"/>
-                      <a:round/>
-                      <a:headEnd type="none" w="med" len="med"/>
-                      <a:tailEnd type="none" w="med" len="med"/>
-                    </a:lnL>
-                    <a:lnR w="9525" cap="flat" cmpd="sng" algn="ctr">
-                      <a:solidFill>
-                        <a:srgbClr val="9C0C5C"/>
-                      </a:solidFill>
-                      <a:prstDash val="solid"/>
-                      <a:round/>
-                      <a:headEnd type="none" w="med" len="med"/>
-                      <a:tailEnd type="none" w="med" len="med"/>
-                    </a:lnR>
-                    <a:lnT w="9525" cap="flat" cmpd="sng" algn="ctr">
-                      <a:solidFill>
-                        <a:srgbClr val="9C0C5C"/>
-                      </a:solidFill>
-                      <a:prstDash val="solid"/>
-                      <a:round/>
-                      <a:headEnd type="none" w="med" len="med"/>
-                      <a:tailEnd type="none" w="med" len="med"/>
-                    </a:lnT>
-                    <a:lnB w="9525" cap="flat" cmpd="sng" algn="ctr">
-                      <a:solidFill>
-                        <a:srgbClr val="9C0C5C"/>
-                      </a:solidFill>
-                      <a:prstDash val="solid"/>
-                      <a:round/>
-                      <a:headEnd type="none" w="med" len="med"/>
-                      <a:tailEnd type="none" w="med" len="med"/>
-                    </a:lnB>
-                  </a:tcPr>
-                </a:tc>
-              </a:tr>
-              <a:tr h="236220">
-                <a:tc>
-                  <a:txBody>
-                    <a:bodyPr/>
-                    <a:lstStyle/>
-                    <a:p>
-                      <a:endParaRPr lang="en-US" sz="800" dirty="0"/>
-                    </a:p>
-                  </a:txBody>
-                  <a:tcPr anchor="ctr">
-                    <a:lnL w="9525" cap="flat" cmpd="sng" algn="ctr">
-                      <a:solidFill>
-                        <a:srgbClr val="9C0C5C"/>
-                      </a:solidFill>
-                      <a:prstDash val="solid"/>
-                      <a:round/>
-                      <a:headEnd type="none" w="med" len="med"/>
-                      <a:tailEnd type="none" w="med" len="med"/>
-                    </a:lnL>
-                    <a:lnR w="9525" cap="flat" cmpd="sng" algn="ctr">
-                      <a:solidFill>
-                        <a:srgbClr val="9C0C5C"/>
-                      </a:solidFill>
-                      <a:prstDash val="solid"/>
-                      <a:round/>
-                      <a:headEnd type="none" w="med" len="med"/>
-                      <a:tailEnd type="none" w="med" len="med"/>
-                    </a:lnR>
-                    <a:lnT w="9525" cap="flat" cmpd="sng" algn="ctr">
-                      <a:solidFill>
-                        <a:srgbClr val="9C0C5C"/>
-                      </a:solidFill>
-                      <a:prstDash val="solid"/>
-                      <a:round/>
-                      <a:headEnd type="none" w="med" len="med"/>
-                      <a:tailEnd type="none" w="med" len="med"/>
-                    </a:lnT>
-                    <a:lnB w="9525" cap="flat" cmpd="sng" algn="ctr">
-                      <a:solidFill>
-                        <a:srgbClr val="9C0C5C"/>
-                      </a:solidFill>
-                      <a:prstDash val="solid"/>
-                      <a:round/>
-                      <a:headEnd type="none" w="med" len="med"/>
-                      <a:tailEnd type="none" w="med" len="med"/>
-                    </a:lnB>
-                  </a:tcPr>
-                </a:tc>
-                <a:tc>
-                  <a:txBody>
-                    <a:bodyPr/>
-                    <a:lstStyle/>
-                    <a:p>
-                      <a:endParaRPr lang="en-US" sz="800" dirty="0"/>
-                    </a:p>
-                  </a:txBody>
-                  <a:tcPr anchor="ctr">
-                    <a:lnL w="9525" cap="flat" cmpd="sng" algn="ctr">
-                      <a:solidFill>
-                        <a:srgbClr val="9C0C5C"/>
-                      </a:solidFill>
-                      <a:prstDash val="solid"/>
-                      <a:round/>
-                      <a:headEnd type="none" w="med" len="med"/>
-                      <a:tailEnd type="none" w="med" len="med"/>
-                    </a:lnL>
-                    <a:lnR w="9525" cap="flat" cmpd="sng" algn="ctr">
-                      <a:solidFill>
-                        <a:srgbClr val="9C0C5C"/>
-                      </a:solidFill>
-                      <a:prstDash val="solid"/>
-                      <a:round/>
-                      <a:headEnd type="none" w="med" len="med"/>
-                      <a:tailEnd type="none" w="med" len="med"/>
-                    </a:lnR>
-                    <a:lnT w="9525" cap="flat" cmpd="sng" algn="ctr">
-                      <a:solidFill>
-                        <a:srgbClr val="9C0C5C"/>
-                      </a:solidFill>
-                      <a:prstDash val="solid"/>
-                      <a:round/>
-                      <a:headEnd type="none" w="med" len="med"/>
-                      <a:tailEnd type="none" w="med" len="med"/>
-                    </a:lnT>
-                    <a:lnB w="9525" cap="flat" cmpd="sng" algn="ctr">
-                      <a:solidFill>
-                        <a:srgbClr val="9C0C5C"/>
-                      </a:solidFill>
-                      <a:prstDash val="solid"/>
-                      <a:round/>
-                      <a:headEnd type="none" w="med" len="med"/>
-                      <a:tailEnd type="none" w="med" len="med"/>
-                    </a:lnB>
-                  </a:tcPr>
-                </a:tc>
-              </a:tr>
-              <a:tr h="236220">
-                <a:tc>
-                  <a:txBody>
-                    <a:bodyPr/>
-                    <a:lstStyle/>
-                    <a:p>
-                      <a:endParaRPr lang="en-US" sz="800" dirty="0"/>
-                    </a:p>
-                  </a:txBody>
-                  <a:tcPr anchor="ctr">
-                    <a:lnL w="9525" cap="flat" cmpd="sng" algn="ctr">
-                      <a:solidFill>
-                        <a:srgbClr val="9C0C5C"/>
-                      </a:solidFill>
-                      <a:prstDash val="solid"/>
-                      <a:round/>
-                      <a:headEnd type="none" w="med" len="med"/>
-                      <a:tailEnd type="none" w="med" len="med"/>
-                    </a:lnL>
-                    <a:lnR w="9525" cap="flat" cmpd="sng" algn="ctr">
-                      <a:solidFill>
-                        <a:srgbClr val="9C0C5C"/>
-                      </a:solidFill>
-                      <a:prstDash val="solid"/>
-                      <a:round/>
-                      <a:headEnd type="none" w="med" len="med"/>
-                      <a:tailEnd type="none" w="med" len="med"/>
-                    </a:lnR>
-                    <a:lnT w="9525" cap="flat" cmpd="sng" algn="ctr">
-                      <a:solidFill>
-                        <a:srgbClr val="9C0C5C"/>
-                      </a:solidFill>
-                      <a:prstDash val="solid"/>
-                      <a:round/>
-                      <a:headEnd type="none" w="med" len="med"/>
-                      <a:tailEnd type="none" w="med" len="med"/>
-                    </a:lnT>
-                    <a:lnB w="9525" cap="flat" cmpd="sng" algn="ctr">
-                      <a:solidFill>
-                        <a:srgbClr val="9C0C5C"/>
-                      </a:solidFill>
-                      <a:prstDash val="solid"/>
-                      <a:round/>
-                      <a:headEnd type="none" w="med" len="med"/>
-                      <a:tailEnd type="none" w="med" len="med"/>
-                    </a:lnB>
-                  </a:tcPr>
-                </a:tc>
-                <a:tc>
-                  <a:txBody>
-                    <a:bodyPr/>
-                    <a:lstStyle/>
-                    <a:p>
-                      <a:endParaRPr lang="en-US" sz="800" dirty="0"/>
-                    </a:p>
-                  </a:txBody>
-                  <a:tcPr anchor="ctr">
-                    <a:lnL w="9525" cap="flat" cmpd="sng" algn="ctr">
-                      <a:solidFill>
-                        <a:srgbClr val="9C0C5C"/>
-                      </a:solidFill>
-                      <a:prstDash val="solid"/>
-                      <a:round/>
-                      <a:headEnd type="none" w="med" len="med"/>
-                      <a:tailEnd type="none" w="med" len="med"/>
-                    </a:lnL>
-                    <a:lnR w="9525" cap="flat" cmpd="sng" algn="ctr">
-                      <a:solidFill>
-                        <a:srgbClr val="9C0C5C"/>
-                      </a:solidFill>
-                      <a:prstDash val="solid"/>
-                      <a:round/>
-                      <a:headEnd type="none" w="med" len="med"/>
-                      <a:tailEnd type="none" w="med" len="med"/>
-                    </a:lnR>
-                    <a:lnT w="9525" cap="flat" cmpd="sng" algn="ctr">
-                      <a:solidFill>
-                        <a:srgbClr val="9C0C5C"/>
-                      </a:solidFill>
-                      <a:prstDash val="solid"/>
-                      <a:round/>
-                      <a:headEnd type="none" w="med" len="med"/>
-                      <a:tailEnd type="none" w="med" len="med"/>
-                    </a:lnT>
-                    <a:lnB w="9525" cap="flat" cmpd="sng" algn="ctr">
-                      <a:solidFill>
-                        <a:srgbClr val="9C0C5C"/>
-                      </a:solidFill>
-                      <a:prstDash val="solid"/>
-                      <a:round/>
-                      <a:headEnd type="none" w="med" len="med"/>
-                      <a:tailEnd type="none" w="med" len="med"/>
-                    </a:lnB>
-                  </a:tcPr>
-                </a:tc>
-              </a:tr>
-              <a:tr h="236220">
-                <a:tc>
-                  <a:txBody>
-                    <a:bodyPr/>
-                    <a:lstStyle/>
-                    <a:p>
-                      <a:endParaRPr lang="en-US" sz="800"/>
-                    </a:p>
-                  </a:txBody>
-                  <a:tcPr anchor="ctr">
-                    <a:lnL w="9525" cap="flat" cmpd="sng" algn="ctr">
-                      <a:solidFill>
-                        <a:srgbClr val="9C0C5C"/>
-                      </a:solidFill>
-                      <a:prstDash val="solid"/>
-                      <a:round/>
-                      <a:headEnd type="none" w="med" len="med"/>
-                      <a:tailEnd type="none" w="med" len="med"/>
-                    </a:lnL>
-                    <a:lnR w="9525" cap="flat" cmpd="sng" algn="ctr">
-                      <a:solidFill>
-                        <a:srgbClr val="9C0C5C"/>
-                      </a:solidFill>
-                      <a:prstDash val="solid"/>
-                      <a:round/>
-                      <a:headEnd type="none" w="med" len="med"/>
-                      <a:tailEnd type="none" w="med" len="med"/>
-                    </a:lnR>
-                    <a:lnT w="9525" cap="flat" cmpd="sng" algn="ctr">
-                      <a:solidFill>
-                        <a:srgbClr val="9C0C5C"/>
-                      </a:solidFill>
-                      <a:prstDash val="solid"/>
-                      <a:round/>
-                      <a:headEnd type="none" w="med" len="med"/>
-                      <a:tailEnd type="none" w="med" len="med"/>
-                    </a:lnT>
-                    <a:lnB w="9525" cap="flat" cmpd="sng" algn="ctr">
-                      <a:solidFill>
-                        <a:srgbClr val="9C0C5C"/>
-                      </a:solidFill>
-                      <a:prstDash val="solid"/>
-                      <a:round/>
-                      <a:headEnd type="none" w="med" len="med"/>
-                      <a:tailEnd type="none" w="med" len="med"/>
-                    </a:lnB>
-                  </a:tcPr>
-                </a:tc>
-                <a:tc>
-                  <a:txBody>
-                    <a:bodyPr/>
-                    <a:lstStyle/>
-                    <a:p>
-                      <a:endParaRPr lang="en-US" sz="800" dirty="0"/>
-                    </a:p>
-                  </a:txBody>
-                  <a:tcPr anchor="ctr">
-                    <a:lnL w="9525" cap="flat" cmpd="sng" algn="ctr">
-                      <a:solidFill>
-                        <a:srgbClr val="9C0C5C"/>
-                      </a:solidFill>
-                      <a:prstDash val="solid"/>
-                      <a:round/>
-                      <a:headEnd type="none" w="med" len="med"/>
-                      <a:tailEnd type="none" w="med" len="med"/>
-                    </a:lnL>
-                    <a:lnR w="9525" cap="flat" cmpd="sng" algn="ctr">
-                      <a:solidFill>
-                        <a:srgbClr val="9C0C5C"/>
-                      </a:solidFill>
-                      <a:prstDash val="solid"/>
-                      <a:round/>
-                      <a:headEnd type="none" w="med" len="med"/>
-                      <a:tailEnd type="none" w="med" len="med"/>
-                    </a:lnR>
-                    <a:lnT w="9525" cap="flat" cmpd="sng" algn="ctr">
-                      <a:solidFill>
-                        <a:srgbClr val="9C0C5C"/>
-                      </a:solidFill>
-                      <a:prstDash val="solid"/>
-                      <a:round/>
-                      <a:headEnd type="none" w="med" len="med"/>
-                      <a:tailEnd type="none" w="med" len="med"/>
-                    </a:lnT>
-                    <a:lnB w="9525" cap="flat" cmpd="sng" algn="ctr">
-                      <a:solidFill>
-                        <a:srgbClr val="9C0C5C"/>
-                      </a:solidFill>
-                      <a:prstDash val="solid"/>
-                      <a:round/>
-                      <a:headEnd type="none" w="med" len="med"/>
-                      <a:tailEnd type="none" w="med" len="med"/>
-                    </a:lnB>
-                  </a:tcPr>
-                </a:tc>
-              </a:tr>
-            </a:tbl>
-          </a:graphicData>
-        </a:graphic>
-      </p:graphicFrame>
-      <p:sp>
-        <p:nvSpPr>
-          <p:cNvPr id="1034" name="Rectangle 10"/>
-          <p:cNvSpPr>
-            <a:spLocks noChangeArrowheads="1"/>
-          </p:cNvSpPr>
-          <p:nvPr/>
-        </p:nvSpPr>
-        <p:spPr bwMode="auto">
-          <a:xfrm>
-            <a:off x="0" y="0"/>
-            <a:ext cx="9144000" cy="0"/>
-          </a:xfrm>
-          <a:prstGeom prst="rect">
-            <a:avLst/>
-          </a:prstGeom>
-          <a:noFill/>
-          <a:ln w="9525">
-            <a:noFill/>
-            <a:miter lim="800000"/>
-            <a:headEnd/>
-            <a:tailEnd/>
-          </a:ln>
-          <a:effectLst/>
-        </p:spPr>
-        <p:txBody>
-          <a:bodyPr vert="horz" wrap="none" lIns="91440" tIns="45720" rIns="91440" bIns="45720" numCol="1" anchor="ctr" anchorCtr="0" compatLnSpc="1">
-            <a:prstTxWarp prst="textNoShape">
-              <a:avLst/>
-            </a:prstTxWarp>
-            <a:spAutoFit/>
-          </a:bodyPr>
-          <a:lstStyle/>
-          <a:p>
-            <a:pPr marL="0" marR="0" lvl="0" indent="0" algn="l" defTabSz="914400" rtl="0" eaLnBrk="1" fontAlgn="base" latinLnBrk="0" hangingPunct="1">
-              <a:lnSpc>
-                <a:spcPct val="100000"/>
-              </a:lnSpc>
-              <a:spcBef>
-                <a:spcPct val="0"/>
-              </a:spcBef>
-              <a:spcAft>
-                <a:spcPct val="0"/>
-              </a:spcAft>
-              <a:buClrTx/>
-              <a:buSzTx/>
-              <a:buFontTx/>
-              <a:buNone/>
-              <a:tabLst/>
-            </a:pPr>
-            <a:endParaRPr kumimoji="0" lang="en-US" sz="1800" b="0" i="0" u="none" strike="noStrike" cap="none" normalizeH="0" baseline="0" smtClean="0">
-              <a:ln>
-                <a:noFill/>
-              </a:ln>
-              <a:solidFill>
-                <a:schemeClr val="tx1"/>
-              </a:solidFill>
-              <a:effectLst/>
-              <a:latin typeface="Arial" charset="0"/>
-              <a:cs typeface="Arial" charset="0"/>
-            </a:endParaRPr>
-          </a:p>
-        </p:txBody>
-      </p:sp>
-      <p:pic>
-        <p:nvPicPr>
-          <p:cNvPr id="1036" name="Picture 12"/>
-          <p:cNvPicPr>
-            <a:picLocks noChangeAspect="1" noChangeArrowheads="1"/>
-          </p:cNvPicPr>
-          <p:nvPr/>
-        </p:nvPicPr>
-        <p:blipFill>
-          <a:blip r:embed="rId5" cstate="print"/>
-          <a:srcRect/>
-          <a:stretch>
-            <a:fillRect/>
-          </a:stretch>
-        </p:blipFill>
-        <p:spPr bwMode="auto">
-          <a:xfrm>
-            <a:off x="3352800" y="152400"/>
-            <a:ext cx="5694045" cy="2400300"/>
-          </a:xfrm>
-          <a:prstGeom prst="rect">
-            <a:avLst/>
-          </a:prstGeom>
-          <a:noFill/>
-          <a:ln w="9525">
-            <a:noFill/>
-            <a:miter lim="800000"/>
-            <a:headEnd/>
-            <a:tailEnd/>
-          </a:ln>
-        </p:spPr>
-      </p:pic>
-    </p:spTree>
-  </p:cSld>
-  <p:clrMapOvr>
-    <a:masterClrMapping/>
-  </p:clrMapOvr>
-</p:sld>
-</file>
-
-<file path=ppt/slides/slide11.xml><?xml version="1.0" encoding="utf-8"?>
-<p:sld xmlns:a="http://schemas.openxmlformats.org/drawingml/2006/main" xmlns:r="http://schemas.openxmlformats.org/officeDocument/2006/relationships" xmlns:p="http://schemas.openxmlformats.org/presentationml/2006/main">
-  <p:cSld>
-    <p:spTree>
-      <p:nvGrpSpPr>
-        <p:cNvPr id="1" name=""/>
-        <p:cNvGrpSpPr/>
-        <p:nvPr/>
-      </p:nvGrpSpPr>
-      <p:grpSpPr>
-        <a:xfrm>
-          <a:off x="0" y="0"/>
-          <a:ext cx="0" cy="0"/>
-          <a:chOff x="0" y="0"/>
-          <a:chExt cx="0" cy="0"/>
-        </a:xfrm>
-      </p:grpSpPr>
-      <p:pic>
-        <p:nvPicPr>
-          <p:cNvPr id="1026" name="Picture 2"/>
-          <p:cNvPicPr>
-            <a:picLocks noChangeAspect="1" noChangeArrowheads="1"/>
-          </p:cNvPicPr>
-          <p:nvPr/>
-        </p:nvPicPr>
-        <p:blipFill>
-          <a:blip r:embed="rId2" cstate="print"/>
-          <a:srcRect/>
-          <a:stretch>
-            <a:fillRect/>
-          </a:stretch>
-        </p:blipFill>
-        <p:spPr bwMode="auto">
-          <a:xfrm>
-            <a:off x="152400" y="145869"/>
-            <a:ext cx="1524000" cy="6635931"/>
-          </a:xfrm>
-          <a:prstGeom prst="rect">
-            <a:avLst/>
-          </a:prstGeom>
-          <a:noFill/>
-          <a:ln w="9525">
-            <a:noFill/>
-            <a:miter lim="800000"/>
-            <a:headEnd/>
-            <a:tailEnd/>
-          </a:ln>
-        </p:spPr>
-      </p:pic>
-      <p:pic>
-        <p:nvPicPr>
-          <p:cNvPr id="1028" name="Picture 4"/>
-          <p:cNvPicPr>
-            <a:picLocks noChangeAspect="1" noChangeArrowheads="1"/>
-          </p:cNvPicPr>
-          <p:nvPr/>
-        </p:nvPicPr>
-        <p:blipFill>
-          <a:blip r:embed="rId3" cstate="print"/>
-          <a:srcRect/>
-          <a:stretch>
-            <a:fillRect/>
-          </a:stretch>
-        </p:blipFill>
-        <p:spPr bwMode="auto">
-          <a:xfrm>
-            <a:off x="1524000" y="381000"/>
-            <a:ext cx="5838825" cy="3009900"/>
-          </a:xfrm>
-          <a:prstGeom prst="rect">
-            <a:avLst/>
-          </a:prstGeom>
-          <a:noFill/>
-          <a:ln w="9525">
-            <a:noFill/>
-            <a:miter lim="800000"/>
-            <a:headEnd/>
-            <a:tailEnd/>
-          </a:ln>
-        </p:spPr>
-      </p:pic>
-      <p:pic>
-        <p:nvPicPr>
-          <p:cNvPr id="1029" name="Picture 5"/>
-          <p:cNvPicPr>
-            <a:picLocks noChangeAspect="1" noChangeArrowheads="1"/>
-          </p:cNvPicPr>
-          <p:nvPr/>
-        </p:nvPicPr>
-        <p:blipFill>
-          <a:blip r:embed="rId4" cstate="print"/>
-          <a:srcRect/>
-          <a:stretch>
-            <a:fillRect/>
-          </a:stretch>
-        </p:blipFill>
-        <p:spPr bwMode="auto">
-          <a:xfrm>
-            <a:off x="1524000" y="3581400"/>
-            <a:ext cx="6067425" cy="2400300"/>
-          </a:xfrm>
-          <a:prstGeom prst="rect">
-            <a:avLst/>
-          </a:prstGeom>
-          <a:noFill/>
-          <a:ln w="9525">
-            <a:noFill/>
-            <a:miter lim="800000"/>
-            <a:headEnd/>
-            <a:tailEnd/>
-          </a:ln>
-        </p:spPr>
-      </p:pic>
-    </p:spTree>
-  </p:cSld>
-  <p:clrMapOvr>
-    <a:masterClrMapping/>
-  </p:clrMapOvr>
-</p:sld>
-</file>
-
-<file path=ppt/slides/slide12.xml><?xml version="1.0" encoding="utf-8"?>
-<p:sld xmlns:a="http://schemas.openxmlformats.org/drawingml/2006/main" xmlns:r="http://schemas.openxmlformats.org/officeDocument/2006/relationships" xmlns:p="http://schemas.openxmlformats.org/presentationml/2006/main">
-  <p:cSld>
-    <p:spTree>
-      <p:nvGrpSpPr>
-        <p:cNvPr id="1" name=""/>
-        <p:cNvGrpSpPr/>
-        <p:nvPr/>
-      </p:nvGrpSpPr>
-      <p:grpSpPr>
-        <a:xfrm>
-          <a:off x="0" y="0"/>
-          <a:ext cx="0" cy="0"/>
-          <a:chOff x="0" y="0"/>
-          <a:chExt cx="0" cy="0"/>
-        </a:xfrm>
-      </p:grpSpPr>
-      <p:pic>
-        <p:nvPicPr>
-          <p:cNvPr id="2" name="Picture 2"/>
-          <p:cNvPicPr>
-            <a:picLocks noChangeAspect="1" noChangeArrowheads="1"/>
-          </p:cNvPicPr>
-          <p:nvPr/>
-        </p:nvPicPr>
-        <p:blipFill>
-          <a:blip r:embed="rId2" cstate="print"/>
-          <a:srcRect/>
-          <a:stretch>
-            <a:fillRect/>
-          </a:stretch>
-        </p:blipFill>
-        <p:spPr bwMode="auto">
-          <a:xfrm>
-            <a:off x="152400" y="145869"/>
-            <a:ext cx="1524000" cy="6635931"/>
-          </a:xfrm>
-          <a:prstGeom prst="rect">
-            <a:avLst/>
-          </a:prstGeom>
-          <a:noFill/>
-          <a:ln w="9525">
-            <a:noFill/>
-            <a:miter lim="800000"/>
-            <a:headEnd/>
-            <a:tailEnd/>
-          </a:ln>
-        </p:spPr>
-      </p:pic>
-      <p:pic>
-        <p:nvPicPr>
-          <p:cNvPr id="2050" name="Picture 2"/>
-          <p:cNvPicPr>
-            <a:picLocks noChangeAspect="1" noChangeArrowheads="1"/>
-          </p:cNvPicPr>
-          <p:nvPr/>
-        </p:nvPicPr>
-        <p:blipFill>
-          <a:blip r:embed="rId3" cstate="print"/>
-          <a:srcRect/>
-          <a:stretch>
-            <a:fillRect/>
-          </a:stretch>
-        </p:blipFill>
-        <p:spPr bwMode="auto">
-          <a:xfrm>
-            <a:off x="1800225" y="76200"/>
-            <a:ext cx="6048375" cy="6115050"/>
-          </a:xfrm>
-          <a:prstGeom prst="rect">
-            <a:avLst/>
-          </a:prstGeom>
-          <a:noFill/>
-          <a:ln w="9525">
-            <a:noFill/>
-            <a:miter lim="800000"/>
-            <a:headEnd/>
-            <a:tailEnd/>
-          </a:ln>
-        </p:spPr>
-      </p:pic>
-    </p:spTree>
-  </p:cSld>
-  <p:clrMapOvr>
-    <a:masterClrMapping/>
-  </p:clrMapOvr>
-</p:sld>
-</file>
-
-<file path=ppt/slides/slide2.xml><?xml version="1.0" encoding="utf-8"?>
-<p:sld xmlns:a="http://schemas.openxmlformats.org/drawingml/2006/main" xmlns:r="http://schemas.openxmlformats.org/officeDocument/2006/relationships" xmlns:p="http://schemas.openxmlformats.org/presentationml/2006/main">
-  <p:cSld>
-    <p:spTree>
-      <p:nvGrpSpPr>
-        <p:cNvPr id="1" name=""/>
-        <p:cNvGrpSpPr/>
-        <p:nvPr/>
-      </p:nvGrpSpPr>
-      <p:grpSpPr>
-        <a:xfrm>
-          <a:off x="0" y="0"/>
-          <a:ext cx="0" cy="0"/>
-          <a:chOff x="0" y="0"/>
-          <a:chExt cx="0" cy="0"/>
-        </a:xfrm>
-      </p:grpSpPr>
-      <p:pic>
-        <p:nvPicPr>
-          <p:cNvPr id="1028" name="Picture 4"/>
-          <p:cNvPicPr>
-            <a:picLocks noChangeAspect="1" noChangeArrowheads="1"/>
-          </p:cNvPicPr>
-          <p:nvPr/>
-        </p:nvPicPr>
-        <p:blipFill>
-          <a:blip r:embed="rId2" cstate="print"/>
-          <a:srcRect/>
-          <a:stretch>
-            <a:fillRect/>
-          </a:stretch>
-        </p:blipFill>
-        <p:spPr bwMode="auto">
-          <a:xfrm>
-            <a:off x="76200" y="0"/>
-            <a:ext cx="5309482" cy="4495800"/>
-          </a:xfrm>
-          <a:prstGeom prst="rect">
-            <a:avLst/>
-          </a:prstGeom>
-          <a:noFill/>
-          <a:ln w="9525">
-            <a:noFill/>
-            <a:miter lim="800000"/>
-            <a:headEnd/>
-            <a:tailEnd/>
-          </a:ln>
-        </p:spPr>
-      </p:pic>
-      <p:pic>
-        <p:nvPicPr>
-          <p:cNvPr id="1032" name="Picture 8" descr="https://documents.lucidchart.com/documents/4f095beb-4ee3-4d43-8724-a83ab86eac16/pages/0_0?a=298&amp;x=90&amp;y=66&amp;w=1540&amp;h=308&amp;store=1&amp;accept=image%2F*&amp;auth=LCA%2072c90b1ec76de8d75319b7df26d0713a989dd73c-ts%3D1494248697"/>
-          <p:cNvPicPr>
-            <a:picLocks noChangeAspect="1" noChangeArrowheads="1"/>
-          </p:cNvPicPr>
-          <p:nvPr/>
-        </p:nvPicPr>
-        <p:blipFill>
-          <a:blip r:embed="rId3" cstate="print"/>
-          <a:srcRect/>
-          <a:stretch>
-            <a:fillRect/>
-          </a:stretch>
-        </p:blipFill>
-        <p:spPr bwMode="auto">
-          <a:xfrm>
-            <a:off x="1371600" y="4114800"/>
-            <a:ext cx="6096000" cy="1219200"/>
-          </a:xfrm>
-          <a:prstGeom prst="rect">
-            <a:avLst/>
-          </a:prstGeom>
-          <a:noFill/>
-        </p:spPr>
-      </p:pic>
-      <p:pic>
-        <p:nvPicPr>
-          <p:cNvPr id="1026" name="Picture 2"/>
-          <p:cNvPicPr>
-            <a:picLocks noChangeAspect="1" noChangeArrowheads="1"/>
-          </p:cNvPicPr>
-          <p:nvPr/>
-        </p:nvPicPr>
-        <p:blipFill>
-          <a:blip r:embed="rId4" cstate="print"/>
-          <a:srcRect/>
-          <a:stretch>
-            <a:fillRect/>
-          </a:stretch>
-        </p:blipFill>
-        <p:spPr bwMode="auto">
-          <a:xfrm>
-            <a:off x="7239000" y="76200"/>
-            <a:ext cx="1809750" cy="4337655"/>
-          </a:xfrm>
-          <a:prstGeom prst="rect">
-            <a:avLst/>
-          </a:prstGeom>
-          <a:noFill/>
-          <a:ln w="9525">
-            <a:noFill/>
-            <a:miter lim="800000"/>
-            <a:headEnd/>
-            <a:tailEnd/>
-          </a:ln>
-        </p:spPr>
-      </p:pic>
-    </p:spTree>
-  </p:cSld>
-  <p:clrMapOvr>
-    <a:masterClrMapping/>
-  </p:clrMapOvr>
-</p:sld>
-</file>
-
-<file path=ppt/slides/slide3.xml><?xml version="1.0" encoding="utf-8"?>
-<p:sld xmlns:a="http://schemas.openxmlformats.org/drawingml/2006/main" xmlns:r="http://schemas.openxmlformats.org/officeDocument/2006/relationships" xmlns:p="http://schemas.openxmlformats.org/presentationml/2006/main">
-  <p:cSld>
-    <p:spTree>
-      <p:nvGrpSpPr>
-        <p:cNvPr id="1" name=""/>
-        <p:cNvGrpSpPr/>
-        <p:nvPr/>
-      </p:nvGrpSpPr>
-      <p:grpSpPr>
-        <a:xfrm>
-          <a:off x="0" y="0"/>
-          <a:ext cx="0" cy="0"/>
-          <a:chOff x="0" y="0"/>
-          <a:chExt cx="0" cy="0"/>
-        </a:xfrm>
-      </p:grpSpPr>
-      <p:pic>
-        <p:nvPicPr>
-          <p:cNvPr id="2" name="Picture 2" descr="https://documents.lucidchart.com/documents/836a6f97-a710-4752-935c-6db7beade261/pages/0_0?a=992&amp;x=79&amp;y=1026&amp;w=901&amp;h=418&amp;store=1&amp;accept=image%2F*&amp;auth=LCA%20e8930ca40278b74a7aaad60b7e4283309eb7fc1b-ts%3D1490889624"/>
-          <p:cNvPicPr>
-            <a:picLocks noChangeAspect="1" noChangeArrowheads="1"/>
-          </p:cNvPicPr>
-          <p:nvPr/>
-        </p:nvPicPr>
-        <p:blipFill>
-          <a:blip r:embed="rId2" cstate="print"/>
-          <a:srcRect/>
-          <a:stretch>
-            <a:fillRect/>
-          </a:stretch>
-        </p:blipFill>
-        <p:spPr bwMode="auto">
-          <a:xfrm>
-            <a:off x="228600" y="2362200"/>
-            <a:ext cx="3962400" cy="1840523"/>
-          </a:xfrm>
-          <a:prstGeom prst="rect">
-            <a:avLst/>
-          </a:prstGeom>
-          <a:noFill/>
-        </p:spPr>
-      </p:pic>
-      <p:pic>
-        <p:nvPicPr>
-          <p:cNvPr id="3" name="Picture 2" descr="https://documents.lucidchart.com/documents/836a6f97-a710-4752-935c-6db7beade261/pages/0_0?a=992&amp;x=79&amp;y=1026&amp;w=901&amp;h=418&amp;store=1&amp;accept=image%2F*&amp;auth=LCA%20e8930ca40278b74a7aaad60b7e4283309eb7fc1b-ts%3D1490889624"/>
-          <p:cNvPicPr>
-            <a:picLocks noChangeAspect="1" noChangeArrowheads="1"/>
-          </p:cNvPicPr>
-          <p:nvPr/>
-        </p:nvPicPr>
-        <p:blipFill>
-          <a:blip r:embed="rId2" cstate="print"/>
-          <a:srcRect/>
-          <a:stretch>
-            <a:fillRect/>
-          </a:stretch>
-        </p:blipFill>
-        <p:spPr bwMode="auto">
-          <a:xfrm>
-            <a:off x="228600" y="4419600"/>
-            <a:ext cx="3962400" cy="1840523"/>
-          </a:xfrm>
-          <a:prstGeom prst="rect">
-            <a:avLst/>
-          </a:prstGeom>
-          <a:noFill/>
-        </p:spPr>
-      </p:pic>
-      <p:pic>
-        <p:nvPicPr>
-          <p:cNvPr id="4" name="Picture 2" descr="https://documents.lucidchart.com/documents/836a6f97-a710-4752-935c-6db7beade261/pages/0_0?a=992&amp;x=79&amp;y=1026&amp;w=901&amp;h=418&amp;store=1&amp;accept=image%2F*&amp;auth=LCA%20e8930ca40278b74a7aaad60b7e4283309eb7fc1b-ts%3D1490889624"/>
-          <p:cNvPicPr>
-            <a:picLocks noChangeAspect="1" noChangeArrowheads="1"/>
-          </p:cNvPicPr>
-          <p:nvPr/>
-        </p:nvPicPr>
-        <p:blipFill>
-          <a:blip r:embed="rId2" cstate="print"/>
-          <a:srcRect/>
-          <a:stretch>
-            <a:fillRect/>
-          </a:stretch>
-        </p:blipFill>
-        <p:spPr bwMode="auto">
-          <a:xfrm>
-            <a:off x="228600" y="304800"/>
-            <a:ext cx="3962400" cy="1840523"/>
-          </a:xfrm>
-          <a:prstGeom prst="rect">
-            <a:avLst/>
-          </a:prstGeom>
-          <a:noFill/>
-        </p:spPr>
-      </p:pic>
-    </p:spTree>
-  </p:cSld>
-  <p:clrMapOvr>
-    <a:masterClrMapping/>
-  </p:clrMapOvr>
-</p:sld>
-</file>
-
-<file path=ppt/slides/slide4.xml><?xml version="1.0" encoding="utf-8"?>
-<p:sld xmlns:a="http://schemas.openxmlformats.org/drawingml/2006/main" xmlns:r="http://schemas.openxmlformats.org/officeDocument/2006/relationships" xmlns:p="http://schemas.openxmlformats.org/presentationml/2006/main">
-  <p:cSld>
-    <p:spTree>
-      <p:nvGrpSpPr>
-        <p:cNvPr id="1" name=""/>
-        <p:cNvGrpSpPr/>
-        <p:nvPr/>
-      </p:nvGrpSpPr>
-      <p:grpSpPr>
-        <a:xfrm>
-          <a:off x="0" y="0"/>
-          <a:ext cx="0" cy="0"/>
-          <a:chOff x="0" y="0"/>
-          <a:chExt cx="0" cy="0"/>
-        </a:xfrm>
-      </p:grpSpPr>
-      <p:pic>
-        <p:nvPicPr>
-          <p:cNvPr id="2" name="Picture 2" descr="https://documents.lucidchart.com/documents/4f095beb-4ee3-4d43-8724-a83ab86eac16/pages/0_0?a=298&amp;x=90&amp;y=66&amp;w=1540&amp;h=308&amp;store=1&amp;accept=image%2F*&amp;auth=LCA%2072c90b1ec76de8d75319b7df26d0713a989dd73c-ts%3D1494248697"/>
-          <p:cNvPicPr>
-            <a:picLocks noChangeAspect="1" noChangeArrowheads="1"/>
-          </p:cNvPicPr>
-          <p:nvPr/>
-        </p:nvPicPr>
-        <p:blipFill>
-          <a:blip r:embed="rId2" cstate="print"/>
-          <a:srcRect/>
-          <a:stretch>
-            <a:fillRect/>
-          </a:stretch>
-        </p:blipFill>
-        <p:spPr bwMode="auto">
-          <a:xfrm>
-            <a:off x="76200" y="167640"/>
-            <a:ext cx="5791200" cy="1158240"/>
-          </a:xfrm>
-          <a:prstGeom prst="rect">
-            <a:avLst/>
-          </a:prstGeom>
-          <a:noFill/>
-        </p:spPr>
-      </p:pic>
-      <p:pic>
-        <p:nvPicPr>
-          <p:cNvPr id="1026" name="Picture 2"/>
-          <p:cNvPicPr>
-            <a:picLocks noChangeAspect="1" noChangeArrowheads="1"/>
-          </p:cNvPicPr>
-          <p:nvPr/>
-        </p:nvPicPr>
-        <p:blipFill>
-          <a:blip r:embed="rId3" cstate="print"/>
-          <a:srcRect/>
-          <a:stretch>
-            <a:fillRect/>
-          </a:stretch>
-        </p:blipFill>
-        <p:spPr bwMode="auto">
-          <a:xfrm>
-            <a:off x="7086600" y="304800"/>
-            <a:ext cx="2095500" cy="6286500"/>
-          </a:xfrm>
-          <a:prstGeom prst="rect">
-            <a:avLst/>
-          </a:prstGeom>
-          <a:noFill/>
-          <a:ln w="9525">
-            <a:noFill/>
-            <a:miter lim="800000"/>
-            <a:headEnd/>
-            <a:tailEnd/>
-          </a:ln>
-        </p:spPr>
-      </p:pic>
-      <p:pic>
-        <p:nvPicPr>
-          <p:cNvPr id="4" name="Picture 2"/>
-          <p:cNvPicPr>
-            <a:picLocks noChangeAspect="1" noChangeArrowheads="1"/>
-          </p:cNvPicPr>
-          <p:nvPr/>
-        </p:nvPicPr>
-        <p:blipFill>
-          <a:blip r:embed="rId4" cstate="print"/>
-          <a:srcRect/>
-          <a:stretch>
-            <a:fillRect/>
-          </a:stretch>
-        </p:blipFill>
-        <p:spPr bwMode="auto">
-          <a:xfrm>
-            <a:off x="5181600" y="2367945"/>
-            <a:ext cx="1809750" cy="4337655"/>
-          </a:xfrm>
-          <a:prstGeom prst="rect">
-            <a:avLst/>
-          </a:prstGeom>
-          <a:noFill/>
-          <a:ln w="9525">
-            <a:noFill/>
-            <a:miter lim="800000"/>
-            <a:headEnd/>
-            <a:tailEnd/>
-          </a:ln>
-        </p:spPr>
-      </p:pic>
-    </p:spTree>
-  </p:cSld>
-  <p:clrMapOvr>
-    <a:masterClrMapping/>
-  </p:clrMapOvr>
-</p:sld>
-</file>
-
-<file path=ppt/slides/slide5.xml><?xml version="1.0" encoding="utf-8"?>
-<p:sld xmlns:a="http://schemas.openxmlformats.org/drawingml/2006/main" xmlns:r="http://schemas.openxmlformats.org/officeDocument/2006/relationships" xmlns:p="http://schemas.openxmlformats.org/presentationml/2006/main">
-  <p:cSld>
-    <p:spTree>
-      <p:nvGrpSpPr>
-        <p:cNvPr id="1" name=""/>
-        <p:cNvGrpSpPr/>
-        <p:nvPr/>
-      </p:nvGrpSpPr>
-      <p:grpSpPr>
-        <a:xfrm>
-          <a:off x="0" y="0"/>
-          <a:ext cx="0" cy="0"/>
-          <a:chOff x="0" y="0"/>
-          <a:chExt cx="0" cy="0"/>
-        </a:xfrm>
-      </p:grpSpPr>
-      <p:pic>
-        <p:nvPicPr>
           <p:cNvPr id="1026" name="Picture 2"/>
           <p:cNvPicPr>
             <a:picLocks noChangeAspect="1" noChangeArrowheads="1"/>
@@ -5835,7 +4268,7 @@
 </p:sld>
 </file>
 
-<file path=ppt/slides/slide6.xml><?xml version="1.0" encoding="utf-8"?>
+<file path=ppt/slides/slide11.xml><?xml version="1.0" encoding="utf-8"?>
 <p:sld xmlns:a="http://schemas.openxmlformats.org/drawingml/2006/main" xmlns:r="http://schemas.openxmlformats.org/officeDocument/2006/relationships" xmlns:p="http://schemas.openxmlformats.org/presentationml/2006/main">
   <p:cSld>
     <p:spTree>
@@ -6018,7 +4451,7 @@
 </p:sld>
 </file>
 
-<file path=ppt/slides/slide7.xml><?xml version="1.0" encoding="utf-8"?>
+<file path=ppt/slides/slide12.xml><?xml version="1.0" encoding="utf-8"?>
 <p:sld xmlns:a="http://schemas.openxmlformats.org/drawingml/2006/main" xmlns:r="http://schemas.openxmlformats.org/officeDocument/2006/relationships" xmlns:p="http://schemas.openxmlformats.org/presentationml/2006/main">
   <p:cSld>
     <p:spTree>
@@ -6169,7 +4602,7 @@
 </p:sld>
 </file>
 
-<file path=ppt/slides/slide8.xml><?xml version="1.0" encoding="utf-8"?>
+<file path=ppt/slides/slide13.xml><?xml version="1.0" encoding="utf-8"?>
 <p:sld xmlns:a="http://schemas.openxmlformats.org/drawingml/2006/main" xmlns:r="http://schemas.openxmlformats.org/officeDocument/2006/relationships" xmlns:p="http://schemas.openxmlformats.org/presentationml/2006/main">
   <p:cSld>
     <p:spTree>
@@ -6226,7 +4659,7 @@
 </p:sld>
 </file>
 
-<file path=ppt/slides/slide9.xml><?xml version="1.0" encoding="utf-8"?>
+<file path=ppt/slides/slide14.xml><?xml version="1.0" encoding="utf-8"?>
 <p:sld xmlns:a="http://schemas.openxmlformats.org/drawingml/2006/main" xmlns:r="http://schemas.openxmlformats.org/officeDocument/2006/relationships" xmlns:p="http://schemas.openxmlformats.org/presentationml/2006/main">
   <p:cSld>
     <p:spTree>
@@ -6273,6 +4706,2592 @@
             <a:headEnd/>
             <a:tailEnd/>
           </a:ln>
+        </p:spPr>
+      </p:pic>
+    </p:spTree>
+  </p:cSld>
+  <p:clrMapOvr>
+    <a:masterClrMapping/>
+  </p:clrMapOvr>
+</p:sld>
+</file>
+
+<file path=ppt/slides/slide15.xml><?xml version="1.0" encoding="utf-8"?>
+<p:sld xmlns:a="http://schemas.openxmlformats.org/drawingml/2006/main" xmlns:r="http://schemas.openxmlformats.org/officeDocument/2006/relationships" xmlns:p="http://schemas.openxmlformats.org/presentationml/2006/main">
+  <p:cSld>
+    <p:spTree>
+      <p:nvGrpSpPr>
+        <p:cNvPr id="1" name=""/>
+        <p:cNvGrpSpPr/>
+        <p:nvPr/>
+      </p:nvGrpSpPr>
+      <p:grpSpPr>
+        <a:xfrm>
+          <a:off x="0" y="0"/>
+          <a:ext cx="0" cy="0"/>
+          <a:chOff x="0" y="0"/>
+          <a:chExt cx="0" cy="0"/>
+        </a:xfrm>
+      </p:grpSpPr>
+      <p:pic>
+        <p:nvPicPr>
+          <p:cNvPr id="1031" name="Picture 7" descr="https://documents.lucidchart.com/documents/2260fa93-9fd3-4082-a937-ba73d348708f/pages/0_0?a=674&amp;x=0&amp;y=962&amp;w=1320&amp;h=391&amp;store=1&amp;accept=image%2F*&amp;auth=LCA%20f6a04b8e4c0fc4a96f37b91f259f73109f9dcab6-ts%3D1509364707"/>
+          <p:cNvPicPr>
+            <a:picLocks noChangeAspect="1" noChangeArrowheads="1"/>
+          </p:cNvPicPr>
+          <p:nvPr/>
+        </p:nvPicPr>
+        <p:blipFill>
+          <a:blip r:embed="rId2" cstate="print"/>
+          <a:srcRect/>
+          <a:stretch>
+            <a:fillRect/>
+          </a:stretch>
+        </p:blipFill>
+        <p:spPr bwMode="auto">
+          <a:xfrm>
+            <a:off x="68350" y="4800600"/>
+            <a:ext cx="6789650" cy="2011176"/>
+          </a:xfrm>
+          <a:prstGeom prst="rect">
+            <a:avLst/>
+          </a:prstGeom>
+          <a:noFill/>
+        </p:spPr>
+      </p:pic>
+      <p:pic>
+        <p:nvPicPr>
+          <p:cNvPr id="1027" name="Picture 3"/>
+          <p:cNvPicPr>
+            <a:picLocks noChangeAspect="1" noChangeArrowheads="1"/>
+          </p:cNvPicPr>
+          <p:nvPr/>
+        </p:nvPicPr>
+        <p:blipFill>
+          <a:blip r:embed="rId3" cstate="print"/>
+          <a:srcRect/>
+          <a:stretch>
+            <a:fillRect/>
+          </a:stretch>
+        </p:blipFill>
+        <p:spPr bwMode="auto">
+          <a:xfrm>
+            <a:off x="3248467" y="2708200"/>
+            <a:ext cx="3533333" cy="1940000"/>
+          </a:xfrm>
+          <a:prstGeom prst="rect">
+            <a:avLst/>
+          </a:prstGeom>
+          <a:noFill/>
+          <a:ln w="9525">
+            <a:noFill/>
+            <a:miter lim="800000"/>
+            <a:headEnd/>
+            <a:tailEnd/>
+          </a:ln>
+        </p:spPr>
+      </p:pic>
+      <p:pic>
+        <p:nvPicPr>
+          <p:cNvPr id="1029" name="Picture 5" descr="https://documents.lucidchart.com/documents/2260fa93-9fd3-4082-a937-ba73d348708f/pages/0_0?a=674&amp;x=27&amp;y=41&amp;w=726&amp;h=418&amp;store=1&amp;accept=image%2F*&amp;auth=LCA%201e62daadd139b3de05cd235df67c1bc1209d20ee-ts%3D1509364707"/>
+          <p:cNvPicPr>
+            <a:picLocks noChangeAspect="1" noChangeArrowheads="1"/>
+          </p:cNvPicPr>
+          <p:nvPr/>
+        </p:nvPicPr>
+        <p:blipFill>
+          <a:blip r:embed="rId4" cstate="print"/>
+          <a:srcRect/>
+          <a:stretch>
+            <a:fillRect/>
+          </a:stretch>
+        </p:blipFill>
+        <p:spPr bwMode="auto">
+          <a:xfrm>
+            <a:off x="0" y="1"/>
+            <a:ext cx="3319384" cy="1911161"/>
+          </a:xfrm>
+          <a:prstGeom prst="rect">
+            <a:avLst/>
+          </a:prstGeom>
+          <a:noFill/>
+        </p:spPr>
+      </p:pic>
+      <p:graphicFrame>
+        <p:nvGraphicFramePr>
+          <p:cNvPr id="7" name="Table 6"/>
+          <p:cNvGraphicFramePr>
+            <a:graphicFrameLocks noGrp="1"/>
+          </p:cNvGraphicFramePr>
+          <p:nvPr/>
+        </p:nvGraphicFramePr>
+        <p:xfrm>
+          <a:off x="390524" y="1965960"/>
+          <a:ext cx="2505076" cy="2834640"/>
+        </p:xfrm>
+        <a:graphic>
+          <a:graphicData uri="http://schemas.openxmlformats.org/drawingml/2006/table">
+            <a:tbl>
+              <a:tblPr/>
+              <a:tblGrid>
+                <a:gridCol w="1252538"/>
+                <a:gridCol w="1252538"/>
+              </a:tblGrid>
+              <a:tr h="236220">
+                <a:tc>
+                  <a:txBody>
+                    <a:bodyPr/>
+                    <a:lstStyle/>
+                    <a:p>
+                      <a:endParaRPr lang="en-US" sz="800" dirty="0"/>
+                    </a:p>
+                  </a:txBody>
+                  <a:tcPr anchor="ctr">
+                    <a:lnL w="9525" cap="flat" cmpd="sng" algn="ctr">
+                      <a:solidFill>
+                        <a:srgbClr val="9C0C5C"/>
+                      </a:solidFill>
+                      <a:prstDash val="solid"/>
+                      <a:round/>
+                      <a:headEnd type="none" w="med" len="med"/>
+                      <a:tailEnd type="none" w="med" len="med"/>
+                    </a:lnL>
+                    <a:lnR w="9525" cap="flat" cmpd="sng" algn="ctr">
+                      <a:solidFill>
+                        <a:srgbClr val="9C0C5C"/>
+                      </a:solidFill>
+                      <a:prstDash val="solid"/>
+                      <a:round/>
+                      <a:headEnd type="none" w="med" len="med"/>
+                      <a:tailEnd type="none" w="med" len="med"/>
+                    </a:lnR>
+                    <a:lnT w="9525" cap="flat" cmpd="sng" algn="ctr">
+                      <a:solidFill>
+                        <a:srgbClr val="9C0C5C"/>
+                      </a:solidFill>
+                      <a:prstDash val="solid"/>
+                      <a:round/>
+                      <a:headEnd type="none" w="med" len="med"/>
+                      <a:tailEnd type="none" w="med" len="med"/>
+                    </a:lnT>
+                    <a:lnB w="9525" cap="flat" cmpd="sng" algn="ctr">
+                      <a:solidFill>
+                        <a:srgbClr val="9C0C5C"/>
+                      </a:solidFill>
+                      <a:prstDash val="solid"/>
+                      <a:round/>
+                      <a:headEnd type="none" w="med" len="med"/>
+                      <a:tailEnd type="none" w="med" len="med"/>
+                    </a:lnB>
+                  </a:tcPr>
+                </a:tc>
+                <a:tc>
+                  <a:txBody>
+                    <a:bodyPr/>
+                    <a:lstStyle/>
+                    <a:p>
+                      <a:endParaRPr lang="en-US" sz="800"/>
+                    </a:p>
+                  </a:txBody>
+                  <a:tcPr anchor="ctr">
+                    <a:lnL w="9525" cap="flat" cmpd="sng" algn="ctr">
+                      <a:solidFill>
+                        <a:srgbClr val="9C0C5C"/>
+                      </a:solidFill>
+                      <a:prstDash val="solid"/>
+                      <a:round/>
+                      <a:headEnd type="none" w="med" len="med"/>
+                      <a:tailEnd type="none" w="med" len="med"/>
+                    </a:lnL>
+                    <a:lnR w="9525" cap="flat" cmpd="sng" algn="ctr">
+                      <a:solidFill>
+                        <a:srgbClr val="9C0C5C"/>
+                      </a:solidFill>
+                      <a:prstDash val="solid"/>
+                      <a:round/>
+                      <a:headEnd type="none" w="med" len="med"/>
+                      <a:tailEnd type="none" w="med" len="med"/>
+                    </a:lnR>
+                    <a:lnT w="9525" cap="flat" cmpd="sng" algn="ctr">
+                      <a:solidFill>
+                        <a:srgbClr val="9C0C5C"/>
+                      </a:solidFill>
+                      <a:prstDash val="solid"/>
+                      <a:round/>
+                      <a:headEnd type="none" w="med" len="med"/>
+                      <a:tailEnd type="none" w="med" len="med"/>
+                    </a:lnT>
+                    <a:lnB w="9525" cap="flat" cmpd="sng" algn="ctr">
+                      <a:solidFill>
+                        <a:srgbClr val="9C0C5C"/>
+                      </a:solidFill>
+                      <a:prstDash val="solid"/>
+                      <a:round/>
+                      <a:headEnd type="none" w="med" len="med"/>
+                      <a:tailEnd type="none" w="med" len="med"/>
+                    </a:lnB>
+                  </a:tcPr>
+                </a:tc>
+              </a:tr>
+              <a:tr h="236220">
+                <a:tc>
+                  <a:txBody>
+                    <a:bodyPr/>
+                    <a:lstStyle/>
+                    <a:p>
+                      <a:endParaRPr lang="en-US" sz="800"/>
+                    </a:p>
+                  </a:txBody>
+                  <a:tcPr anchor="ctr">
+                    <a:lnL w="9525" cap="flat" cmpd="sng" algn="ctr">
+                      <a:solidFill>
+                        <a:srgbClr val="9C0C5C"/>
+                      </a:solidFill>
+                      <a:prstDash val="solid"/>
+                      <a:round/>
+                      <a:headEnd type="none" w="med" len="med"/>
+                      <a:tailEnd type="none" w="med" len="med"/>
+                    </a:lnL>
+                    <a:lnR w="9525" cap="flat" cmpd="sng" algn="ctr">
+                      <a:solidFill>
+                        <a:srgbClr val="9C0C5C"/>
+                      </a:solidFill>
+                      <a:prstDash val="solid"/>
+                      <a:round/>
+                      <a:headEnd type="none" w="med" len="med"/>
+                      <a:tailEnd type="none" w="med" len="med"/>
+                    </a:lnR>
+                    <a:lnT w="9525" cap="flat" cmpd="sng" algn="ctr">
+                      <a:solidFill>
+                        <a:srgbClr val="9C0C5C"/>
+                      </a:solidFill>
+                      <a:prstDash val="solid"/>
+                      <a:round/>
+                      <a:headEnd type="none" w="med" len="med"/>
+                      <a:tailEnd type="none" w="med" len="med"/>
+                    </a:lnT>
+                    <a:lnB w="9525" cap="flat" cmpd="sng" algn="ctr">
+                      <a:solidFill>
+                        <a:srgbClr val="9C0C5C"/>
+                      </a:solidFill>
+                      <a:prstDash val="solid"/>
+                      <a:round/>
+                      <a:headEnd type="none" w="med" len="med"/>
+                      <a:tailEnd type="none" w="med" len="med"/>
+                    </a:lnB>
+                  </a:tcPr>
+                </a:tc>
+                <a:tc>
+                  <a:txBody>
+                    <a:bodyPr/>
+                    <a:lstStyle/>
+                    <a:p>
+                      <a:endParaRPr lang="en-US" sz="800"/>
+                    </a:p>
+                  </a:txBody>
+                  <a:tcPr anchor="ctr">
+                    <a:lnL w="9525" cap="flat" cmpd="sng" algn="ctr">
+                      <a:solidFill>
+                        <a:srgbClr val="9C0C5C"/>
+                      </a:solidFill>
+                      <a:prstDash val="solid"/>
+                      <a:round/>
+                      <a:headEnd type="none" w="med" len="med"/>
+                      <a:tailEnd type="none" w="med" len="med"/>
+                    </a:lnL>
+                    <a:lnR w="9525" cap="flat" cmpd="sng" algn="ctr">
+                      <a:solidFill>
+                        <a:srgbClr val="9C0C5C"/>
+                      </a:solidFill>
+                      <a:prstDash val="solid"/>
+                      <a:round/>
+                      <a:headEnd type="none" w="med" len="med"/>
+                      <a:tailEnd type="none" w="med" len="med"/>
+                    </a:lnR>
+                    <a:lnT w="9525" cap="flat" cmpd="sng" algn="ctr">
+                      <a:solidFill>
+                        <a:srgbClr val="9C0C5C"/>
+                      </a:solidFill>
+                      <a:prstDash val="solid"/>
+                      <a:round/>
+                      <a:headEnd type="none" w="med" len="med"/>
+                      <a:tailEnd type="none" w="med" len="med"/>
+                    </a:lnT>
+                    <a:lnB w="9525" cap="flat" cmpd="sng" algn="ctr">
+                      <a:solidFill>
+                        <a:srgbClr val="9C0C5C"/>
+                      </a:solidFill>
+                      <a:prstDash val="solid"/>
+                      <a:round/>
+                      <a:headEnd type="none" w="med" len="med"/>
+                      <a:tailEnd type="none" w="med" len="med"/>
+                    </a:lnB>
+                  </a:tcPr>
+                </a:tc>
+              </a:tr>
+              <a:tr h="236220">
+                <a:tc>
+                  <a:txBody>
+                    <a:bodyPr/>
+                    <a:lstStyle/>
+                    <a:p>
+                      <a:endParaRPr lang="en-US" sz="800" dirty="0"/>
+                    </a:p>
+                  </a:txBody>
+                  <a:tcPr anchor="ctr">
+                    <a:lnL w="9525" cap="flat" cmpd="sng" algn="ctr">
+                      <a:solidFill>
+                        <a:srgbClr val="9C0C5C"/>
+                      </a:solidFill>
+                      <a:prstDash val="solid"/>
+                      <a:round/>
+                      <a:headEnd type="none" w="med" len="med"/>
+                      <a:tailEnd type="none" w="med" len="med"/>
+                    </a:lnL>
+                    <a:lnR w="9525" cap="flat" cmpd="sng" algn="ctr">
+                      <a:solidFill>
+                        <a:srgbClr val="9C0C5C"/>
+                      </a:solidFill>
+                      <a:prstDash val="solid"/>
+                      <a:round/>
+                      <a:headEnd type="none" w="med" len="med"/>
+                      <a:tailEnd type="none" w="med" len="med"/>
+                    </a:lnR>
+                    <a:lnT w="9525" cap="flat" cmpd="sng" algn="ctr">
+                      <a:solidFill>
+                        <a:srgbClr val="9C0C5C"/>
+                      </a:solidFill>
+                      <a:prstDash val="solid"/>
+                      <a:round/>
+                      <a:headEnd type="none" w="med" len="med"/>
+                      <a:tailEnd type="none" w="med" len="med"/>
+                    </a:lnT>
+                    <a:lnB w="9525" cap="flat" cmpd="sng" algn="ctr">
+                      <a:solidFill>
+                        <a:srgbClr val="9C0C5C"/>
+                      </a:solidFill>
+                      <a:prstDash val="solid"/>
+                      <a:round/>
+                      <a:headEnd type="none" w="med" len="med"/>
+                      <a:tailEnd type="none" w="med" len="med"/>
+                    </a:lnB>
+                  </a:tcPr>
+                </a:tc>
+                <a:tc>
+                  <a:txBody>
+                    <a:bodyPr/>
+                    <a:lstStyle/>
+                    <a:p>
+                      <a:endParaRPr lang="en-US" sz="800"/>
+                    </a:p>
+                  </a:txBody>
+                  <a:tcPr anchor="ctr">
+                    <a:lnL w="9525" cap="flat" cmpd="sng" algn="ctr">
+                      <a:solidFill>
+                        <a:srgbClr val="9C0C5C"/>
+                      </a:solidFill>
+                      <a:prstDash val="solid"/>
+                      <a:round/>
+                      <a:headEnd type="none" w="med" len="med"/>
+                      <a:tailEnd type="none" w="med" len="med"/>
+                    </a:lnL>
+                    <a:lnR w="9525" cap="flat" cmpd="sng" algn="ctr">
+                      <a:solidFill>
+                        <a:srgbClr val="9C0C5C"/>
+                      </a:solidFill>
+                      <a:prstDash val="solid"/>
+                      <a:round/>
+                      <a:headEnd type="none" w="med" len="med"/>
+                      <a:tailEnd type="none" w="med" len="med"/>
+                    </a:lnR>
+                    <a:lnT w="9525" cap="flat" cmpd="sng" algn="ctr">
+                      <a:solidFill>
+                        <a:srgbClr val="9C0C5C"/>
+                      </a:solidFill>
+                      <a:prstDash val="solid"/>
+                      <a:round/>
+                      <a:headEnd type="none" w="med" len="med"/>
+                      <a:tailEnd type="none" w="med" len="med"/>
+                    </a:lnT>
+                    <a:lnB w="9525" cap="flat" cmpd="sng" algn="ctr">
+                      <a:solidFill>
+                        <a:srgbClr val="9C0C5C"/>
+                      </a:solidFill>
+                      <a:prstDash val="solid"/>
+                      <a:round/>
+                      <a:headEnd type="none" w="med" len="med"/>
+                      <a:tailEnd type="none" w="med" len="med"/>
+                    </a:lnB>
+                  </a:tcPr>
+                </a:tc>
+              </a:tr>
+              <a:tr h="236220">
+                <a:tc>
+                  <a:txBody>
+                    <a:bodyPr/>
+                    <a:lstStyle/>
+                    <a:p>
+                      <a:endParaRPr lang="en-US" sz="800"/>
+                    </a:p>
+                  </a:txBody>
+                  <a:tcPr anchor="ctr">
+                    <a:lnL w="9525" cap="flat" cmpd="sng" algn="ctr">
+                      <a:solidFill>
+                        <a:srgbClr val="9C0C5C"/>
+                      </a:solidFill>
+                      <a:prstDash val="solid"/>
+                      <a:round/>
+                      <a:headEnd type="none" w="med" len="med"/>
+                      <a:tailEnd type="none" w="med" len="med"/>
+                    </a:lnL>
+                    <a:lnR w="9525" cap="flat" cmpd="sng" algn="ctr">
+                      <a:solidFill>
+                        <a:srgbClr val="9C0C5C"/>
+                      </a:solidFill>
+                      <a:prstDash val="solid"/>
+                      <a:round/>
+                      <a:headEnd type="none" w="med" len="med"/>
+                      <a:tailEnd type="none" w="med" len="med"/>
+                    </a:lnR>
+                    <a:lnT w="9525" cap="flat" cmpd="sng" algn="ctr">
+                      <a:solidFill>
+                        <a:srgbClr val="9C0C5C"/>
+                      </a:solidFill>
+                      <a:prstDash val="solid"/>
+                      <a:round/>
+                      <a:headEnd type="none" w="med" len="med"/>
+                      <a:tailEnd type="none" w="med" len="med"/>
+                    </a:lnT>
+                    <a:lnB w="9525" cap="flat" cmpd="sng" algn="ctr">
+                      <a:solidFill>
+                        <a:srgbClr val="9C0C5C"/>
+                      </a:solidFill>
+                      <a:prstDash val="solid"/>
+                      <a:round/>
+                      <a:headEnd type="none" w="med" len="med"/>
+                      <a:tailEnd type="none" w="med" len="med"/>
+                    </a:lnB>
+                  </a:tcPr>
+                </a:tc>
+                <a:tc>
+                  <a:txBody>
+                    <a:bodyPr/>
+                    <a:lstStyle/>
+                    <a:p>
+                      <a:endParaRPr lang="en-US" sz="800" dirty="0"/>
+                    </a:p>
+                  </a:txBody>
+                  <a:tcPr anchor="ctr">
+                    <a:lnL w="9525" cap="flat" cmpd="sng" algn="ctr">
+                      <a:solidFill>
+                        <a:srgbClr val="9C0C5C"/>
+                      </a:solidFill>
+                      <a:prstDash val="solid"/>
+                      <a:round/>
+                      <a:headEnd type="none" w="med" len="med"/>
+                      <a:tailEnd type="none" w="med" len="med"/>
+                    </a:lnL>
+                    <a:lnR w="9525" cap="flat" cmpd="sng" algn="ctr">
+                      <a:solidFill>
+                        <a:srgbClr val="9C0C5C"/>
+                      </a:solidFill>
+                      <a:prstDash val="solid"/>
+                      <a:round/>
+                      <a:headEnd type="none" w="med" len="med"/>
+                      <a:tailEnd type="none" w="med" len="med"/>
+                    </a:lnR>
+                    <a:lnT w="9525" cap="flat" cmpd="sng" algn="ctr">
+                      <a:solidFill>
+                        <a:srgbClr val="9C0C5C"/>
+                      </a:solidFill>
+                      <a:prstDash val="solid"/>
+                      <a:round/>
+                      <a:headEnd type="none" w="med" len="med"/>
+                      <a:tailEnd type="none" w="med" len="med"/>
+                    </a:lnT>
+                    <a:lnB w="9525" cap="flat" cmpd="sng" algn="ctr">
+                      <a:solidFill>
+                        <a:srgbClr val="9C0C5C"/>
+                      </a:solidFill>
+                      <a:prstDash val="solid"/>
+                      <a:round/>
+                      <a:headEnd type="none" w="med" len="med"/>
+                      <a:tailEnd type="none" w="med" len="med"/>
+                    </a:lnB>
+                  </a:tcPr>
+                </a:tc>
+              </a:tr>
+              <a:tr h="236220">
+                <a:tc>
+                  <a:txBody>
+                    <a:bodyPr/>
+                    <a:lstStyle/>
+                    <a:p>
+                      <a:endParaRPr lang="en-US" sz="800"/>
+                    </a:p>
+                  </a:txBody>
+                  <a:tcPr anchor="ctr">
+                    <a:lnL w="9525" cap="flat" cmpd="sng" algn="ctr">
+                      <a:solidFill>
+                        <a:srgbClr val="9C0C5C"/>
+                      </a:solidFill>
+                      <a:prstDash val="solid"/>
+                      <a:round/>
+                      <a:headEnd type="none" w="med" len="med"/>
+                      <a:tailEnd type="none" w="med" len="med"/>
+                    </a:lnL>
+                    <a:lnR w="9525" cap="flat" cmpd="sng" algn="ctr">
+                      <a:solidFill>
+                        <a:srgbClr val="9C0C5C"/>
+                      </a:solidFill>
+                      <a:prstDash val="solid"/>
+                      <a:round/>
+                      <a:headEnd type="none" w="med" len="med"/>
+                      <a:tailEnd type="none" w="med" len="med"/>
+                    </a:lnR>
+                    <a:lnT w="9525" cap="flat" cmpd="sng" algn="ctr">
+                      <a:solidFill>
+                        <a:srgbClr val="9C0C5C"/>
+                      </a:solidFill>
+                      <a:prstDash val="solid"/>
+                      <a:round/>
+                      <a:headEnd type="none" w="med" len="med"/>
+                      <a:tailEnd type="none" w="med" len="med"/>
+                    </a:lnT>
+                    <a:lnB w="9525" cap="flat" cmpd="sng" algn="ctr">
+                      <a:solidFill>
+                        <a:srgbClr val="9C0C5C"/>
+                      </a:solidFill>
+                      <a:prstDash val="solid"/>
+                      <a:round/>
+                      <a:headEnd type="none" w="med" len="med"/>
+                      <a:tailEnd type="none" w="med" len="med"/>
+                    </a:lnB>
+                  </a:tcPr>
+                </a:tc>
+                <a:tc>
+                  <a:txBody>
+                    <a:bodyPr/>
+                    <a:lstStyle/>
+                    <a:p>
+                      <a:endParaRPr lang="en-US" sz="800" dirty="0"/>
+                    </a:p>
+                  </a:txBody>
+                  <a:tcPr anchor="ctr">
+                    <a:lnL w="9525" cap="flat" cmpd="sng" algn="ctr">
+                      <a:solidFill>
+                        <a:srgbClr val="9C0C5C"/>
+                      </a:solidFill>
+                      <a:prstDash val="solid"/>
+                      <a:round/>
+                      <a:headEnd type="none" w="med" len="med"/>
+                      <a:tailEnd type="none" w="med" len="med"/>
+                    </a:lnL>
+                    <a:lnR w="9525" cap="flat" cmpd="sng" algn="ctr">
+                      <a:solidFill>
+                        <a:srgbClr val="9C0C5C"/>
+                      </a:solidFill>
+                      <a:prstDash val="solid"/>
+                      <a:round/>
+                      <a:headEnd type="none" w="med" len="med"/>
+                      <a:tailEnd type="none" w="med" len="med"/>
+                    </a:lnR>
+                    <a:lnT w="9525" cap="flat" cmpd="sng" algn="ctr">
+                      <a:solidFill>
+                        <a:srgbClr val="9C0C5C"/>
+                      </a:solidFill>
+                      <a:prstDash val="solid"/>
+                      <a:round/>
+                      <a:headEnd type="none" w="med" len="med"/>
+                      <a:tailEnd type="none" w="med" len="med"/>
+                    </a:lnT>
+                    <a:lnB w="9525" cap="flat" cmpd="sng" algn="ctr">
+                      <a:solidFill>
+                        <a:srgbClr val="9C0C5C"/>
+                      </a:solidFill>
+                      <a:prstDash val="solid"/>
+                      <a:round/>
+                      <a:headEnd type="none" w="med" len="med"/>
+                      <a:tailEnd type="none" w="med" len="med"/>
+                    </a:lnB>
+                  </a:tcPr>
+                </a:tc>
+              </a:tr>
+              <a:tr h="236220">
+                <a:tc>
+                  <a:txBody>
+                    <a:bodyPr/>
+                    <a:lstStyle/>
+                    <a:p>
+                      <a:endParaRPr lang="en-US" sz="800"/>
+                    </a:p>
+                  </a:txBody>
+                  <a:tcPr anchor="ctr">
+                    <a:lnL w="9525" cap="flat" cmpd="sng" algn="ctr">
+                      <a:solidFill>
+                        <a:srgbClr val="9C0C5C"/>
+                      </a:solidFill>
+                      <a:prstDash val="solid"/>
+                      <a:round/>
+                      <a:headEnd type="none" w="med" len="med"/>
+                      <a:tailEnd type="none" w="med" len="med"/>
+                    </a:lnL>
+                    <a:lnR w="9525" cap="flat" cmpd="sng" algn="ctr">
+                      <a:solidFill>
+                        <a:srgbClr val="9C0C5C"/>
+                      </a:solidFill>
+                      <a:prstDash val="solid"/>
+                      <a:round/>
+                      <a:headEnd type="none" w="med" len="med"/>
+                      <a:tailEnd type="none" w="med" len="med"/>
+                    </a:lnR>
+                    <a:lnT w="9525" cap="flat" cmpd="sng" algn="ctr">
+                      <a:solidFill>
+                        <a:srgbClr val="9C0C5C"/>
+                      </a:solidFill>
+                      <a:prstDash val="solid"/>
+                      <a:round/>
+                      <a:headEnd type="none" w="med" len="med"/>
+                      <a:tailEnd type="none" w="med" len="med"/>
+                    </a:lnT>
+                    <a:lnB w="9525" cap="flat" cmpd="sng" algn="ctr">
+                      <a:solidFill>
+                        <a:srgbClr val="9C0C5C"/>
+                      </a:solidFill>
+                      <a:prstDash val="solid"/>
+                      <a:round/>
+                      <a:headEnd type="none" w="med" len="med"/>
+                      <a:tailEnd type="none" w="med" len="med"/>
+                    </a:lnB>
+                  </a:tcPr>
+                </a:tc>
+                <a:tc>
+                  <a:txBody>
+                    <a:bodyPr/>
+                    <a:lstStyle/>
+                    <a:p>
+                      <a:endParaRPr lang="en-US" sz="800"/>
+                    </a:p>
+                  </a:txBody>
+                  <a:tcPr anchor="ctr">
+                    <a:lnL w="9525" cap="flat" cmpd="sng" algn="ctr">
+                      <a:solidFill>
+                        <a:srgbClr val="9C0C5C"/>
+                      </a:solidFill>
+                      <a:prstDash val="solid"/>
+                      <a:round/>
+                      <a:headEnd type="none" w="med" len="med"/>
+                      <a:tailEnd type="none" w="med" len="med"/>
+                    </a:lnL>
+                    <a:lnR w="9525" cap="flat" cmpd="sng" algn="ctr">
+                      <a:solidFill>
+                        <a:srgbClr val="9C0C5C"/>
+                      </a:solidFill>
+                      <a:prstDash val="solid"/>
+                      <a:round/>
+                      <a:headEnd type="none" w="med" len="med"/>
+                      <a:tailEnd type="none" w="med" len="med"/>
+                    </a:lnR>
+                    <a:lnT w="9525" cap="flat" cmpd="sng" algn="ctr">
+                      <a:solidFill>
+                        <a:srgbClr val="9C0C5C"/>
+                      </a:solidFill>
+                      <a:prstDash val="solid"/>
+                      <a:round/>
+                      <a:headEnd type="none" w="med" len="med"/>
+                      <a:tailEnd type="none" w="med" len="med"/>
+                    </a:lnT>
+                    <a:lnB w="9525" cap="flat" cmpd="sng" algn="ctr">
+                      <a:solidFill>
+                        <a:srgbClr val="9C0C5C"/>
+                      </a:solidFill>
+                      <a:prstDash val="solid"/>
+                      <a:round/>
+                      <a:headEnd type="none" w="med" len="med"/>
+                      <a:tailEnd type="none" w="med" len="med"/>
+                    </a:lnB>
+                  </a:tcPr>
+                </a:tc>
+              </a:tr>
+              <a:tr h="236220">
+                <a:tc>
+                  <a:txBody>
+                    <a:bodyPr/>
+                    <a:lstStyle/>
+                    <a:p>
+                      <a:endParaRPr lang="en-US" sz="800"/>
+                    </a:p>
+                  </a:txBody>
+                  <a:tcPr anchor="ctr">
+                    <a:lnL w="9525" cap="flat" cmpd="sng" algn="ctr">
+                      <a:solidFill>
+                        <a:srgbClr val="9C0C5C"/>
+                      </a:solidFill>
+                      <a:prstDash val="solid"/>
+                      <a:round/>
+                      <a:headEnd type="none" w="med" len="med"/>
+                      <a:tailEnd type="none" w="med" len="med"/>
+                    </a:lnL>
+                    <a:lnR w="9525" cap="flat" cmpd="sng" algn="ctr">
+                      <a:solidFill>
+                        <a:srgbClr val="9C0C5C"/>
+                      </a:solidFill>
+                      <a:prstDash val="solid"/>
+                      <a:round/>
+                      <a:headEnd type="none" w="med" len="med"/>
+                      <a:tailEnd type="none" w="med" len="med"/>
+                    </a:lnR>
+                    <a:lnT w="9525" cap="flat" cmpd="sng" algn="ctr">
+                      <a:solidFill>
+                        <a:srgbClr val="9C0C5C"/>
+                      </a:solidFill>
+                      <a:prstDash val="solid"/>
+                      <a:round/>
+                      <a:headEnd type="none" w="med" len="med"/>
+                      <a:tailEnd type="none" w="med" len="med"/>
+                    </a:lnT>
+                    <a:lnB w="9525" cap="flat" cmpd="sng" algn="ctr">
+                      <a:solidFill>
+                        <a:srgbClr val="9C0C5C"/>
+                      </a:solidFill>
+                      <a:prstDash val="solid"/>
+                      <a:round/>
+                      <a:headEnd type="none" w="med" len="med"/>
+                      <a:tailEnd type="none" w="med" len="med"/>
+                    </a:lnB>
+                  </a:tcPr>
+                </a:tc>
+                <a:tc>
+                  <a:txBody>
+                    <a:bodyPr/>
+                    <a:lstStyle/>
+                    <a:p>
+                      <a:endParaRPr lang="en-US" sz="800"/>
+                    </a:p>
+                  </a:txBody>
+                  <a:tcPr anchor="ctr">
+                    <a:lnL w="9525" cap="flat" cmpd="sng" algn="ctr">
+                      <a:solidFill>
+                        <a:srgbClr val="9C0C5C"/>
+                      </a:solidFill>
+                      <a:prstDash val="solid"/>
+                      <a:round/>
+                      <a:headEnd type="none" w="med" len="med"/>
+                      <a:tailEnd type="none" w="med" len="med"/>
+                    </a:lnL>
+                    <a:lnR w="9525" cap="flat" cmpd="sng" algn="ctr">
+                      <a:solidFill>
+                        <a:srgbClr val="9C0C5C"/>
+                      </a:solidFill>
+                      <a:prstDash val="solid"/>
+                      <a:round/>
+                      <a:headEnd type="none" w="med" len="med"/>
+                      <a:tailEnd type="none" w="med" len="med"/>
+                    </a:lnR>
+                    <a:lnT w="9525" cap="flat" cmpd="sng" algn="ctr">
+                      <a:solidFill>
+                        <a:srgbClr val="9C0C5C"/>
+                      </a:solidFill>
+                      <a:prstDash val="solid"/>
+                      <a:round/>
+                      <a:headEnd type="none" w="med" len="med"/>
+                      <a:tailEnd type="none" w="med" len="med"/>
+                    </a:lnT>
+                    <a:lnB w="9525" cap="flat" cmpd="sng" algn="ctr">
+                      <a:solidFill>
+                        <a:srgbClr val="9C0C5C"/>
+                      </a:solidFill>
+                      <a:prstDash val="solid"/>
+                      <a:round/>
+                      <a:headEnd type="none" w="med" len="med"/>
+                      <a:tailEnd type="none" w="med" len="med"/>
+                    </a:lnB>
+                  </a:tcPr>
+                </a:tc>
+              </a:tr>
+              <a:tr h="236220">
+                <a:tc>
+                  <a:txBody>
+                    <a:bodyPr/>
+                    <a:lstStyle/>
+                    <a:p>
+                      <a:endParaRPr lang="en-US" sz="800"/>
+                    </a:p>
+                  </a:txBody>
+                  <a:tcPr anchor="ctr">
+                    <a:lnL w="9525" cap="flat" cmpd="sng" algn="ctr">
+                      <a:solidFill>
+                        <a:srgbClr val="9C0C5C"/>
+                      </a:solidFill>
+                      <a:prstDash val="solid"/>
+                      <a:round/>
+                      <a:headEnd type="none" w="med" len="med"/>
+                      <a:tailEnd type="none" w="med" len="med"/>
+                    </a:lnL>
+                    <a:lnR w="9525" cap="flat" cmpd="sng" algn="ctr">
+                      <a:solidFill>
+                        <a:srgbClr val="9C0C5C"/>
+                      </a:solidFill>
+                      <a:prstDash val="solid"/>
+                      <a:round/>
+                      <a:headEnd type="none" w="med" len="med"/>
+                      <a:tailEnd type="none" w="med" len="med"/>
+                    </a:lnR>
+                    <a:lnT w="9525" cap="flat" cmpd="sng" algn="ctr">
+                      <a:solidFill>
+                        <a:srgbClr val="9C0C5C"/>
+                      </a:solidFill>
+                      <a:prstDash val="solid"/>
+                      <a:round/>
+                      <a:headEnd type="none" w="med" len="med"/>
+                      <a:tailEnd type="none" w="med" len="med"/>
+                    </a:lnT>
+                    <a:lnB w="9525" cap="flat" cmpd="sng" algn="ctr">
+                      <a:solidFill>
+                        <a:srgbClr val="9C0C5C"/>
+                      </a:solidFill>
+                      <a:prstDash val="solid"/>
+                      <a:round/>
+                      <a:headEnd type="none" w="med" len="med"/>
+                      <a:tailEnd type="none" w="med" len="med"/>
+                    </a:lnB>
+                  </a:tcPr>
+                </a:tc>
+                <a:tc>
+                  <a:txBody>
+                    <a:bodyPr/>
+                    <a:lstStyle/>
+                    <a:p>
+                      <a:endParaRPr lang="en-US" sz="800"/>
+                    </a:p>
+                  </a:txBody>
+                  <a:tcPr anchor="ctr">
+                    <a:lnL w="9525" cap="flat" cmpd="sng" algn="ctr">
+                      <a:solidFill>
+                        <a:srgbClr val="9C0C5C"/>
+                      </a:solidFill>
+                      <a:prstDash val="solid"/>
+                      <a:round/>
+                      <a:headEnd type="none" w="med" len="med"/>
+                      <a:tailEnd type="none" w="med" len="med"/>
+                    </a:lnL>
+                    <a:lnR w="9525" cap="flat" cmpd="sng" algn="ctr">
+                      <a:solidFill>
+                        <a:srgbClr val="9C0C5C"/>
+                      </a:solidFill>
+                      <a:prstDash val="solid"/>
+                      <a:round/>
+                      <a:headEnd type="none" w="med" len="med"/>
+                      <a:tailEnd type="none" w="med" len="med"/>
+                    </a:lnR>
+                    <a:lnT w="9525" cap="flat" cmpd="sng" algn="ctr">
+                      <a:solidFill>
+                        <a:srgbClr val="9C0C5C"/>
+                      </a:solidFill>
+                      <a:prstDash val="solid"/>
+                      <a:round/>
+                      <a:headEnd type="none" w="med" len="med"/>
+                      <a:tailEnd type="none" w="med" len="med"/>
+                    </a:lnT>
+                    <a:lnB w="9525" cap="flat" cmpd="sng" algn="ctr">
+                      <a:solidFill>
+                        <a:srgbClr val="9C0C5C"/>
+                      </a:solidFill>
+                      <a:prstDash val="solid"/>
+                      <a:round/>
+                      <a:headEnd type="none" w="med" len="med"/>
+                      <a:tailEnd type="none" w="med" len="med"/>
+                    </a:lnB>
+                  </a:tcPr>
+                </a:tc>
+              </a:tr>
+              <a:tr h="236220">
+                <a:tc>
+                  <a:txBody>
+                    <a:bodyPr/>
+                    <a:lstStyle/>
+                    <a:p>
+                      <a:endParaRPr lang="en-US" sz="800"/>
+                    </a:p>
+                  </a:txBody>
+                  <a:tcPr anchor="ctr">
+                    <a:lnL w="9525" cap="flat" cmpd="sng" algn="ctr">
+                      <a:solidFill>
+                        <a:srgbClr val="9C0C5C"/>
+                      </a:solidFill>
+                      <a:prstDash val="solid"/>
+                      <a:round/>
+                      <a:headEnd type="none" w="med" len="med"/>
+                      <a:tailEnd type="none" w="med" len="med"/>
+                    </a:lnL>
+                    <a:lnR w="9525" cap="flat" cmpd="sng" algn="ctr">
+                      <a:solidFill>
+                        <a:srgbClr val="9C0C5C"/>
+                      </a:solidFill>
+                      <a:prstDash val="solid"/>
+                      <a:round/>
+                      <a:headEnd type="none" w="med" len="med"/>
+                      <a:tailEnd type="none" w="med" len="med"/>
+                    </a:lnR>
+                    <a:lnT w="9525" cap="flat" cmpd="sng" algn="ctr">
+                      <a:solidFill>
+                        <a:srgbClr val="9C0C5C"/>
+                      </a:solidFill>
+                      <a:prstDash val="solid"/>
+                      <a:round/>
+                      <a:headEnd type="none" w="med" len="med"/>
+                      <a:tailEnd type="none" w="med" len="med"/>
+                    </a:lnT>
+                    <a:lnB w="9525" cap="flat" cmpd="sng" algn="ctr">
+                      <a:solidFill>
+                        <a:srgbClr val="9C0C5C"/>
+                      </a:solidFill>
+                      <a:prstDash val="solid"/>
+                      <a:round/>
+                      <a:headEnd type="none" w="med" len="med"/>
+                      <a:tailEnd type="none" w="med" len="med"/>
+                    </a:lnB>
+                  </a:tcPr>
+                </a:tc>
+                <a:tc>
+                  <a:txBody>
+                    <a:bodyPr/>
+                    <a:lstStyle/>
+                    <a:p>
+                      <a:endParaRPr lang="en-US" sz="800"/>
+                    </a:p>
+                  </a:txBody>
+                  <a:tcPr anchor="ctr">
+                    <a:lnL w="9525" cap="flat" cmpd="sng" algn="ctr">
+                      <a:solidFill>
+                        <a:srgbClr val="9C0C5C"/>
+                      </a:solidFill>
+                      <a:prstDash val="solid"/>
+                      <a:round/>
+                      <a:headEnd type="none" w="med" len="med"/>
+                      <a:tailEnd type="none" w="med" len="med"/>
+                    </a:lnL>
+                    <a:lnR w="9525" cap="flat" cmpd="sng" algn="ctr">
+                      <a:solidFill>
+                        <a:srgbClr val="9C0C5C"/>
+                      </a:solidFill>
+                      <a:prstDash val="solid"/>
+                      <a:round/>
+                      <a:headEnd type="none" w="med" len="med"/>
+                      <a:tailEnd type="none" w="med" len="med"/>
+                    </a:lnR>
+                    <a:lnT w="9525" cap="flat" cmpd="sng" algn="ctr">
+                      <a:solidFill>
+                        <a:srgbClr val="9C0C5C"/>
+                      </a:solidFill>
+                      <a:prstDash val="solid"/>
+                      <a:round/>
+                      <a:headEnd type="none" w="med" len="med"/>
+                      <a:tailEnd type="none" w="med" len="med"/>
+                    </a:lnT>
+                    <a:lnB w="9525" cap="flat" cmpd="sng" algn="ctr">
+                      <a:solidFill>
+                        <a:srgbClr val="9C0C5C"/>
+                      </a:solidFill>
+                      <a:prstDash val="solid"/>
+                      <a:round/>
+                      <a:headEnd type="none" w="med" len="med"/>
+                      <a:tailEnd type="none" w="med" len="med"/>
+                    </a:lnB>
+                  </a:tcPr>
+                </a:tc>
+              </a:tr>
+              <a:tr h="236220">
+                <a:tc>
+                  <a:txBody>
+                    <a:bodyPr/>
+                    <a:lstStyle/>
+                    <a:p>
+                      <a:endParaRPr lang="en-US" sz="800" dirty="0"/>
+                    </a:p>
+                  </a:txBody>
+                  <a:tcPr anchor="ctr">
+                    <a:lnL w="9525" cap="flat" cmpd="sng" algn="ctr">
+                      <a:solidFill>
+                        <a:srgbClr val="9C0C5C"/>
+                      </a:solidFill>
+                      <a:prstDash val="solid"/>
+                      <a:round/>
+                      <a:headEnd type="none" w="med" len="med"/>
+                      <a:tailEnd type="none" w="med" len="med"/>
+                    </a:lnL>
+                    <a:lnR w="9525" cap="flat" cmpd="sng" algn="ctr">
+                      <a:solidFill>
+                        <a:srgbClr val="9C0C5C"/>
+                      </a:solidFill>
+                      <a:prstDash val="solid"/>
+                      <a:round/>
+                      <a:headEnd type="none" w="med" len="med"/>
+                      <a:tailEnd type="none" w="med" len="med"/>
+                    </a:lnR>
+                    <a:lnT w="9525" cap="flat" cmpd="sng" algn="ctr">
+                      <a:solidFill>
+                        <a:srgbClr val="9C0C5C"/>
+                      </a:solidFill>
+                      <a:prstDash val="solid"/>
+                      <a:round/>
+                      <a:headEnd type="none" w="med" len="med"/>
+                      <a:tailEnd type="none" w="med" len="med"/>
+                    </a:lnT>
+                    <a:lnB w="9525" cap="flat" cmpd="sng" algn="ctr">
+                      <a:solidFill>
+                        <a:srgbClr val="9C0C5C"/>
+                      </a:solidFill>
+                      <a:prstDash val="solid"/>
+                      <a:round/>
+                      <a:headEnd type="none" w="med" len="med"/>
+                      <a:tailEnd type="none" w="med" len="med"/>
+                    </a:lnB>
+                  </a:tcPr>
+                </a:tc>
+                <a:tc>
+                  <a:txBody>
+                    <a:bodyPr/>
+                    <a:lstStyle/>
+                    <a:p>
+                      <a:endParaRPr lang="en-US" sz="800" dirty="0"/>
+                    </a:p>
+                  </a:txBody>
+                  <a:tcPr anchor="ctr">
+                    <a:lnL w="9525" cap="flat" cmpd="sng" algn="ctr">
+                      <a:solidFill>
+                        <a:srgbClr val="9C0C5C"/>
+                      </a:solidFill>
+                      <a:prstDash val="solid"/>
+                      <a:round/>
+                      <a:headEnd type="none" w="med" len="med"/>
+                      <a:tailEnd type="none" w="med" len="med"/>
+                    </a:lnL>
+                    <a:lnR w="9525" cap="flat" cmpd="sng" algn="ctr">
+                      <a:solidFill>
+                        <a:srgbClr val="9C0C5C"/>
+                      </a:solidFill>
+                      <a:prstDash val="solid"/>
+                      <a:round/>
+                      <a:headEnd type="none" w="med" len="med"/>
+                      <a:tailEnd type="none" w="med" len="med"/>
+                    </a:lnR>
+                    <a:lnT w="9525" cap="flat" cmpd="sng" algn="ctr">
+                      <a:solidFill>
+                        <a:srgbClr val="9C0C5C"/>
+                      </a:solidFill>
+                      <a:prstDash val="solid"/>
+                      <a:round/>
+                      <a:headEnd type="none" w="med" len="med"/>
+                      <a:tailEnd type="none" w="med" len="med"/>
+                    </a:lnT>
+                    <a:lnB w="9525" cap="flat" cmpd="sng" algn="ctr">
+                      <a:solidFill>
+                        <a:srgbClr val="9C0C5C"/>
+                      </a:solidFill>
+                      <a:prstDash val="solid"/>
+                      <a:round/>
+                      <a:headEnd type="none" w="med" len="med"/>
+                      <a:tailEnd type="none" w="med" len="med"/>
+                    </a:lnB>
+                  </a:tcPr>
+                </a:tc>
+              </a:tr>
+              <a:tr h="236220">
+                <a:tc>
+                  <a:txBody>
+                    <a:bodyPr/>
+                    <a:lstStyle/>
+                    <a:p>
+                      <a:endParaRPr lang="en-US" sz="800" dirty="0"/>
+                    </a:p>
+                  </a:txBody>
+                  <a:tcPr anchor="ctr">
+                    <a:lnL w="9525" cap="flat" cmpd="sng" algn="ctr">
+                      <a:solidFill>
+                        <a:srgbClr val="9C0C5C"/>
+                      </a:solidFill>
+                      <a:prstDash val="solid"/>
+                      <a:round/>
+                      <a:headEnd type="none" w="med" len="med"/>
+                      <a:tailEnd type="none" w="med" len="med"/>
+                    </a:lnL>
+                    <a:lnR w="9525" cap="flat" cmpd="sng" algn="ctr">
+                      <a:solidFill>
+                        <a:srgbClr val="9C0C5C"/>
+                      </a:solidFill>
+                      <a:prstDash val="solid"/>
+                      <a:round/>
+                      <a:headEnd type="none" w="med" len="med"/>
+                      <a:tailEnd type="none" w="med" len="med"/>
+                    </a:lnR>
+                    <a:lnT w="9525" cap="flat" cmpd="sng" algn="ctr">
+                      <a:solidFill>
+                        <a:srgbClr val="9C0C5C"/>
+                      </a:solidFill>
+                      <a:prstDash val="solid"/>
+                      <a:round/>
+                      <a:headEnd type="none" w="med" len="med"/>
+                      <a:tailEnd type="none" w="med" len="med"/>
+                    </a:lnT>
+                    <a:lnB w="9525" cap="flat" cmpd="sng" algn="ctr">
+                      <a:solidFill>
+                        <a:srgbClr val="9C0C5C"/>
+                      </a:solidFill>
+                      <a:prstDash val="solid"/>
+                      <a:round/>
+                      <a:headEnd type="none" w="med" len="med"/>
+                      <a:tailEnd type="none" w="med" len="med"/>
+                    </a:lnB>
+                  </a:tcPr>
+                </a:tc>
+                <a:tc>
+                  <a:txBody>
+                    <a:bodyPr/>
+                    <a:lstStyle/>
+                    <a:p>
+                      <a:endParaRPr lang="en-US" sz="800" dirty="0"/>
+                    </a:p>
+                  </a:txBody>
+                  <a:tcPr anchor="ctr">
+                    <a:lnL w="9525" cap="flat" cmpd="sng" algn="ctr">
+                      <a:solidFill>
+                        <a:srgbClr val="9C0C5C"/>
+                      </a:solidFill>
+                      <a:prstDash val="solid"/>
+                      <a:round/>
+                      <a:headEnd type="none" w="med" len="med"/>
+                      <a:tailEnd type="none" w="med" len="med"/>
+                    </a:lnL>
+                    <a:lnR w="9525" cap="flat" cmpd="sng" algn="ctr">
+                      <a:solidFill>
+                        <a:srgbClr val="9C0C5C"/>
+                      </a:solidFill>
+                      <a:prstDash val="solid"/>
+                      <a:round/>
+                      <a:headEnd type="none" w="med" len="med"/>
+                      <a:tailEnd type="none" w="med" len="med"/>
+                    </a:lnR>
+                    <a:lnT w="9525" cap="flat" cmpd="sng" algn="ctr">
+                      <a:solidFill>
+                        <a:srgbClr val="9C0C5C"/>
+                      </a:solidFill>
+                      <a:prstDash val="solid"/>
+                      <a:round/>
+                      <a:headEnd type="none" w="med" len="med"/>
+                      <a:tailEnd type="none" w="med" len="med"/>
+                    </a:lnT>
+                    <a:lnB w="9525" cap="flat" cmpd="sng" algn="ctr">
+                      <a:solidFill>
+                        <a:srgbClr val="9C0C5C"/>
+                      </a:solidFill>
+                      <a:prstDash val="solid"/>
+                      <a:round/>
+                      <a:headEnd type="none" w="med" len="med"/>
+                      <a:tailEnd type="none" w="med" len="med"/>
+                    </a:lnB>
+                  </a:tcPr>
+                </a:tc>
+              </a:tr>
+              <a:tr h="236220">
+                <a:tc>
+                  <a:txBody>
+                    <a:bodyPr/>
+                    <a:lstStyle/>
+                    <a:p>
+                      <a:endParaRPr lang="en-US" sz="800"/>
+                    </a:p>
+                  </a:txBody>
+                  <a:tcPr anchor="ctr">
+                    <a:lnL w="9525" cap="flat" cmpd="sng" algn="ctr">
+                      <a:solidFill>
+                        <a:srgbClr val="9C0C5C"/>
+                      </a:solidFill>
+                      <a:prstDash val="solid"/>
+                      <a:round/>
+                      <a:headEnd type="none" w="med" len="med"/>
+                      <a:tailEnd type="none" w="med" len="med"/>
+                    </a:lnL>
+                    <a:lnR w="9525" cap="flat" cmpd="sng" algn="ctr">
+                      <a:solidFill>
+                        <a:srgbClr val="9C0C5C"/>
+                      </a:solidFill>
+                      <a:prstDash val="solid"/>
+                      <a:round/>
+                      <a:headEnd type="none" w="med" len="med"/>
+                      <a:tailEnd type="none" w="med" len="med"/>
+                    </a:lnR>
+                    <a:lnT w="9525" cap="flat" cmpd="sng" algn="ctr">
+                      <a:solidFill>
+                        <a:srgbClr val="9C0C5C"/>
+                      </a:solidFill>
+                      <a:prstDash val="solid"/>
+                      <a:round/>
+                      <a:headEnd type="none" w="med" len="med"/>
+                      <a:tailEnd type="none" w="med" len="med"/>
+                    </a:lnT>
+                    <a:lnB w="9525" cap="flat" cmpd="sng" algn="ctr">
+                      <a:solidFill>
+                        <a:srgbClr val="9C0C5C"/>
+                      </a:solidFill>
+                      <a:prstDash val="solid"/>
+                      <a:round/>
+                      <a:headEnd type="none" w="med" len="med"/>
+                      <a:tailEnd type="none" w="med" len="med"/>
+                    </a:lnB>
+                  </a:tcPr>
+                </a:tc>
+                <a:tc>
+                  <a:txBody>
+                    <a:bodyPr/>
+                    <a:lstStyle/>
+                    <a:p>
+                      <a:endParaRPr lang="en-US" sz="800" dirty="0"/>
+                    </a:p>
+                  </a:txBody>
+                  <a:tcPr anchor="ctr">
+                    <a:lnL w="9525" cap="flat" cmpd="sng" algn="ctr">
+                      <a:solidFill>
+                        <a:srgbClr val="9C0C5C"/>
+                      </a:solidFill>
+                      <a:prstDash val="solid"/>
+                      <a:round/>
+                      <a:headEnd type="none" w="med" len="med"/>
+                      <a:tailEnd type="none" w="med" len="med"/>
+                    </a:lnL>
+                    <a:lnR w="9525" cap="flat" cmpd="sng" algn="ctr">
+                      <a:solidFill>
+                        <a:srgbClr val="9C0C5C"/>
+                      </a:solidFill>
+                      <a:prstDash val="solid"/>
+                      <a:round/>
+                      <a:headEnd type="none" w="med" len="med"/>
+                      <a:tailEnd type="none" w="med" len="med"/>
+                    </a:lnR>
+                    <a:lnT w="9525" cap="flat" cmpd="sng" algn="ctr">
+                      <a:solidFill>
+                        <a:srgbClr val="9C0C5C"/>
+                      </a:solidFill>
+                      <a:prstDash val="solid"/>
+                      <a:round/>
+                      <a:headEnd type="none" w="med" len="med"/>
+                      <a:tailEnd type="none" w="med" len="med"/>
+                    </a:lnT>
+                    <a:lnB w="9525" cap="flat" cmpd="sng" algn="ctr">
+                      <a:solidFill>
+                        <a:srgbClr val="9C0C5C"/>
+                      </a:solidFill>
+                      <a:prstDash val="solid"/>
+                      <a:round/>
+                      <a:headEnd type="none" w="med" len="med"/>
+                      <a:tailEnd type="none" w="med" len="med"/>
+                    </a:lnB>
+                  </a:tcPr>
+                </a:tc>
+              </a:tr>
+            </a:tbl>
+          </a:graphicData>
+        </a:graphic>
+      </p:graphicFrame>
+      <p:sp>
+        <p:nvSpPr>
+          <p:cNvPr id="1034" name="Rectangle 10"/>
+          <p:cNvSpPr>
+            <a:spLocks noChangeArrowheads="1"/>
+          </p:cNvSpPr>
+          <p:nvPr/>
+        </p:nvSpPr>
+        <p:spPr bwMode="auto">
+          <a:xfrm>
+            <a:off x="0" y="0"/>
+            <a:ext cx="9144000" cy="0"/>
+          </a:xfrm>
+          <a:prstGeom prst="rect">
+            <a:avLst/>
+          </a:prstGeom>
+          <a:noFill/>
+          <a:ln w="9525">
+            <a:noFill/>
+            <a:miter lim="800000"/>
+            <a:headEnd/>
+            <a:tailEnd/>
+          </a:ln>
+          <a:effectLst/>
+        </p:spPr>
+        <p:txBody>
+          <a:bodyPr vert="horz" wrap="none" lIns="91440" tIns="45720" rIns="91440" bIns="45720" numCol="1" anchor="ctr" anchorCtr="0" compatLnSpc="1">
+            <a:prstTxWarp prst="textNoShape">
+              <a:avLst/>
+            </a:prstTxWarp>
+            <a:spAutoFit/>
+          </a:bodyPr>
+          <a:lstStyle/>
+          <a:p>
+            <a:pPr marL="0" marR="0" lvl="0" indent="0" algn="l" defTabSz="914400" rtl="0" eaLnBrk="1" fontAlgn="base" latinLnBrk="0" hangingPunct="1">
+              <a:lnSpc>
+                <a:spcPct val="100000"/>
+              </a:lnSpc>
+              <a:spcBef>
+                <a:spcPct val="0"/>
+              </a:spcBef>
+              <a:spcAft>
+                <a:spcPct val="0"/>
+              </a:spcAft>
+              <a:buClrTx/>
+              <a:buSzTx/>
+              <a:buFontTx/>
+              <a:buNone/>
+              <a:tabLst/>
+            </a:pPr>
+            <a:endParaRPr kumimoji="0" lang="en-US" sz="1800" b="0" i="0" u="none" strike="noStrike" cap="none" normalizeH="0" baseline="0" smtClean="0">
+              <a:ln>
+                <a:noFill/>
+              </a:ln>
+              <a:solidFill>
+                <a:schemeClr val="tx1"/>
+              </a:solidFill>
+              <a:effectLst/>
+              <a:latin typeface="Arial" charset="0"/>
+              <a:cs typeface="Arial" charset="0"/>
+            </a:endParaRPr>
+          </a:p>
+        </p:txBody>
+      </p:sp>
+      <p:pic>
+        <p:nvPicPr>
+          <p:cNvPr id="1036" name="Picture 12"/>
+          <p:cNvPicPr>
+            <a:picLocks noChangeAspect="1" noChangeArrowheads="1"/>
+          </p:cNvPicPr>
+          <p:nvPr/>
+        </p:nvPicPr>
+        <p:blipFill>
+          <a:blip r:embed="rId5" cstate="print"/>
+          <a:srcRect/>
+          <a:stretch>
+            <a:fillRect/>
+          </a:stretch>
+        </p:blipFill>
+        <p:spPr bwMode="auto">
+          <a:xfrm>
+            <a:off x="3352800" y="152400"/>
+            <a:ext cx="5694045" cy="2400300"/>
+          </a:xfrm>
+          <a:prstGeom prst="rect">
+            <a:avLst/>
+          </a:prstGeom>
+          <a:noFill/>
+          <a:ln w="9525">
+            <a:noFill/>
+            <a:miter lim="800000"/>
+            <a:headEnd/>
+            <a:tailEnd/>
+          </a:ln>
+        </p:spPr>
+      </p:pic>
+    </p:spTree>
+  </p:cSld>
+  <p:clrMapOvr>
+    <a:masterClrMapping/>
+  </p:clrMapOvr>
+</p:sld>
+</file>
+
+<file path=ppt/slides/slide16.xml><?xml version="1.0" encoding="utf-8"?>
+<p:sld xmlns:a="http://schemas.openxmlformats.org/drawingml/2006/main" xmlns:r="http://schemas.openxmlformats.org/officeDocument/2006/relationships" xmlns:p="http://schemas.openxmlformats.org/presentationml/2006/main">
+  <p:cSld>
+    <p:spTree>
+      <p:nvGrpSpPr>
+        <p:cNvPr id="1" name=""/>
+        <p:cNvGrpSpPr/>
+        <p:nvPr/>
+      </p:nvGrpSpPr>
+      <p:grpSpPr>
+        <a:xfrm>
+          <a:off x="0" y="0"/>
+          <a:ext cx="0" cy="0"/>
+          <a:chOff x="0" y="0"/>
+          <a:chExt cx="0" cy="0"/>
+        </a:xfrm>
+      </p:grpSpPr>
+      <p:pic>
+        <p:nvPicPr>
+          <p:cNvPr id="3075" name="Picture 3"/>
+          <p:cNvPicPr>
+            <a:picLocks noChangeAspect="1" noChangeArrowheads="1"/>
+          </p:cNvPicPr>
+          <p:nvPr/>
+        </p:nvPicPr>
+        <p:blipFill>
+          <a:blip r:embed="rId2" cstate="print"/>
+          <a:srcRect/>
+          <a:stretch>
+            <a:fillRect/>
+          </a:stretch>
+        </p:blipFill>
+        <p:spPr bwMode="auto">
+          <a:xfrm>
+            <a:off x="76200" y="76200"/>
+            <a:ext cx="7172160" cy="6705600"/>
+          </a:xfrm>
+          <a:prstGeom prst="rect">
+            <a:avLst/>
+          </a:prstGeom>
+          <a:noFill/>
+          <a:ln w="9525">
+            <a:noFill/>
+            <a:miter lim="800000"/>
+            <a:headEnd/>
+            <a:tailEnd/>
+          </a:ln>
+        </p:spPr>
+      </p:pic>
+    </p:spTree>
+  </p:cSld>
+  <p:clrMapOvr>
+    <a:masterClrMapping/>
+  </p:clrMapOvr>
+</p:sld>
+</file>
+
+<file path=ppt/slides/slide17.xml><?xml version="1.0" encoding="utf-8"?>
+<p:sld xmlns:a="http://schemas.openxmlformats.org/drawingml/2006/main" xmlns:r="http://schemas.openxmlformats.org/officeDocument/2006/relationships" xmlns:p="http://schemas.openxmlformats.org/presentationml/2006/main">
+  <p:cSld>
+    <p:spTree>
+      <p:nvGrpSpPr>
+        <p:cNvPr id="1" name=""/>
+        <p:cNvGrpSpPr/>
+        <p:nvPr/>
+      </p:nvGrpSpPr>
+      <p:grpSpPr>
+        <a:xfrm>
+          <a:off x="0" y="0"/>
+          <a:ext cx="0" cy="0"/>
+          <a:chOff x="0" y="0"/>
+          <a:chExt cx="0" cy="0"/>
+        </a:xfrm>
+      </p:grpSpPr>
+      <p:pic>
+        <p:nvPicPr>
+          <p:cNvPr id="26629" name="Picture 5"/>
+          <p:cNvPicPr>
+            <a:picLocks noChangeAspect="1" noChangeArrowheads="1"/>
+          </p:cNvPicPr>
+          <p:nvPr/>
+        </p:nvPicPr>
+        <p:blipFill>
+          <a:blip r:embed="rId2" cstate="print"/>
+          <a:srcRect/>
+          <a:stretch>
+            <a:fillRect/>
+          </a:stretch>
+        </p:blipFill>
+        <p:spPr bwMode="auto">
+          <a:xfrm>
+            <a:off x="152400" y="4467225"/>
+            <a:ext cx="6484937" cy="2238375"/>
+          </a:xfrm>
+          <a:prstGeom prst="rect">
+            <a:avLst/>
+          </a:prstGeom>
+          <a:noFill/>
+          <a:ln w="9525">
+            <a:noFill/>
+            <a:miter lim="800000"/>
+            <a:headEnd/>
+            <a:tailEnd/>
+          </a:ln>
+        </p:spPr>
+      </p:pic>
+      <p:pic>
+        <p:nvPicPr>
+          <p:cNvPr id="26631" name="Picture 7" descr="https://documents.lucidchart.com/documents/70b2ab1c-720b-4050-97ff-f64855c948ca/pages/eNbqbEM6f5NI?a=1116&amp;x=324&amp;y=61&amp;w=1229&amp;h=858&amp;store=1&amp;accept=image%2F*&amp;auth=LCA%20bbb4aec8c76c6bb325d774eb6073ac9efa117723-ts%3D1519680648"/>
+          <p:cNvPicPr>
+            <a:picLocks noChangeAspect="1" noChangeArrowheads="1"/>
+          </p:cNvPicPr>
+          <p:nvPr/>
+        </p:nvPicPr>
+        <p:blipFill>
+          <a:blip r:embed="rId3" cstate="print"/>
+          <a:srcRect/>
+          <a:stretch>
+            <a:fillRect/>
+          </a:stretch>
+        </p:blipFill>
+        <p:spPr bwMode="auto">
+          <a:xfrm>
+            <a:off x="3124200" y="76200"/>
+            <a:ext cx="5943600" cy="4145049"/>
+          </a:xfrm>
+          <a:prstGeom prst="rect">
+            <a:avLst/>
+          </a:prstGeom>
+          <a:noFill/>
+        </p:spPr>
+      </p:pic>
+      <p:pic>
+        <p:nvPicPr>
+          <p:cNvPr id="2" name="Picture 5" descr="https://documents.lucidchart.com/documents/2260fa93-9fd3-4082-a937-ba73d348708f/pages/0_0?a=674&amp;x=27&amp;y=41&amp;w=726&amp;h=418&amp;store=1&amp;accept=image%2F*&amp;auth=LCA%201e62daadd139b3de05cd235df67c1bc1209d20ee-ts%3D1509364707"/>
+          <p:cNvPicPr>
+            <a:picLocks noChangeAspect="1" noChangeArrowheads="1"/>
+          </p:cNvPicPr>
+          <p:nvPr/>
+        </p:nvPicPr>
+        <p:blipFill>
+          <a:blip r:embed="rId4" cstate="print"/>
+          <a:srcRect/>
+          <a:stretch>
+            <a:fillRect/>
+          </a:stretch>
+        </p:blipFill>
+        <p:spPr bwMode="auto">
+          <a:xfrm>
+            <a:off x="0" y="36945"/>
+            <a:ext cx="4038600" cy="2325255"/>
+          </a:xfrm>
+          <a:prstGeom prst="rect">
+            <a:avLst/>
+          </a:prstGeom>
+          <a:noFill/>
+        </p:spPr>
+      </p:pic>
+    </p:spTree>
+  </p:cSld>
+  <p:clrMapOvr>
+    <a:masterClrMapping/>
+  </p:clrMapOvr>
+</p:sld>
+</file>
+
+<file path=ppt/slides/slide18.xml><?xml version="1.0" encoding="utf-8"?>
+<p:sld xmlns:a="http://schemas.openxmlformats.org/drawingml/2006/main" xmlns:r="http://schemas.openxmlformats.org/officeDocument/2006/relationships" xmlns:p="http://schemas.openxmlformats.org/presentationml/2006/main">
+  <p:cSld>
+    <p:spTree>
+      <p:nvGrpSpPr>
+        <p:cNvPr id="1" name=""/>
+        <p:cNvGrpSpPr/>
+        <p:nvPr/>
+      </p:nvGrpSpPr>
+      <p:grpSpPr>
+        <a:xfrm>
+          <a:off x="0" y="0"/>
+          <a:ext cx="0" cy="0"/>
+          <a:chOff x="0" y="0"/>
+          <a:chExt cx="0" cy="0"/>
+        </a:xfrm>
+      </p:grpSpPr>
+      <p:pic>
+        <p:nvPicPr>
+          <p:cNvPr id="1026" name="Picture 2"/>
+          <p:cNvPicPr>
+            <a:picLocks noChangeAspect="1" noChangeArrowheads="1"/>
+          </p:cNvPicPr>
+          <p:nvPr/>
+        </p:nvPicPr>
+        <p:blipFill>
+          <a:blip r:embed="rId2" cstate="print"/>
+          <a:srcRect/>
+          <a:stretch>
+            <a:fillRect/>
+          </a:stretch>
+        </p:blipFill>
+        <p:spPr bwMode="auto">
+          <a:xfrm>
+            <a:off x="152400" y="145869"/>
+            <a:ext cx="1524000" cy="6635931"/>
+          </a:xfrm>
+          <a:prstGeom prst="rect">
+            <a:avLst/>
+          </a:prstGeom>
+          <a:noFill/>
+          <a:ln w="9525">
+            <a:noFill/>
+            <a:miter lim="800000"/>
+            <a:headEnd/>
+            <a:tailEnd/>
+          </a:ln>
+        </p:spPr>
+      </p:pic>
+      <p:pic>
+        <p:nvPicPr>
+          <p:cNvPr id="1028" name="Picture 4"/>
+          <p:cNvPicPr>
+            <a:picLocks noChangeAspect="1" noChangeArrowheads="1"/>
+          </p:cNvPicPr>
+          <p:nvPr/>
+        </p:nvPicPr>
+        <p:blipFill>
+          <a:blip r:embed="rId3" cstate="print"/>
+          <a:srcRect/>
+          <a:stretch>
+            <a:fillRect/>
+          </a:stretch>
+        </p:blipFill>
+        <p:spPr bwMode="auto">
+          <a:xfrm>
+            <a:off x="1524000" y="381000"/>
+            <a:ext cx="5838825" cy="3009900"/>
+          </a:xfrm>
+          <a:prstGeom prst="rect">
+            <a:avLst/>
+          </a:prstGeom>
+          <a:noFill/>
+          <a:ln w="9525">
+            <a:noFill/>
+            <a:miter lim="800000"/>
+            <a:headEnd/>
+            <a:tailEnd/>
+          </a:ln>
+        </p:spPr>
+      </p:pic>
+      <p:pic>
+        <p:nvPicPr>
+          <p:cNvPr id="1029" name="Picture 5"/>
+          <p:cNvPicPr>
+            <a:picLocks noChangeAspect="1" noChangeArrowheads="1"/>
+          </p:cNvPicPr>
+          <p:nvPr/>
+        </p:nvPicPr>
+        <p:blipFill>
+          <a:blip r:embed="rId4" cstate="print"/>
+          <a:srcRect/>
+          <a:stretch>
+            <a:fillRect/>
+          </a:stretch>
+        </p:blipFill>
+        <p:spPr bwMode="auto">
+          <a:xfrm>
+            <a:off x="1524000" y="3581400"/>
+            <a:ext cx="6067425" cy="2400300"/>
+          </a:xfrm>
+          <a:prstGeom prst="rect">
+            <a:avLst/>
+          </a:prstGeom>
+          <a:noFill/>
+          <a:ln w="9525">
+            <a:noFill/>
+            <a:miter lim="800000"/>
+            <a:headEnd/>
+            <a:tailEnd/>
+          </a:ln>
+        </p:spPr>
+      </p:pic>
+    </p:spTree>
+  </p:cSld>
+  <p:clrMapOvr>
+    <a:masterClrMapping/>
+  </p:clrMapOvr>
+</p:sld>
+</file>
+
+<file path=ppt/slides/slide19.xml><?xml version="1.0" encoding="utf-8"?>
+<p:sld xmlns:a="http://schemas.openxmlformats.org/drawingml/2006/main" xmlns:r="http://schemas.openxmlformats.org/officeDocument/2006/relationships" xmlns:p="http://schemas.openxmlformats.org/presentationml/2006/main">
+  <p:cSld>
+    <p:spTree>
+      <p:nvGrpSpPr>
+        <p:cNvPr id="1" name=""/>
+        <p:cNvGrpSpPr/>
+        <p:nvPr/>
+      </p:nvGrpSpPr>
+      <p:grpSpPr>
+        <a:xfrm>
+          <a:off x="0" y="0"/>
+          <a:ext cx="0" cy="0"/>
+          <a:chOff x="0" y="0"/>
+          <a:chExt cx="0" cy="0"/>
+        </a:xfrm>
+      </p:grpSpPr>
+      <p:pic>
+        <p:nvPicPr>
+          <p:cNvPr id="2" name="Picture 2"/>
+          <p:cNvPicPr>
+            <a:picLocks noChangeAspect="1" noChangeArrowheads="1"/>
+          </p:cNvPicPr>
+          <p:nvPr/>
+        </p:nvPicPr>
+        <p:blipFill>
+          <a:blip r:embed="rId2" cstate="print"/>
+          <a:srcRect/>
+          <a:stretch>
+            <a:fillRect/>
+          </a:stretch>
+        </p:blipFill>
+        <p:spPr bwMode="auto">
+          <a:xfrm>
+            <a:off x="152400" y="145869"/>
+            <a:ext cx="1524000" cy="6635931"/>
+          </a:xfrm>
+          <a:prstGeom prst="rect">
+            <a:avLst/>
+          </a:prstGeom>
+          <a:noFill/>
+          <a:ln w="9525">
+            <a:noFill/>
+            <a:miter lim="800000"/>
+            <a:headEnd/>
+            <a:tailEnd/>
+          </a:ln>
+        </p:spPr>
+      </p:pic>
+      <p:pic>
+        <p:nvPicPr>
+          <p:cNvPr id="2050" name="Picture 2"/>
+          <p:cNvPicPr>
+            <a:picLocks noChangeAspect="1" noChangeArrowheads="1"/>
+          </p:cNvPicPr>
+          <p:nvPr/>
+        </p:nvPicPr>
+        <p:blipFill>
+          <a:blip r:embed="rId3" cstate="print"/>
+          <a:srcRect/>
+          <a:stretch>
+            <a:fillRect/>
+          </a:stretch>
+        </p:blipFill>
+        <p:spPr bwMode="auto">
+          <a:xfrm>
+            <a:off x="1800225" y="76200"/>
+            <a:ext cx="6048375" cy="6115050"/>
+          </a:xfrm>
+          <a:prstGeom prst="rect">
+            <a:avLst/>
+          </a:prstGeom>
+          <a:noFill/>
+          <a:ln w="9525">
+            <a:noFill/>
+            <a:miter lim="800000"/>
+            <a:headEnd/>
+            <a:tailEnd/>
+          </a:ln>
+        </p:spPr>
+      </p:pic>
+    </p:spTree>
+  </p:cSld>
+  <p:clrMapOvr>
+    <a:masterClrMapping/>
+  </p:clrMapOvr>
+</p:sld>
+</file>
+
+<file path=ppt/slides/slide2.xml><?xml version="1.0" encoding="utf-8"?>
+<p:sld xmlns:a="http://schemas.openxmlformats.org/drawingml/2006/main" xmlns:r="http://schemas.openxmlformats.org/officeDocument/2006/relationships" xmlns:p="http://schemas.openxmlformats.org/presentationml/2006/main">
+  <p:cSld>
+    <p:spTree>
+      <p:nvGrpSpPr>
+        <p:cNvPr id="1" name=""/>
+        <p:cNvGrpSpPr/>
+        <p:nvPr/>
+      </p:nvGrpSpPr>
+      <p:grpSpPr>
+        <a:xfrm>
+          <a:off x="0" y="0"/>
+          <a:ext cx="0" cy="0"/>
+          <a:chOff x="0" y="0"/>
+          <a:chExt cx="0" cy="0"/>
+        </a:xfrm>
+      </p:grpSpPr>
+      <p:pic>
+        <p:nvPicPr>
+          <p:cNvPr id="2055" name="Picture 7" descr="C:\Users\egutarra\AppData\Local\Temp\SNAGHTML2c4e7494.PNG"/>
+          <p:cNvPicPr>
+            <a:picLocks noChangeAspect="1" noChangeArrowheads="1"/>
+          </p:cNvPicPr>
+          <p:nvPr/>
+        </p:nvPicPr>
+        <p:blipFill>
+          <a:blip r:embed="rId2" cstate="print"/>
+          <a:srcRect/>
+          <a:stretch>
+            <a:fillRect/>
+          </a:stretch>
+        </p:blipFill>
+        <p:spPr bwMode="auto">
+          <a:xfrm>
+            <a:off x="76200" y="161924"/>
+            <a:ext cx="8333320" cy="5934076"/>
+          </a:xfrm>
+          <a:prstGeom prst="rect">
+            <a:avLst/>
+          </a:prstGeom>
+          <a:noFill/>
+        </p:spPr>
+      </p:pic>
+    </p:spTree>
+  </p:cSld>
+  <p:clrMapOvr>
+    <a:masterClrMapping/>
+  </p:clrMapOvr>
+</p:sld>
+</file>
+
+<file path=ppt/slides/slide3.xml><?xml version="1.0" encoding="utf-8"?>
+<p:sld xmlns:a="http://schemas.openxmlformats.org/drawingml/2006/main" xmlns:r="http://schemas.openxmlformats.org/officeDocument/2006/relationships" xmlns:p="http://schemas.openxmlformats.org/presentationml/2006/main">
+  <p:cSld>
+    <p:spTree>
+      <p:nvGrpSpPr>
+        <p:cNvPr id="1" name=""/>
+        <p:cNvGrpSpPr/>
+        <p:nvPr/>
+      </p:nvGrpSpPr>
+      <p:grpSpPr>
+        <a:xfrm>
+          <a:off x="0" y="0"/>
+          <a:ext cx="0" cy="0"/>
+          <a:chOff x="0" y="0"/>
+          <a:chExt cx="0" cy="0"/>
+        </a:xfrm>
+      </p:grpSpPr>
+      <p:pic>
+        <p:nvPicPr>
+          <p:cNvPr id="14351" name="Picture 15" descr="https://documents.lucidchart.com/documents/79bab9dd-e843-4e5f-82a4-05520a543319/pages/0_0?a=2433&amp;x=27&amp;y=34&amp;w=913&amp;h=1012&amp;store=1&amp;accept=image%2F*&amp;auth=LCA%20678d9e9bb5b6f65b12f881cdde440393852c2cfb-ts%3D1520364321"/>
+          <p:cNvPicPr>
+            <a:picLocks noChangeAspect="1" noChangeArrowheads="1"/>
+          </p:cNvPicPr>
+          <p:nvPr/>
+        </p:nvPicPr>
+        <p:blipFill>
+          <a:blip r:embed="rId2" cstate="print"/>
+          <a:srcRect/>
+          <a:stretch>
+            <a:fillRect/>
+          </a:stretch>
+        </p:blipFill>
+        <p:spPr bwMode="auto">
+          <a:xfrm>
+            <a:off x="4114800" y="1295400"/>
+            <a:ext cx="4957072" cy="5494586"/>
+          </a:xfrm>
+          <a:prstGeom prst="rect">
+            <a:avLst/>
+          </a:prstGeom>
+          <a:noFill/>
+        </p:spPr>
+      </p:pic>
+      <p:pic>
+        <p:nvPicPr>
+          <p:cNvPr id="14352" name="Picture 16"/>
+          <p:cNvPicPr>
+            <a:picLocks noChangeAspect="1" noChangeArrowheads="1"/>
+          </p:cNvPicPr>
+          <p:nvPr/>
+        </p:nvPicPr>
+        <p:blipFill>
+          <a:blip r:embed="rId3" cstate="print"/>
+          <a:srcRect/>
+          <a:stretch>
+            <a:fillRect/>
+          </a:stretch>
+        </p:blipFill>
+        <p:spPr bwMode="auto">
+          <a:xfrm>
+            <a:off x="0" y="0"/>
+            <a:ext cx="4541905" cy="3003810"/>
+          </a:xfrm>
+          <a:prstGeom prst="rect">
+            <a:avLst/>
+          </a:prstGeom>
+          <a:noFill/>
+          <a:ln w="9525">
+            <a:noFill/>
+            <a:miter lim="800000"/>
+            <a:headEnd/>
+            <a:tailEnd/>
+          </a:ln>
+        </p:spPr>
+      </p:pic>
+    </p:spTree>
+  </p:cSld>
+  <p:clrMapOvr>
+    <a:masterClrMapping/>
+  </p:clrMapOvr>
+</p:sld>
+</file>
+
+<file path=ppt/slides/slide4.xml><?xml version="1.0" encoding="utf-8"?>
+<p:sld xmlns:a="http://schemas.openxmlformats.org/drawingml/2006/main" xmlns:r="http://schemas.openxmlformats.org/officeDocument/2006/relationships" xmlns:p="http://schemas.openxmlformats.org/presentationml/2006/main">
+  <p:cSld>
+    <p:spTree>
+      <p:nvGrpSpPr>
+        <p:cNvPr id="1" name=""/>
+        <p:cNvGrpSpPr/>
+        <p:nvPr/>
+      </p:nvGrpSpPr>
+      <p:grpSpPr>
+        <a:xfrm>
+          <a:off x="0" y="0"/>
+          <a:ext cx="0" cy="0"/>
+          <a:chOff x="0" y="0"/>
+          <a:chExt cx="0" cy="0"/>
+        </a:xfrm>
+      </p:grpSpPr>
+      <p:grpSp>
+        <p:nvGrpSpPr>
+          <p:cNvPr id="2" name="Group 4"/>
+          <p:cNvGrpSpPr/>
+          <p:nvPr/>
+        </p:nvGrpSpPr>
+        <p:grpSpPr>
+          <a:xfrm>
+            <a:off x="3581400" y="2209800"/>
+            <a:ext cx="5402001" cy="4366015"/>
+            <a:chOff x="173564" y="255392"/>
+            <a:chExt cx="5402001" cy="4366015"/>
+          </a:xfrm>
+        </p:grpSpPr>
+        <p:pic>
+          <p:nvPicPr>
+            <p:cNvPr id="30722" name="Picture 2" descr="https://documents.lucidchart.com/documents/79bab9dd-e843-4e5f-82a4-05520a543319/pages/Wxti4X5xdLA9?a=2379&amp;x=78&amp;y=421&amp;w=1112&amp;h=418&amp;store=1&amp;accept=image%2F*&amp;auth=LCA%20432fee1a5a256fa197bd783fb4c75f894146cb6d-ts%3D1520300684"/>
+            <p:cNvPicPr>
+              <a:picLocks noChangeAspect="1" noChangeArrowheads="1"/>
+            </p:cNvPicPr>
+            <p:nvPr/>
+          </p:nvPicPr>
+          <p:blipFill>
+            <a:blip r:embed="rId2" cstate="print"/>
+            <a:srcRect/>
+            <a:stretch>
+              <a:fillRect/>
+            </a:stretch>
+          </p:blipFill>
+          <p:spPr bwMode="auto">
+            <a:xfrm>
+              <a:off x="173564" y="2590799"/>
+              <a:ext cx="5402001" cy="2030608"/>
+            </a:xfrm>
+            <a:prstGeom prst="rect">
+              <a:avLst/>
+            </a:prstGeom>
+            <a:noFill/>
+          </p:spPr>
+        </p:pic>
+        <p:pic>
+          <p:nvPicPr>
+            <p:cNvPr id="30724" name="Picture 4" descr="https://documents.lucidchart.com/documents/79bab9dd-e843-4e5f-82a4-05520a543319/pages/Wxti4X5xdLA9?a=2379&amp;x=78&amp;y=21&amp;w=1112&amp;h=418&amp;store=1&amp;accept=image%2F*&amp;auth=LCA%207d88e0ffa1fc0bc90c5d805069285fd454e3d774-ts%3D1520300684"/>
+            <p:cNvPicPr>
+              <a:picLocks noChangeAspect="1" noChangeArrowheads="1"/>
+            </p:cNvPicPr>
+            <p:nvPr/>
+          </p:nvPicPr>
+          <p:blipFill>
+            <a:blip r:embed="rId3" cstate="print"/>
+            <a:srcRect/>
+            <a:stretch>
+              <a:fillRect/>
+            </a:stretch>
+          </p:blipFill>
+          <p:spPr bwMode="auto">
+            <a:xfrm>
+              <a:off x="173564" y="255392"/>
+              <a:ext cx="5402001" cy="2030608"/>
+            </a:xfrm>
+            <a:prstGeom prst="rect">
+              <a:avLst/>
+            </a:prstGeom>
+            <a:noFill/>
+          </p:spPr>
+        </p:pic>
+      </p:grpSp>
+      <p:pic>
+        <p:nvPicPr>
+          <p:cNvPr id="30725" name="Picture 5"/>
+          <p:cNvPicPr>
+            <a:picLocks noChangeAspect="1" noChangeArrowheads="1"/>
+          </p:cNvPicPr>
+          <p:nvPr/>
+        </p:nvPicPr>
+        <p:blipFill>
+          <a:blip r:embed="rId4" cstate="print"/>
+          <a:srcRect/>
+          <a:stretch>
+            <a:fillRect/>
+          </a:stretch>
+        </p:blipFill>
+        <p:spPr bwMode="auto">
+          <a:xfrm>
+            <a:off x="0" y="0"/>
+            <a:ext cx="3673334" cy="2379524"/>
+          </a:xfrm>
+          <a:prstGeom prst="rect">
+            <a:avLst/>
+          </a:prstGeom>
+          <a:noFill/>
+          <a:ln w="9525">
+            <a:noFill/>
+            <a:miter lim="800000"/>
+            <a:headEnd/>
+            <a:tailEnd/>
+          </a:ln>
+        </p:spPr>
+      </p:pic>
+    </p:spTree>
+  </p:cSld>
+  <p:clrMapOvr>
+    <a:masterClrMapping/>
+  </p:clrMapOvr>
+</p:sld>
+</file>
+
+<file path=ppt/slides/slide5.xml><?xml version="1.0" encoding="utf-8"?>
+<p:sld xmlns:a="http://schemas.openxmlformats.org/drawingml/2006/main" xmlns:r="http://schemas.openxmlformats.org/officeDocument/2006/relationships" xmlns:p="http://schemas.openxmlformats.org/presentationml/2006/main">
+  <p:cSld>
+    <p:spTree>
+      <p:nvGrpSpPr>
+        <p:cNvPr id="1" name=""/>
+        <p:cNvGrpSpPr/>
+        <p:nvPr/>
+      </p:nvGrpSpPr>
+      <p:grpSpPr>
+        <a:xfrm>
+          <a:off x="0" y="0"/>
+          <a:ext cx="0" cy="0"/>
+          <a:chOff x="0" y="0"/>
+          <a:chExt cx="0" cy="0"/>
+        </a:xfrm>
+      </p:grpSpPr>
+      <p:pic>
+        <p:nvPicPr>
+          <p:cNvPr id="1028" name="Picture 4"/>
+          <p:cNvPicPr>
+            <a:picLocks noChangeAspect="1" noChangeArrowheads="1"/>
+          </p:cNvPicPr>
+          <p:nvPr/>
+        </p:nvPicPr>
+        <p:blipFill>
+          <a:blip r:embed="rId2" cstate="print"/>
+          <a:srcRect/>
+          <a:stretch>
+            <a:fillRect/>
+          </a:stretch>
+        </p:blipFill>
+        <p:spPr bwMode="auto">
+          <a:xfrm>
+            <a:off x="76200" y="0"/>
+            <a:ext cx="5309482" cy="4495800"/>
+          </a:xfrm>
+          <a:prstGeom prst="rect">
+            <a:avLst/>
+          </a:prstGeom>
+          <a:noFill/>
+          <a:ln w="9525">
+            <a:noFill/>
+            <a:miter lim="800000"/>
+            <a:headEnd/>
+            <a:tailEnd/>
+          </a:ln>
+        </p:spPr>
+      </p:pic>
+      <p:pic>
+        <p:nvPicPr>
+          <p:cNvPr id="1032" name="Picture 8" descr="https://documents.lucidchart.com/documents/4f095beb-4ee3-4d43-8724-a83ab86eac16/pages/0_0?a=298&amp;x=90&amp;y=66&amp;w=1540&amp;h=308&amp;store=1&amp;accept=image%2F*&amp;auth=LCA%2072c90b1ec76de8d75319b7df26d0713a989dd73c-ts%3D1494248697"/>
+          <p:cNvPicPr>
+            <a:picLocks noChangeAspect="1" noChangeArrowheads="1"/>
+          </p:cNvPicPr>
+          <p:nvPr/>
+        </p:nvPicPr>
+        <p:blipFill>
+          <a:blip r:embed="rId3" cstate="print"/>
+          <a:srcRect/>
+          <a:stretch>
+            <a:fillRect/>
+          </a:stretch>
+        </p:blipFill>
+        <p:spPr bwMode="auto">
+          <a:xfrm>
+            <a:off x="1371600" y="4114800"/>
+            <a:ext cx="6096000" cy="1219200"/>
+          </a:xfrm>
+          <a:prstGeom prst="rect">
+            <a:avLst/>
+          </a:prstGeom>
+          <a:noFill/>
+        </p:spPr>
+      </p:pic>
+      <p:pic>
+        <p:nvPicPr>
+          <p:cNvPr id="1026" name="Picture 2"/>
+          <p:cNvPicPr>
+            <a:picLocks noChangeAspect="1" noChangeArrowheads="1"/>
+          </p:cNvPicPr>
+          <p:nvPr/>
+        </p:nvPicPr>
+        <p:blipFill>
+          <a:blip r:embed="rId4" cstate="print"/>
+          <a:srcRect/>
+          <a:stretch>
+            <a:fillRect/>
+          </a:stretch>
+        </p:blipFill>
+        <p:spPr bwMode="auto">
+          <a:xfrm>
+            <a:off x="7239000" y="76200"/>
+            <a:ext cx="1809750" cy="4337655"/>
+          </a:xfrm>
+          <a:prstGeom prst="rect">
+            <a:avLst/>
+          </a:prstGeom>
+          <a:noFill/>
+          <a:ln w="9525">
+            <a:noFill/>
+            <a:miter lim="800000"/>
+            <a:headEnd/>
+            <a:tailEnd/>
+          </a:ln>
+        </p:spPr>
+      </p:pic>
+    </p:spTree>
+  </p:cSld>
+  <p:clrMapOvr>
+    <a:masterClrMapping/>
+  </p:clrMapOvr>
+</p:sld>
+</file>
+
+<file path=ppt/slides/slide6.xml><?xml version="1.0" encoding="utf-8"?>
+<p:sld xmlns:a="http://schemas.openxmlformats.org/drawingml/2006/main" xmlns:r="http://schemas.openxmlformats.org/officeDocument/2006/relationships" xmlns:p="http://schemas.openxmlformats.org/presentationml/2006/main">
+  <p:cSld>
+    <p:spTree>
+      <p:nvGrpSpPr>
+        <p:cNvPr id="1" name=""/>
+        <p:cNvGrpSpPr/>
+        <p:nvPr/>
+      </p:nvGrpSpPr>
+      <p:grpSpPr>
+        <a:xfrm>
+          <a:off x="0" y="0"/>
+          <a:ext cx="0" cy="0"/>
+          <a:chOff x="0" y="0"/>
+          <a:chExt cx="0" cy="0"/>
+        </a:xfrm>
+      </p:grpSpPr>
+      <p:pic>
+        <p:nvPicPr>
+          <p:cNvPr id="2" name="Picture 2" descr="https://documents.lucidchart.com/documents/836a6f97-a710-4752-935c-6db7beade261/pages/0_0?a=992&amp;x=79&amp;y=1026&amp;w=901&amp;h=418&amp;store=1&amp;accept=image%2F*&amp;auth=LCA%20e8930ca40278b74a7aaad60b7e4283309eb7fc1b-ts%3D1490889624"/>
+          <p:cNvPicPr>
+            <a:picLocks noChangeAspect="1" noChangeArrowheads="1"/>
+          </p:cNvPicPr>
+          <p:nvPr/>
+        </p:nvPicPr>
+        <p:blipFill>
+          <a:blip r:embed="rId2" cstate="print"/>
+          <a:srcRect/>
+          <a:stretch>
+            <a:fillRect/>
+          </a:stretch>
+        </p:blipFill>
+        <p:spPr bwMode="auto">
+          <a:xfrm>
+            <a:off x="228600" y="2362200"/>
+            <a:ext cx="3962400" cy="1840523"/>
+          </a:xfrm>
+          <a:prstGeom prst="rect">
+            <a:avLst/>
+          </a:prstGeom>
+          <a:noFill/>
+        </p:spPr>
+      </p:pic>
+      <p:pic>
+        <p:nvPicPr>
+          <p:cNvPr id="3" name="Picture 2" descr="https://documents.lucidchart.com/documents/836a6f97-a710-4752-935c-6db7beade261/pages/0_0?a=992&amp;x=79&amp;y=1026&amp;w=901&amp;h=418&amp;store=1&amp;accept=image%2F*&amp;auth=LCA%20e8930ca40278b74a7aaad60b7e4283309eb7fc1b-ts%3D1490889624"/>
+          <p:cNvPicPr>
+            <a:picLocks noChangeAspect="1" noChangeArrowheads="1"/>
+          </p:cNvPicPr>
+          <p:nvPr/>
+        </p:nvPicPr>
+        <p:blipFill>
+          <a:blip r:embed="rId2" cstate="print"/>
+          <a:srcRect/>
+          <a:stretch>
+            <a:fillRect/>
+          </a:stretch>
+        </p:blipFill>
+        <p:spPr bwMode="auto">
+          <a:xfrm>
+            <a:off x="228600" y="4419600"/>
+            <a:ext cx="3962400" cy="1840523"/>
+          </a:xfrm>
+          <a:prstGeom prst="rect">
+            <a:avLst/>
+          </a:prstGeom>
+          <a:noFill/>
+        </p:spPr>
+      </p:pic>
+      <p:pic>
+        <p:nvPicPr>
+          <p:cNvPr id="4" name="Picture 2" descr="https://documents.lucidchart.com/documents/836a6f97-a710-4752-935c-6db7beade261/pages/0_0?a=992&amp;x=79&amp;y=1026&amp;w=901&amp;h=418&amp;store=1&amp;accept=image%2F*&amp;auth=LCA%20e8930ca40278b74a7aaad60b7e4283309eb7fc1b-ts%3D1490889624"/>
+          <p:cNvPicPr>
+            <a:picLocks noChangeAspect="1" noChangeArrowheads="1"/>
+          </p:cNvPicPr>
+          <p:nvPr/>
+        </p:nvPicPr>
+        <p:blipFill>
+          <a:blip r:embed="rId2" cstate="print"/>
+          <a:srcRect/>
+          <a:stretch>
+            <a:fillRect/>
+          </a:stretch>
+        </p:blipFill>
+        <p:spPr bwMode="auto">
+          <a:xfrm>
+            <a:off x="228600" y="304800"/>
+            <a:ext cx="3962400" cy="1840523"/>
+          </a:xfrm>
+          <a:prstGeom prst="rect">
+            <a:avLst/>
+          </a:prstGeom>
+          <a:noFill/>
+        </p:spPr>
+      </p:pic>
+    </p:spTree>
+  </p:cSld>
+  <p:clrMapOvr>
+    <a:masterClrMapping/>
+  </p:clrMapOvr>
+</p:sld>
+</file>
+
+<file path=ppt/slides/slide7.xml><?xml version="1.0" encoding="utf-8"?>
+<p:sld xmlns:a="http://schemas.openxmlformats.org/drawingml/2006/main" xmlns:r="http://schemas.openxmlformats.org/officeDocument/2006/relationships" xmlns:p="http://schemas.openxmlformats.org/presentationml/2006/main">
+  <p:cSld>
+    <p:spTree>
+      <p:nvGrpSpPr>
+        <p:cNvPr id="1" name=""/>
+        <p:cNvGrpSpPr/>
+        <p:nvPr/>
+      </p:nvGrpSpPr>
+      <p:grpSpPr>
+        <a:xfrm>
+          <a:off x="0" y="0"/>
+          <a:ext cx="0" cy="0"/>
+          <a:chOff x="0" y="0"/>
+          <a:chExt cx="0" cy="0"/>
+        </a:xfrm>
+      </p:grpSpPr>
+      <p:pic>
+        <p:nvPicPr>
+          <p:cNvPr id="2" name="Picture 2" descr="https://documents.lucidchart.com/documents/4f095beb-4ee3-4d43-8724-a83ab86eac16/pages/0_0?a=298&amp;x=90&amp;y=66&amp;w=1540&amp;h=308&amp;store=1&amp;accept=image%2F*&amp;auth=LCA%2072c90b1ec76de8d75319b7df26d0713a989dd73c-ts%3D1494248697"/>
+          <p:cNvPicPr>
+            <a:picLocks noChangeAspect="1" noChangeArrowheads="1"/>
+          </p:cNvPicPr>
+          <p:nvPr/>
+        </p:nvPicPr>
+        <p:blipFill>
+          <a:blip r:embed="rId2" cstate="print"/>
+          <a:srcRect/>
+          <a:stretch>
+            <a:fillRect/>
+          </a:stretch>
+        </p:blipFill>
+        <p:spPr bwMode="auto">
+          <a:xfrm>
+            <a:off x="76200" y="167640"/>
+            <a:ext cx="5791200" cy="1158240"/>
+          </a:xfrm>
+          <a:prstGeom prst="rect">
+            <a:avLst/>
+          </a:prstGeom>
+          <a:noFill/>
+        </p:spPr>
+      </p:pic>
+      <p:pic>
+        <p:nvPicPr>
+          <p:cNvPr id="1026" name="Picture 2"/>
+          <p:cNvPicPr>
+            <a:picLocks noChangeAspect="1" noChangeArrowheads="1"/>
+          </p:cNvPicPr>
+          <p:nvPr/>
+        </p:nvPicPr>
+        <p:blipFill>
+          <a:blip r:embed="rId3" cstate="print"/>
+          <a:srcRect/>
+          <a:stretch>
+            <a:fillRect/>
+          </a:stretch>
+        </p:blipFill>
+        <p:spPr bwMode="auto">
+          <a:xfrm>
+            <a:off x="7086600" y="304800"/>
+            <a:ext cx="2095500" cy="6286500"/>
+          </a:xfrm>
+          <a:prstGeom prst="rect">
+            <a:avLst/>
+          </a:prstGeom>
+          <a:noFill/>
+          <a:ln w="9525">
+            <a:noFill/>
+            <a:miter lim="800000"/>
+            <a:headEnd/>
+            <a:tailEnd/>
+          </a:ln>
+        </p:spPr>
+      </p:pic>
+      <p:pic>
+        <p:nvPicPr>
+          <p:cNvPr id="4" name="Picture 2"/>
+          <p:cNvPicPr>
+            <a:picLocks noChangeAspect="1" noChangeArrowheads="1"/>
+          </p:cNvPicPr>
+          <p:nvPr/>
+        </p:nvPicPr>
+        <p:blipFill>
+          <a:blip r:embed="rId4" cstate="print"/>
+          <a:srcRect/>
+          <a:stretch>
+            <a:fillRect/>
+          </a:stretch>
+        </p:blipFill>
+        <p:spPr bwMode="auto">
+          <a:xfrm>
+            <a:off x="5181600" y="2367945"/>
+            <a:ext cx="1809750" cy="4337655"/>
+          </a:xfrm>
+          <a:prstGeom prst="rect">
+            <a:avLst/>
+          </a:prstGeom>
+          <a:noFill/>
+          <a:ln w="9525">
+            <a:noFill/>
+            <a:miter lim="800000"/>
+            <a:headEnd/>
+            <a:tailEnd/>
+          </a:ln>
+        </p:spPr>
+      </p:pic>
+    </p:spTree>
+  </p:cSld>
+  <p:clrMapOvr>
+    <a:masterClrMapping/>
+  </p:clrMapOvr>
+</p:sld>
+</file>
+
+<file path=ppt/slides/slide8.xml><?xml version="1.0" encoding="utf-8"?>
+<p:sld xmlns:a="http://schemas.openxmlformats.org/drawingml/2006/main" xmlns:r="http://schemas.openxmlformats.org/officeDocument/2006/relationships" xmlns:p="http://schemas.openxmlformats.org/presentationml/2006/main">
+  <p:cSld>
+    <p:spTree>
+      <p:nvGrpSpPr>
+        <p:cNvPr id="1" name=""/>
+        <p:cNvGrpSpPr/>
+        <p:nvPr/>
+      </p:nvGrpSpPr>
+      <p:grpSpPr>
+        <a:xfrm>
+          <a:off x="0" y="0"/>
+          <a:ext cx="0" cy="0"/>
+          <a:chOff x="0" y="0"/>
+          <a:chExt cx="0" cy="0"/>
+        </a:xfrm>
+      </p:grpSpPr>
+      <p:pic>
+        <p:nvPicPr>
+          <p:cNvPr id="6" name="Picture 2" descr="https://documents.lucidchart.com/documents/70b2ab1c-720b-4050-97ff-f64855c948ca/pages/eNbqbEM6f5NI?a=1974&amp;x=21&amp;y=13&amp;w=858&amp;h=1034&amp;store=1&amp;accept=image%2F*&amp;auth=LCA%2091667b87cf110c97b880ef42b1cb1e747752c62a-ts%3D1519680648"/>
+          <p:cNvPicPr>
+            <a:picLocks noChangeAspect="1" noChangeArrowheads="1"/>
+          </p:cNvPicPr>
+          <p:nvPr/>
+        </p:nvPicPr>
+        <p:blipFill>
+          <a:blip r:embed="rId2" cstate="print"/>
+          <a:srcRect/>
+          <a:stretch>
+            <a:fillRect/>
+          </a:stretch>
+        </p:blipFill>
+        <p:spPr bwMode="auto">
+          <a:xfrm>
+            <a:off x="0" y="0"/>
+            <a:ext cx="3542907" cy="4269093"/>
+          </a:xfrm>
+          <a:prstGeom prst="rect">
+            <a:avLst/>
+          </a:prstGeom>
+          <a:noFill/>
+        </p:spPr>
+      </p:pic>
+      <p:pic>
+        <p:nvPicPr>
+          <p:cNvPr id="10250" name="Picture 10" descr="https://documents.lucidchart.com/documents/654547cc-ba79-4470-9e84-8c153f0577f8/pages/0_0?a=965&amp;x=18&amp;y=-40&amp;w=484&amp;h=1021&amp;store=1&amp;accept=image%2F*&amp;auth=LCA%2021153ab9cb504a43f987dd939c456957cd56df7a-ts%3D1519684331"/>
+          <p:cNvPicPr>
+            <a:picLocks noChangeAspect="1" noChangeArrowheads="1"/>
+          </p:cNvPicPr>
+          <p:nvPr/>
+        </p:nvPicPr>
+        <p:blipFill>
+          <a:blip r:embed="rId3" cstate="print"/>
+          <a:srcRect/>
+          <a:stretch>
+            <a:fillRect/>
+          </a:stretch>
+        </p:blipFill>
+        <p:spPr bwMode="auto">
+          <a:xfrm>
+            <a:off x="6096000" y="228600"/>
+            <a:ext cx="2852725" cy="6019800"/>
+          </a:xfrm>
+          <a:prstGeom prst="rect">
+            <a:avLst/>
+          </a:prstGeom>
+          <a:noFill/>
+        </p:spPr>
+      </p:pic>
+      <p:pic>
+        <p:nvPicPr>
+          <p:cNvPr id="10252" name="Picture 12" descr="https://documents.lucidchart.com/documents/70b2ab1c-720b-4050-97ff-f64855c948ca/pages/eNbqbEM6f5NI?a=2711&amp;x=898&amp;y=146&amp;w=253&amp;h=253&amp;store=1&amp;accept=image%2F*&amp;auth=LCA%203fab0a2882fd128747c605e8bd453abba42c9d0f-ts%3D1519684569"/>
+          <p:cNvPicPr>
+            <a:picLocks noChangeAspect="1" noChangeArrowheads="1"/>
+          </p:cNvPicPr>
+          <p:nvPr/>
+        </p:nvPicPr>
+        <p:blipFill>
+          <a:blip r:embed="rId4" cstate="print"/>
+          <a:srcRect/>
+          <a:stretch>
+            <a:fillRect/>
+          </a:stretch>
+        </p:blipFill>
+        <p:spPr bwMode="auto">
+          <a:xfrm>
+            <a:off x="4343400" y="19049"/>
+            <a:ext cx="1809750" cy="1809751"/>
+          </a:xfrm>
+          <a:prstGeom prst="rect">
+            <a:avLst/>
+          </a:prstGeom>
+          <a:noFill/>
+        </p:spPr>
+      </p:pic>
+    </p:spTree>
+  </p:cSld>
+  <p:clrMapOvr>
+    <a:masterClrMapping/>
+  </p:clrMapOvr>
+</p:sld>
+</file>
+
+<file path=ppt/slides/slide9.xml><?xml version="1.0" encoding="utf-8"?>
+<p:sld xmlns:a="http://schemas.openxmlformats.org/drawingml/2006/main" xmlns:r="http://schemas.openxmlformats.org/officeDocument/2006/relationships" xmlns:p="http://schemas.openxmlformats.org/presentationml/2006/main">
+  <p:cSld>
+    <p:spTree>
+      <p:nvGrpSpPr>
+        <p:cNvPr id="1" name=""/>
+        <p:cNvGrpSpPr/>
+        <p:nvPr/>
+      </p:nvGrpSpPr>
+      <p:grpSpPr>
+        <a:xfrm>
+          <a:off x="0" y="0"/>
+          <a:ext cx="0" cy="0"/>
+          <a:chOff x="0" y="0"/>
+          <a:chExt cx="0" cy="0"/>
+        </a:xfrm>
+      </p:grpSpPr>
+      <p:pic>
+        <p:nvPicPr>
+          <p:cNvPr id="5" name="Picture 4" descr="https://documents.lucidchart.com/documents/70b2ab1c-720b-4050-97ff-f64855c948ca/pages/eNbqbEM6f5NI?a=2680&amp;x=875&amp;y=131&amp;w=738&amp;h=566&amp;store=1&amp;accept=image%2F*&amp;auth=LCA%20e43521fad37b405ad2d5c5b09489ba9668227887-ts%3D1519682999"/>
+          <p:cNvPicPr>
+            <a:picLocks noChangeAspect="1" noChangeArrowheads="1"/>
+          </p:cNvPicPr>
+          <p:nvPr/>
+        </p:nvPicPr>
+        <p:blipFill>
+          <a:blip r:embed="rId2" cstate="print"/>
+          <a:srcRect/>
+          <a:stretch>
+            <a:fillRect/>
+          </a:stretch>
+        </p:blipFill>
+        <p:spPr bwMode="auto">
+          <a:xfrm>
+            <a:off x="3810000" y="4038600"/>
+            <a:ext cx="3476513" cy="2667000"/>
+          </a:xfrm>
+          <a:prstGeom prst="rect">
+            <a:avLst/>
+          </a:prstGeom>
+          <a:noFill/>
+        </p:spPr>
+      </p:pic>
+      <p:pic>
+        <p:nvPicPr>
+          <p:cNvPr id="4" name="Picture 2"/>
+          <p:cNvPicPr>
+            <a:picLocks noChangeAspect="1" noChangeArrowheads="1"/>
+          </p:cNvPicPr>
+          <p:nvPr/>
+        </p:nvPicPr>
+        <p:blipFill>
+          <a:blip r:embed="rId3" cstate="print"/>
+          <a:srcRect/>
+          <a:stretch>
+            <a:fillRect/>
+          </a:stretch>
+        </p:blipFill>
+        <p:spPr bwMode="auto">
+          <a:xfrm>
+            <a:off x="5105400" y="158145"/>
+            <a:ext cx="1809750" cy="4337655"/>
+          </a:xfrm>
+          <a:prstGeom prst="rect">
+            <a:avLst/>
+          </a:prstGeom>
+          <a:noFill/>
+          <a:ln w="9525">
+            <a:noFill/>
+            <a:miter lim="800000"/>
+            <a:headEnd/>
+            <a:tailEnd/>
+          </a:ln>
+        </p:spPr>
+      </p:pic>
+      <p:pic>
+        <p:nvPicPr>
+          <p:cNvPr id="6" name="Picture 2" descr="https://documents.lucidchart.com/documents/70b2ab1c-720b-4050-97ff-f64855c948ca/pages/eNbqbEM6f5NI?a=1974&amp;x=21&amp;y=13&amp;w=858&amp;h=1034&amp;store=1&amp;accept=image%2F*&amp;auth=LCA%2091667b87cf110c97b880ef42b1cb1e747752c62a-ts%3D1519680648"/>
+          <p:cNvPicPr>
+            <a:picLocks noChangeAspect="1" noChangeArrowheads="1"/>
+          </p:cNvPicPr>
+          <p:nvPr/>
+        </p:nvPicPr>
+        <p:blipFill>
+          <a:blip r:embed="rId4" cstate="print"/>
+          <a:srcRect/>
+          <a:stretch>
+            <a:fillRect/>
+          </a:stretch>
+        </p:blipFill>
+        <p:spPr bwMode="auto">
+          <a:xfrm>
+            <a:off x="0" y="-1"/>
+            <a:ext cx="3542907" cy="4269093"/>
+          </a:xfrm>
+          <a:prstGeom prst="rect">
+            <a:avLst/>
+          </a:prstGeom>
+          <a:noFill/>
+        </p:spPr>
+      </p:pic>
+      <p:pic>
+        <p:nvPicPr>
+          <p:cNvPr id="11266" name="Picture 2" descr="C:\Users\egutarra\AppData\Local\Temp\SNAGHTML41256c88.PNG"/>
+          <p:cNvPicPr>
+            <a:picLocks noChangeAspect="1" noChangeArrowheads="1"/>
+          </p:cNvPicPr>
+          <p:nvPr/>
+        </p:nvPicPr>
+        <p:blipFill>
+          <a:blip r:embed="rId5" cstate="print"/>
+          <a:srcRect/>
+          <a:stretch>
+            <a:fillRect/>
+          </a:stretch>
+        </p:blipFill>
+        <p:spPr bwMode="auto">
+          <a:xfrm>
+            <a:off x="7391400" y="76200"/>
+            <a:ext cx="1638300" cy="5581651"/>
+          </a:xfrm>
+          <a:prstGeom prst="rect">
+            <a:avLst/>
+          </a:prstGeom>
+          <a:noFill/>
         </p:spPr>
       </p:pic>
     </p:spTree>
@@ -6564,4 +7583,287 @@
   <a:objectDefaults/>
   <a:extraClrSchemeLst/>
 </a:theme>
+</file>
+
+<file path=ppt/theme/theme2.xml><?xml version="1.0" encoding="utf-8"?>
+<a:theme xmlns:a="http://schemas.openxmlformats.org/drawingml/2006/main" name="Office Theme">
+  <a:themeElements>
+    <a:clrScheme name="Office">
+      <a:dk1>
+        <a:sysClr val="windowText" lastClr="000000"/>
+      </a:dk1>
+      <a:lt1>
+        <a:sysClr val="window" lastClr="FFFFFF"/>
+      </a:lt1>
+      <a:dk2>
+        <a:srgbClr val="1F497D"/>
+      </a:dk2>
+      <a:lt2>
+        <a:srgbClr val="EEECE1"/>
+      </a:lt2>
+      <a:accent1>
+        <a:srgbClr val="4F81BD"/>
+      </a:accent1>
+      <a:accent2>
+        <a:srgbClr val="C0504D"/>
+      </a:accent2>
+      <a:accent3>
+        <a:srgbClr val="9BBB59"/>
+      </a:accent3>
+      <a:accent4>
+        <a:srgbClr val="8064A2"/>
+      </a:accent4>
+      <a:accent5>
+        <a:srgbClr val="4BACC6"/>
+      </a:accent5>
+      <a:accent6>
+        <a:srgbClr val="F79646"/>
+      </a:accent6>
+      <a:hlink>
+        <a:srgbClr val="0000FF"/>
+      </a:hlink>
+      <a:folHlink>
+        <a:srgbClr val="800080"/>
+      </a:folHlink>
+    </a:clrScheme>
+    <a:fontScheme name="Office">
+      <a:majorFont>
+        <a:latin typeface="Calibri"/>
+        <a:ea typeface=""/>
+        <a:cs typeface=""/>
+        <a:font script="Jpan" typeface="ＭＳ Ｐゴシック"/>
+        <a:font script="Hang" typeface="맑은 고딕"/>
+        <a:font script="Hans" typeface="宋体"/>
+        <a:font script="Hant" typeface="新細明體"/>
+        <a:font script="Arab" typeface="Times New Roman"/>
+        <a:font script="Hebr" typeface="Times New Roman"/>
+        <a:font script="Thai" typeface="Angsana New"/>
+        <a:font script="Ethi" typeface="Nyala"/>
+        <a:font script="Beng" typeface="Vrinda"/>
+        <a:font script="Gujr" typeface="Shruti"/>
+        <a:font script="Khmr" typeface="MoolBoran"/>
+        <a:font script="Knda" typeface="Tunga"/>
+        <a:font script="Guru" typeface="Raavi"/>
+        <a:font script="Cans" typeface="Euphemia"/>
+        <a:font script="Cher" typeface="Plantagenet Cherokee"/>
+        <a:font script="Yiii" typeface="Microsoft Yi Baiti"/>
+        <a:font script="Tibt" typeface="Microsoft Himalaya"/>
+        <a:font script="Thaa" typeface="MV Boli"/>
+        <a:font script="Deva" typeface="Mangal"/>
+        <a:font script="Telu" typeface="Gautami"/>
+        <a:font script="Taml" typeface="Latha"/>
+        <a:font script="Syrc" typeface="Estrangelo Edessa"/>
+        <a:font script="Orya" typeface="Kalinga"/>
+        <a:font script="Mlym" typeface="Kartika"/>
+        <a:font script="Laoo" typeface="DokChampa"/>
+        <a:font script="Sinh" typeface="Iskoola Pota"/>
+        <a:font script="Mong" typeface="Mongolian Baiti"/>
+        <a:font script="Viet" typeface="Times New Roman"/>
+        <a:font script="Uigh" typeface="Microsoft Uighur"/>
+      </a:majorFont>
+      <a:minorFont>
+        <a:latin typeface="Calibri"/>
+        <a:ea typeface=""/>
+        <a:cs typeface=""/>
+        <a:font script="Jpan" typeface="ＭＳ Ｐゴシック"/>
+        <a:font script="Hang" typeface="맑은 고딕"/>
+        <a:font script="Hans" typeface="宋体"/>
+        <a:font script="Hant" typeface="新細明體"/>
+        <a:font script="Arab" typeface="Arial"/>
+        <a:font script="Hebr" typeface="Arial"/>
+        <a:font script="Thai" typeface="Cordia New"/>
+        <a:font script="Ethi" typeface="Nyala"/>
+        <a:font script="Beng" typeface="Vrinda"/>
+        <a:font script="Gujr" typeface="Shruti"/>
+        <a:font script="Khmr" typeface="DaunPenh"/>
+        <a:font script="Knda" typeface="Tunga"/>
+        <a:font script="Guru" typeface="Raavi"/>
+        <a:font script="Cans" typeface="Euphemia"/>
+        <a:font script="Cher" typeface="Plantagenet Cherokee"/>
+        <a:font script="Yiii" typeface="Microsoft Yi Baiti"/>
+        <a:font script="Tibt" typeface="Microsoft Himalaya"/>
+        <a:font script="Thaa" typeface="MV Boli"/>
+        <a:font script="Deva" typeface="Mangal"/>
+        <a:font script="Telu" typeface="Gautami"/>
+        <a:font script="Taml" typeface="Latha"/>
+        <a:font script="Syrc" typeface="Estrangelo Edessa"/>
+        <a:font script="Orya" typeface="Kalinga"/>
+        <a:font script="Mlym" typeface="Kartika"/>
+        <a:font script="Laoo" typeface="DokChampa"/>
+        <a:font script="Sinh" typeface="Iskoola Pota"/>
+        <a:font script="Mong" typeface="Mongolian Baiti"/>
+        <a:font script="Viet" typeface="Arial"/>
+        <a:font script="Uigh" typeface="Microsoft Uighur"/>
+      </a:minorFont>
+    </a:fontScheme>
+    <a:fmtScheme name="Office">
+      <a:fillStyleLst>
+        <a:solidFill>
+          <a:schemeClr val="phClr"/>
+        </a:solidFill>
+        <a:gradFill rotWithShape="1">
+          <a:gsLst>
+            <a:gs pos="0">
+              <a:schemeClr val="phClr">
+                <a:tint val="50000"/>
+                <a:satMod val="300000"/>
+              </a:schemeClr>
+            </a:gs>
+            <a:gs pos="35000">
+              <a:schemeClr val="phClr">
+                <a:tint val="37000"/>
+                <a:satMod val="300000"/>
+              </a:schemeClr>
+            </a:gs>
+            <a:gs pos="100000">
+              <a:schemeClr val="phClr">
+                <a:tint val="15000"/>
+                <a:satMod val="350000"/>
+              </a:schemeClr>
+            </a:gs>
+          </a:gsLst>
+          <a:lin ang="16200000" scaled="1"/>
+        </a:gradFill>
+        <a:gradFill rotWithShape="1">
+          <a:gsLst>
+            <a:gs pos="0">
+              <a:schemeClr val="phClr">
+                <a:shade val="51000"/>
+                <a:satMod val="130000"/>
+              </a:schemeClr>
+            </a:gs>
+            <a:gs pos="80000">
+              <a:schemeClr val="phClr">
+                <a:shade val="93000"/>
+                <a:satMod val="130000"/>
+              </a:schemeClr>
+            </a:gs>
+            <a:gs pos="100000">
+              <a:schemeClr val="phClr">
+                <a:shade val="94000"/>
+                <a:satMod val="135000"/>
+              </a:schemeClr>
+            </a:gs>
+          </a:gsLst>
+          <a:lin ang="16200000" scaled="0"/>
+        </a:gradFill>
+      </a:fillStyleLst>
+      <a:lnStyleLst>
+        <a:ln w="9525" cap="flat" cmpd="sng" algn="ctr">
+          <a:solidFill>
+            <a:schemeClr val="phClr">
+              <a:shade val="95000"/>
+              <a:satMod val="105000"/>
+            </a:schemeClr>
+          </a:solidFill>
+          <a:prstDash val="solid"/>
+        </a:ln>
+        <a:ln w="25400" cap="flat" cmpd="sng" algn="ctr">
+          <a:solidFill>
+            <a:schemeClr val="phClr"/>
+          </a:solidFill>
+          <a:prstDash val="solid"/>
+        </a:ln>
+        <a:ln w="38100" cap="flat" cmpd="sng" algn="ctr">
+          <a:solidFill>
+            <a:schemeClr val="phClr"/>
+          </a:solidFill>
+          <a:prstDash val="solid"/>
+        </a:ln>
+      </a:lnStyleLst>
+      <a:effectStyleLst>
+        <a:effectStyle>
+          <a:effectLst>
+            <a:outerShdw blurRad="40000" dist="20000" dir="5400000" rotWithShape="0">
+              <a:srgbClr val="000000">
+                <a:alpha val="38000"/>
+              </a:srgbClr>
+            </a:outerShdw>
+          </a:effectLst>
+        </a:effectStyle>
+        <a:effectStyle>
+          <a:effectLst>
+            <a:outerShdw blurRad="40000" dist="23000" dir="5400000" rotWithShape="0">
+              <a:srgbClr val="000000">
+                <a:alpha val="35000"/>
+              </a:srgbClr>
+            </a:outerShdw>
+          </a:effectLst>
+        </a:effectStyle>
+        <a:effectStyle>
+          <a:effectLst>
+            <a:outerShdw blurRad="40000" dist="23000" dir="5400000" rotWithShape="0">
+              <a:srgbClr val="000000">
+                <a:alpha val="35000"/>
+              </a:srgbClr>
+            </a:outerShdw>
+          </a:effectLst>
+          <a:scene3d>
+            <a:camera prst="orthographicFront">
+              <a:rot lat="0" lon="0" rev="0"/>
+            </a:camera>
+            <a:lightRig rig="threePt" dir="t">
+              <a:rot lat="0" lon="0" rev="1200000"/>
+            </a:lightRig>
+          </a:scene3d>
+          <a:sp3d>
+            <a:bevelT w="63500" h="25400"/>
+          </a:sp3d>
+        </a:effectStyle>
+      </a:effectStyleLst>
+      <a:bgFillStyleLst>
+        <a:solidFill>
+          <a:schemeClr val="phClr"/>
+        </a:solidFill>
+        <a:gradFill rotWithShape="1">
+          <a:gsLst>
+            <a:gs pos="0">
+              <a:schemeClr val="phClr">
+                <a:tint val="40000"/>
+                <a:satMod val="350000"/>
+              </a:schemeClr>
+            </a:gs>
+            <a:gs pos="40000">
+              <a:schemeClr val="phClr">
+                <a:tint val="45000"/>
+                <a:shade val="99000"/>
+                <a:satMod val="350000"/>
+              </a:schemeClr>
+            </a:gs>
+            <a:gs pos="100000">
+              <a:schemeClr val="phClr">
+                <a:shade val="20000"/>
+                <a:satMod val="255000"/>
+              </a:schemeClr>
+            </a:gs>
+          </a:gsLst>
+          <a:path path="circle">
+            <a:fillToRect l="50000" t="-80000" r="50000" b="180000"/>
+          </a:path>
+        </a:gradFill>
+        <a:gradFill rotWithShape="1">
+          <a:gsLst>
+            <a:gs pos="0">
+              <a:schemeClr val="phClr">
+                <a:tint val="80000"/>
+                <a:satMod val="300000"/>
+              </a:schemeClr>
+            </a:gs>
+            <a:gs pos="100000">
+              <a:schemeClr val="phClr">
+                <a:shade val="30000"/>
+                <a:satMod val="200000"/>
+              </a:schemeClr>
+            </a:gs>
+          </a:gsLst>
+          <a:path path="circle">
+            <a:fillToRect l="50000" t="50000" r="50000" b="50000"/>
+          </a:path>
+        </a:gradFill>
+      </a:bgFillStyleLst>
+    </a:fmtScheme>
+  </a:themeElements>
+  <a:objectDefaults/>
+  <a:extraClrSchemeLst/>
+</a:theme>
 </file>
--- a/EBooks/Diagrams2.pptx
+++ b/EBooks/Diagrams2.pptx
@@ -5,7 +5,7 @@
     <p:sldMasterId id="2147483648" r:id="rId1"/>
   </p:sldMasterIdLst>
   <p:notesMasterIdLst>
-    <p:notesMasterId r:id="rId21"/>
+    <p:notesMasterId r:id="rId22"/>
   </p:notesMasterIdLst>
   <p:sldIdLst>
     <p:sldId id="256" r:id="rId2"/>
@@ -27,6 +27,7 @@
     <p:sldId id="274" r:id="rId18"/>
     <p:sldId id="266" r:id="rId19"/>
     <p:sldId id="267" r:id="rId20"/>
+    <p:sldId id="275" r:id="rId21"/>
   </p:sldIdLst>
   <p:sldSz cx="9144000" cy="6858000" type="screen4x3"/>
   <p:notesSz cx="6858000" cy="9144000"/>
@@ -210,6 +211,7 @@
           <a:p>
             <a:fld id="{5AE4D5FD-0D60-4851-A652-6098E929EFC4}" type="datetimeFigureOut">
               <a:rPr lang="en-US" smtClean="0"/>
+              <a:pPr/>
               <a:t>3/6/2018</a:t>
             </a:fld>
             <a:endParaRPr lang="en-US"/>
@@ -371,6 +373,7 @@
           <a:p>
             <a:fld id="{EDCAF3A9-1745-4E02-B9FC-FB6492E88F27}" type="slidenum">
               <a:rPr lang="en-US" smtClean="0"/>
+              <a:pPr/>
               <a:t>‹#›</a:t>
             </a:fld>
             <a:endParaRPr lang="en-US"/>
@@ -6329,7 +6332,7 @@
         </p:blipFill>
         <p:spPr bwMode="auto">
           <a:xfrm>
-            <a:off x="1524000" y="381000"/>
+            <a:off x="1524000" y="304800"/>
             <a:ext cx="5838825" cy="3009900"/>
           </a:xfrm>
           <a:prstGeom prst="rect">
@@ -6361,7 +6364,7 @@
         </p:blipFill>
         <p:spPr bwMode="auto">
           <a:xfrm>
-            <a:off x="1524000" y="3581400"/>
+            <a:off x="1524000" y="3505200"/>
             <a:ext cx="6067425" cy="2400300"/>
           </a:xfrm>
           <a:prstGeom prst="rect">
@@ -6509,6 +6512,121 @@
           <a:xfrm>
             <a:off x="76200" y="161924"/>
             <a:ext cx="8333320" cy="5934076"/>
+          </a:xfrm>
+          <a:prstGeom prst="rect">
+            <a:avLst/>
+          </a:prstGeom>
+          <a:noFill/>
+        </p:spPr>
+      </p:pic>
+    </p:spTree>
+  </p:cSld>
+  <p:clrMapOvr>
+    <a:masterClrMapping/>
+  </p:clrMapOvr>
+</p:sld>
+</file>
+
+<file path=ppt/slides/slide20.xml><?xml version="1.0" encoding="utf-8"?>
+<p:sld xmlns:a="http://schemas.openxmlformats.org/drawingml/2006/main" xmlns:r="http://schemas.openxmlformats.org/officeDocument/2006/relationships" xmlns:p="http://schemas.openxmlformats.org/presentationml/2006/main">
+  <p:cSld>
+    <p:spTree>
+      <p:nvGrpSpPr>
+        <p:cNvPr id="1" name=""/>
+        <p:cNvGrpSpPr/>
+        <p:nvPr/>
+      </p:nvGrpSpPr>
+      <p:grpSpPr>
+        <a:xfrm>
+          <a:off x="0" y="0"/>
+          <a:ext cx="0" cy="0"/>
+          <a:chOff x="0" y="0"/>
+          <a:chExt cx="0" cy="0"/>
+        </a:xfrm>
+      </p:grpSpPr>
+      <p:pic>
+        <p:nvPicPr>
+          <p:cNvPr id="1027" name="Picture 3"/>
+          <p:cNvPicPr>
+            <a:picLocks noChangeAspect="1" noChangeArrowheads="1"/>
+          </p:cNvPicPr>
+          <p:nvPr/>
+        </p:nvPicPr>
+        <p:blipFill>
+          <a:blip r:embed="rId2" cstate="print"/>
+          <a:srcRect/>
+          <a:stretch>
+            <a:fillRect/>
+          </a:stretch>
+        </p:blipFill>
+        <p:spPr bwMode="auto">
+          <a:xfrm>
+            <a:off x="3733800" y="0"/>
+            <a:ext cx="5165714" cy="4312382"/>
+          </a:xfrm>
+          <a:prstGeom prst="rect">
+            <a:avLst/>
+          </a:prstGeom>
+          <a:noFill/>
+          <a:ln w="9525">
+            <a:noFill/>
+            <a:miter lim="800000"/>
+            <a:headEnd/>
+            <a:tailEnd/>
+          </a:ln>
+        </p:spPr>
+      </p:pic>
+      <p:pic>
+        <p:nvPicPr>
+          <p:cNvPr id="1028" name="Picture 4"/>
+          <p:cNvPicPr>
+            <a:picLocks noChangeAspect="1" noChangeArrowheads="1"/>
+          </p:cNvPicPr>
+          <p:nvPr/>
+        </p:nvPicPr>
+        <p:blipFill>
+          <a:blip r:embed="rId3" cstate="print"/>
+          <a:srcRect/>
+          <a:stretch>
+            <a:fillRect/>
+          </a:stretch>
+        </p:blipFill>
+        <p:spPr bwMode="auto">
+          <a:xfrm>
+            <a:off x="0" y="76200"/>
+            <a:ext cx="3550477" cy="5386667"/>
+          </a:xfrm>
+          <a:prstGeom prst="rect">
+            <a:avLst/>
+          </a:prstGeom>
+          <a:noFill/>
+          <a:ln w="9525">
+            <a:noFill/>
+            <a:miter lim="800000"/>
+            <a:headEnd/>
+            <a:tailEnd/>
+          </a:ln>
+        </p:spPr>
+      </p:pic>
+      <p:pic>
+        <p:nvPicPr>
+          <p:cNvPr id="1026" name="Picture 2" descr="https://documents.lucidchart.com/documents/d9a54019-9730-46c6-b9ac-e6130d61a83e/pages/0_0?a=1398&amp;x=-28&amp;y=22&amp;w=1370&amp;h=398&amp;store=1&amp;accept=image%2F*&amp;auth=LCA%201326c5ba4d0061f25bf7b50b02405deccf1e3437-ts%3D1520365467"/>
+          <p:cNvPicPr>
+            <a:picLocks noChangeAspect="1" noChangeArrowheads="1"/>
+          </p:cNvPicPr>
+          <p:nvPr/>
+        </p:nvPicPr>
+        <p:blipFill>
+          <a:blip r:embed="rId4" cstate="print"/>
+          <a:srcRect/>
+          <a:stretch>
+            <a:fillRect/>
+          </a:stretch>
+        </p:blipFill>
+        <p:spPr bwMode="auto">
+          <a:xfrm>
+            <a:off x="3200400" y="5029200"/>
+            <a:ext cx="5872361" cy="1705985"/>
           </a:xfrm>
           <a:prstGeom prst="rect">
             <a:avLst/>

--- a/EBooks/Diagrams2.pptx
+++ b/EBooks/Diagrams2.pptx
@@ -212,7 +212,7 @@
             <a:fld id="{5AE4D5FD-0D60-4851-A652-6098E929EFC4}" type="datetimeFigureOut">
               <a:rPr lang="en-US" smtClean="0"/>
               <a:pPr/>
-              <a:t>3/6/2018</a:t>
+              <a:t>3/7/2018</a:t>
             </a:fld>
             <a:endParaRPr lang="en-US"/>
           </a:p>
@@ -660,7 +660,7 @@
             <a:fld id="{77CA5DE0-DE13-4F22-ABB0-253098985218}" type="datetimeFigureOut">
               <a:rPr lang="en-US" smtClean="0"/>
               <a:pPr/>
-              <a:t>3/6/2018</a:t>
+              <a:t>3/7/2018</a:t>
             </a:fld>
             <a:endParaRPr lang="en-US"/>
           </a:p>
@@ -827,7 +827,7 @@
             <a:fld id="{77CA5DE0-DE13-4F22-ABB0-253098985218}" type="datetimeFigureOut">
               <a:rPr lang="en-US" smtClean="0"/>
               <a:pPr/>
-              <a:t>3/6/2018</a:t>
+              <a:t>3/7/2018</a:t>
             </a:fld>
             <a:endParaRPr lang="en-US"/>
           </a:p>
@@ -1004,7 +1004,7 @@
             <a:fld id="{77CA5DE0-DE13-4F22-ABB0-253098985218}" type="datetimeFigureOut">
               <a:rPr lang="en-US" smtClean="0"/>
               <a:pPr/>
-              <a:t>3/6/2018</a:t>
+              <a:t>3/7/2018</a:t>
             </a:fld>
             <a:endParaRPr lang="en-US"/>
           </a:p>
@@ -1171,7 +1171,7 @@
             <a:fld id="{77CA5DE0-DE13-4F22-ABB0-253098985218}" type="datetimeFigureOut">
               <a:rPr lang="en-US" smtClean="0"/>
               <a:pPr/>
-              <a:t>3/6/2018</a:t>
+              <a:t>3/7/2018</a:t>
             </a:fld>
             <a:endParaRPr lang="en-US"/>
           </a:p>
@@ -1414,7 +1414,7 @@
             <a:fld id="{77CA5DE0-DE13-4F22-ABB0-253098985218}" type="datetimeFigureOut">
               <a:rPr lang="en-US" smtClean="0"/>
               <a:pPr/>
-              <a:t>3/6/2018</a:t>
+              <a:t>3/7/2018</a:t>
             </a:fld>
             <a:endParaRPr lang="en-US"/>
           </a:p>
@@ -1699,7 +1699,7 @@
             <a:fld id="{77CA5DE0-DE13-4F22-ABB0-253098985218}" type="datetimeFigureOut">
               <a:rPr lang="en-US" smtClean="0"/>
               <a:pPr/>
-              <a:t>3/6/2018</a:t>
+              <a:t>3/7/2018</a:t>
             </a:fld>
             <a:endParaRPr lang="en-US"/>
           </a:p>
@@ -2118,7 +2118,7 @@
             <a:fld id="{77CA5DE0-DE13-4F22-ABB0-253098985218}" type="datetimeFigureOut">
               <a:rPr lang="en-US" smtClean="0"/>
               <a:pPr/>
-              <a:t>3/6/2018</a:t>
+              <a:t>3/7/2018</a:t>
             </a:fld>
             <a:endParaRPr lang="en-US"/>
           </a:p>
@@ -2233,7 +2233,7 @@
             <a:fld id="{77CA5DE0-DE13-4F22-ABB0-253098985218}" type="datetimeFigureOut">
               <a:rPr lang="en-US" smtClean="0"/>
               <a:pPr/>
-              <a:t>3/6/2018</a:t>
+              <a:t>3/7/2018</a:t>
             </a:fld>
             <a:endParaRPr lang="en-US"/>
           </a:p>
@@ -2325,7 +2325,7 @@
             <a:fld id="{77CA5DE0-DE13-4F22-ABB0-253098985218}" type="datetimeFigureOut">
               <a:rPr lang="en-US" smtClean="0"/>
               <a:pPr/>
-              <a:t>3/6/2018</a:t>
+              <a:t>3/7/2018</a:t>
             </a:fld>
             <a:endParaRPr lang="en-US"/>
           </a:p>
@@ -2599,7 +2599,7 @@
             <a:fld id="{77CA5DE0-DE13-4F22-ABB0-253098985218}" type="datetimeFigureOut">
               <a:rPr lang="en-US" smtClean="0"/>
               <a:pPr/>
-              <a:t>3/6/2018</a:t>
+              <a:t>3/7/2018</a:t>
             </a:fld>
             <a:endParaRPr lang="en-US"/>
           </a:p>
@@ -2849,7 +2849,7 @@
             <a:fld id="{77CA5DE0-DE13-4F22-ABB0-253098985218}" type="datetimeFigureOut">
               <a:rPr lang="en-US" smtClean="0"/>
               <a:pPr/>
-              <a:t>3/6/2018</a:t>
+              <a:t>3/7/2018</a:t>
             </a:fld>
             <a:endParaRPr lang="en-US"/>
           </a:p>
@@ -3059,7 +3059,7 @@
             <a:fld id="{77CA5DE0-DE13-4F22-ABB0-253098985218}" type="datetimeFigureOut">
               <a:rPr lang="en-US" smtClean="0"/>
               <a:pPr/>
-              <a:t>3/6/2018</a:t>
+              <a:t>3/7/2018</a:t>
             </a:fld>
             <a:endParaRPr lang="en-US"/>
           </a:p>
@@ -6495,7 +6495,7 @@
       </p:grpSpPr>
       <p:pic>
         <p:nvPicPr>
-          <p:cNvPr id="2055" name="Picture 7" descr="C:\Users\egutarra\AppData\Local\Temp\SNAGHTML2c4e7494.PNG"/>
+          <p:cNvPr id="19463" name="Picture 7"/>
           <p:cNvPicPr>
             <a:picLocks noChangeAspect="1" noChangeArrowheads="1"/>
           </p:cNvPicPr>
@@ -6510,15 +6510,114 @@
         </p:blipFill>
         <p:spPr bwMode="auto">
           <a:xfrm>
-            <a:off x="76200" y="161924"/>
-            <a:ext cx="8333320" cy="5934076"/>
+            <a:off x="152400" y="172200"/>
+            <a:ext cx="4397144" cy="6000000"/>
           </a:xfrm>
           <a:prstGeom prst="rect">
             <a:avLst/>
           </a:prstGeom>
           <a:noFill/>
+          <a:ln w="9525">
+            <a:noFill/>
+            <a:miter lim="800000"/>
+            <a:headEnd/>
+            <a:tailEnd/>
+          </a:ln>
         </p:spPr>
       </p:pic>
+      <p:grpSp>
+        <p:nvGrpSpPr>
+          <p:cNvPr id="6" name="Group 5"/>
+          <p:cNvGrpSpPr/>
+          <p:nvPr/>
+        </p:nvGrpSpPr>
+        <p:grpSpPr>
+          <a:xfrm>
+            <a:off x="3505200" y="79068"/>
+            <a:ext cx="5532306" cy="5331132"/>
+            <a:chOff x="3581400" y="0"/>
+            <a:chExt cx="5532306" cy="5331132"/>
+          </a:xfrm>
+        </p:grpSpPr>
+        <p:pic>
+          <p:nvPicPr>
+            <p:cNvPr id="19458" name="Picture 2" descr="https://documents.lucidchart.com/documents/f51fe44a-10af-4d6d-bef1-71ca0f42fdeb/pages/0_0?a=420&amp;x=5&amp;y=7&amp;w=1210&amp;h=1166&amp;store=1&amp;accept=image%2F*&amp;auth=LCA%2057a89508219638ad6daa6366ea1a359f384b898a-ts%3D1520445490"/>
+            <p:cNvPicPr>
+              <a:picLocks noChangeAspect="1" noChangeArrowheads="1"/>
+            </p:cNvPicPr>
+            <p:nvPr/>
+          </p:nvPicPr>
+          <p:blipFill>
+            <a:blip r:embed="rId3" cstate="print"/>
+            <a:srcRect/>
+            <a:stretch>
+              <a:fillRect/>
+            </a:stretch>
+          </p:blipFill>
+          <p:spPr bwMode="auto">
+            <a:xfrm>
+              <a:off x="3581400" y="0"/>
+              <a:ext cx="5532306" cy="5331132"/>
+            </a:xfrm>
+            <a:prstGeom prst="rect">
+              <a:avLst/>
+            </a:prstGeom>
+            <a:noFill/>
+          </p:spPr>
+        </p:pic>
+        <p:pic>
+          <p:nvPicPr>
+            <p:cNvPr id="19460" name="Picture 4" descr="https://documents.lucidchart.com/documents/70b2ab1c-720b-4050-97ff-f64855c948ca/pages/eNbqbEM6f5NI?a=2813&amp;x=1118&amp;y=176&amp;w=484&amp;h=520&amp;store=1&amp;accept=image%2F*&amp;auth=LCA%2006526ba40b4c38388fbcb471ee3bef88c134bb19-ts%3D1520445590"/>
+            <p:cNvPicPr>
+              <a:picLocks noChangeAspect="1" noChangeArrowheads="1"/>
+            </p:cNvPicPr>
+            <p:nvPr/>
+          </p:nvPicPr>
+          <p:blipFill>
+            <a:blip r:embed="rId4" cstate="print"/>
+            <a:srcRect/>
+            <a:stretch>
+              <a:fillRect/>
+            </a:stretch>
+          </p:blipFill>
+          <p:spPr bwMode="auto">
+            <a:xfrm>
+              <a:off x="6716570" y="0"/>
+              <a:ext cx="2351230" cy="2526115"/>
+            </a:xfrm>
+            <a:prstGeom prst="rect">
+              <a:avLst/>
+            </a:prstGeom>
+            <a:noFill/>
+          </p:spPr>
+        </p:pic>
+        <p:pic>
+          <p:nvPicPr>
+            <p:cNvPr id="19462" name="Picture 6" descr="https://documents.lucidchart.com/documents/70b2ab1c-720b-4050-97ff-f64855c948ca/pages/eNbqbEM6f5NI?a=2813&amp;x=898&amp;y=146&amp;w=253&amp;h=253&amp;store=1&amp;accept=image%2F*&amp;auth=LCA%20b038b873c672683c3564bd89093dec4f5f8e699b-ts%3D1520445590"/>
+            <p:cNvPicPr>
+              <a:picLocks noChangeAspect="1" noChangeArrowheads="1"/>
+            </p:cNvPicPr>
+            <p:nvPr/>
+          </p:nvPicPr>
+          <p:blipFill>
+            <a:blip r:embed="rId5" cstate="print"/>
+            <a:srcRect/>
+            <a:stretch>
+              <a:fillRect/>
+            </a:stretch>
+          </p:blipFill>
+          <p:spPr bwMode="auto">
+            <a:xfrm>
+              <a:off x="5638800" y="152400"/>
+              <a:ext cx="1229052" cy="1229052"/>
+            </a:xfrm>
+            <a:prstGeom prst="rect">
+              <a:avLst/>
+            </a:prstGeom>
+            <a:noFill/>
+          </p:spPr>
+        </p:pic>
+      </p:grpSp>
     </p:spTree>
   </p:cSld>
   <p:clrMapOvr>

--- a/EBooks/Diagrams2.pptx
+++ b/EBooks/Diagrams2.pptx
@@ -212,7 +212,7 @@
             <a:fld id="{5AE4D5FD-0D60-4851-A652-6098E929EFC4}" type="datetimeFigureOut">
               <a:rPr lang="en-US" smtClean="0"/>
               <a:pPr/>
-              <a:t>3/7/2018</a:t>
+              <a:t>5/15/2018</a:t>
             </a:fld>
             <a:endParaRPr lang="en-US"/>
           </a:p>
@@ -660,7 +660,7 @@
             <a:fld id="{77CA5DE0-DE13-4F22-ABB0-253098985218}" type="datetimeFigureOut">
               <a:rPr lang="en-US" smtClean="0"/>
               <a:pPr/>
-              <a:t>3/7/2018</a:t>
+              <a:t>5/15/2018</a:t>
             </a:fld>
             <a:endParaRPr lang="en-US"/>
           </a:p>
@@ -827,7 +827,7 @@
             <a:fld id="{77CA5DE0-DE13-4F22-ABB0-253098985218}" type="datetimeFigureOut">
               <a:rPr lang="en-US" smtClean="0"/>
               <a:pPr/>
-              <a:t>3/7/2018</a:t>
+              <a:t>5/15/2018</a:t>
             </a:fld>
             <a:endParaRPr lang="en-US"/>
           </a:p>
@@ -1004,7 +1004,7 @@
             <a:fld id="{77CA5DE0-DE13-4F22-ABB0-253098985218}" type="datetimeFigureOut">
               <a:rPr lang="en-US" smtClean="0"/>
               <a:pPr/>
-              <a:t>3/7/2018</a:t>
+              <a:t>5/15/2018</a:t>
             </a:fld>
             <a:endParaRPr lang="en-US"/>
           </a:p>
@@ -1171,7 +1171,7 @@
             <a:fld id="{77CA5DE0-DE13-4F22-ABB0-253098985218}" type="datetimeFigureOut">
               <a:rPr lang="en-US" smtClean="0"/>
               <a:pPr/>
-              <a:t>3/7/2018</a:t>
+              <a:t>5/15/2018</a:t>
             </a:fld>
             <a:endParaRPr lang="en-US"/>
           </a:p>
@@ -1414,7 +1414,7 @@
             <a:fld id="{77CA5DE0-DE13-4F22-ABB0-253098985218}" type="datetimeFigureOut">
               <a:rPr lang="en-US" smtClean="0"/>
               <a:pPr/>
-              <a:t>3/7/2018</a:t>
+              <a:t>5/15/2018</a:t>
             </a:fld>
             <a:endParaRPr lang="en-US"/>
           </a:p>
@@ -1699,7 +1699,7 @@
             <a:fld id="{77CA5DE0-DE13-4F22-ABB0-253098985218}" type="datetimeFigureOut">
               <a:rPr lang="en-US" smtClean="0"/>
               <a:pPr/>
-              <a:t>3/7/2018</a:t>
+              <a:t>5/15/2018</a:t>
             </a:fld>
             <a:endParaRPr lang="en-US"/>
           </a:p>
@@ -2118,7 +2118,7 @@
             <a:fld id="{77CA5DE0-DE13-4F22-ABB0-253098985218}" type="datetimeFigureOut">
               <a:rPr lang="en-US" smtClean="0"/>
               <a:pPr/>
-              <a:t>3/7/2018</a:t>
+              <a:t>5/15/2018</a:t>
             </a:fld>
             <a:endParaRPr lang="en-US"/>
           </a:p>
@@ -2233,7 +2233,7 @@
             <a:fld id="{77CA5DE0-DE13-4F22-ABB0-253098985218}" type="datetimeFigureOut">
               <a:rPr lang="en-US" smtClean="0"/>
               <a:pPr/>
-              <a:t>3/7/2018</a:t>
+              <a:t>5/15/2018</a:t>
             </a:fld>
             <a:endParaRPr lang="en-US"/>
           </a:p>
@@ -2325,7 +2325,7 @@
             <a:fld id="{77CA5DE0-DE13-4F22-ABB0-253098985218}" type="datetimeFigureOut">
               <a:rPr lang="en-US" smtClean="0"/>
               <a:pPr/>
-              <a:t>3/7/2018</a:t>
+              <a:t>5/15/2018</a:t>
             </a:fld>
             <a:endParaRPr lang="en-US"/>
           </a:p>
@@ -2599,7 +2599,7 @@
             <a:fld id="{77CA5DE0-DE13-4F22-ABB0-253098985218}" type="datetimeFigureOut">
               <a:rPr lang="en-US" smtClean="0"/>
               <a:pPr/>
-              <a:t>3/7/2018</a:t>
+              <a:t>5/15/2018</a:t>
             </a:fld>
             <a:endParaRPr lang="en-US"/>
           </a:p>
@@ -2849,7 +2849,7 @@
             <a:fld id="{77CA5DE0-DE13-4F22-ABB0-253098985218}" type="datetimeFigureOut">
               <a:rPr lang="en-US" smtClean="0"/>
               <a:pPr/>
-              <a:t>3/7/2018</a:t>
+              <a:t>5/15/2018</a:t>
             </a:fld>
             <a:endParaRPr lang="en-US"/>
           </a:p>
@@ -3059,7 +3059,7 @@
             <a:fld id="{77CA5DE0-DE13-4F22-ABB0-253098985218}" type="datetimeFigureOut">
               <a:rPr lang="en-US" smtClean="0"/>
               <a:pPr/>
-              <a:t>3/7/2018</a:t>
+              <a:t>5/15/2018</a:t>
             </a:fld>
             <a:endParaRPr lang="en-US"/>
           </a:p>
@@ -6618,6 +6618,36 @@
           </p:spPr>
         </p:pic>
       </p:grpSp>
+      <p:sp>
+        <p:nvSpPr>
+          <p:cNvPr id="7" name="TextBox 6"/>
+          <p:cNvSpPr txBox="1"/>
+          <p:nvPr/>
+        </p:nvSpPr>
+        <p:spPr>
+          <a:xfrm>
+            <a:off x="7467600" y="6400800"/>
+            <a:ext cx="1521057" cy="276999"/>
+          </a:xfrm>
+          <a:prstGeom prst="rect">
+            <a:avLst/>
+          </a:prstGeom>
+          <a:noFill/>
+        </p:spPr>
+        <p:txBody>
+          <a:bodyPr wrap="none" rtlCol="0">
+            <a:spAutoFit/>
+          </a:bodyPr>
+          <a:lstStyle/>
+          <a:p>
+            <a:r>
+              <a:rPr lang="en-US" sz="1200" dirty="0" smtClean="0"/>
+              <a:t>Maze Recursive Solve</a:t>
+            </a:r>
+            <a:endParaRPr lang="en-US" sz="1200" dirty="0"/>
+          </a:p>
+        </p:txBody>
+      </p:sp>
     </p:spTree>
   </p:cSld>
   <p:clrMapOvr>
